--- a/AKS_04_Networking.pptx
+++ b/AKS_04_Networking.pptx
@@ -6,7 +6,7 @@
     <p:sldMasterId id="2147483660" r:id="rId2"/>
   </p:sldMasterIdLst>
   <p:notesMasterIdLst>
-    <p:notesMasterId r:id="rId47"/>
+    <p:notesMasterId r:id="rId53"/>
   </p:notesMasterIdLst>
   <p:sldIdLst>
     <p:sldId id="256" r:id="rId3"/>
@@ -51,8 +51,14 @@
     <p:sldId id="356" r:id="rId42"/>
     <p:sldId id="357" r:id="rId43"/>
     <p:sldId id="379" r:id="rId44"/>
-    <p:sldId id="334" r:id="rId45"/>
-    <p:sldId id="335" r:id="rId46"/>
+    <p:sldId id="380" r:id="rId45"/>
+    <p:sldId id="381" r:id="rId46"/>
+    <p:sldId id="382" r:id="rId47"/>
+    <p:sldId id="383" r:id="rId48"/>
+    <p:sldId id="384" r:id="rId49"/>
+    <p:sldId id="385" r:id="rId50"/>
+    <p:sldId id="334" r:id="rId51"/>
+    <p:sldId id="335" r:id="rId52"/>
   </p:sldIdLst>
   <p:sldSz cx="12192000" cy="6858000"/>
   <p:notesSz cx="6858000" cy="9144000"/>
@@ -162,7 +168,7 @@
 <file path=ppt/revisionInfo.xml><?xml version="1.0" encoding="utf-8"?>
 <p1510:revInfo xmlns:a="http://schemas.openxmlformats.org/drawingml/2006/main" xmlns:r="http://schemas.openxmlformats.org/officeDocument/2006/relationships" xmlns:p1510="http://schemas.microsoft.com/office/powerpoint/2015/10/main">
   <p1510:revLst>
-    <p1510:client id="{02B96E70-969F-46D9-AD3D-3D2BF050D83C}" v="53" dt="2026-02-03T16:18:22.368"/>
+    <p1510:client id="{02B96E70-969F-46D9-AD3D-3D2BF050D83C}" v="60" dt="2026-02-04T06:49:53.750"/>
   </p1510:revLst>
 </p1510:revInfo>
 </file>
@@ -172,7 +178,7 @@
   <pc:docChgLst>
     <pc:chgData name="faik bilgen" userId="9fcb1696e65a161f" providerId="LiveId" clId="{0C3A4C9E-717D-4ADE-97E0-B0AD580B3355}"/>
     <pc:docChg chg="undo custSel addSld delSld modSld sldOrd">
-      <pc:chgData name="faik bilgen" userId="9fcb1696e65a161f" providerId="LiveId" clId="{0C3A4C9E-717D-4ADE-97E0-B0AD580B3355}" dt="2026-02-03T18:48:10.530" v="1219" actId="47"/>
+      <pc:chgData name="faik bilgen" userId="9fcb1696e65a161f" providerId="LiveId" clId="{0C3A4C9E-717D-4ADE-97E0-B0AD580B3355}" dt="2026-02-04T06:52:38.534" v="1321" actId="2890"/>
       <pc:docMkLst>
         <pc:docMk/>
       </pc:docMkLst>
@@ -1670,6 +1676,120 @@
           </ac:spMkLst>
         </pc:spChg>
       </pc:sldChg>
+      <pc:sldChg chg="modSp add mod ord">
+        <pc:chgData name="faik bilgen" userId="9fcb1696e65a161f" providerId="LiveId" clId="{0C3A4C9E-717D-4ADE-97E0-B0AD580B3355}" dt="2026-02-04T06:39:22.001" v="1239" actId="20577"/>
+        <pc:sldMkLst>
+          <pc:docMk/>
+          <pc:sldMk cId="3003265005" sldId="380"/>
+        </pc:sldMkLst>
+        <pc:spChg chg="mod">
+          <ac:chgData name="faik bilgen" userId="9fcb1696e65a161f" providerId="LiveId" clId="{0C3A4C9E-717D-4ADE-97E0-B0AD580B3355}" dt="2026-02-04T06:39:22.001" v="1239" actId="20577"/>
+          <ac:spMkLst>
+            <pc:docMk/>
+            <pc:sldMk cId="3003265005" sldId="380"/>
+            <ac:spMk id="2" creationId="{C0B59189-FA76-FDB9-91A2-870A6F4C8099}"/>
+          </ac:spMkLst>
+        </pc:spChg>
+      </pc:sldChg>
+      <pc:sldChg chg="modSp add mod ord modNotesTx">
+        <pc:chgData name="faik bilgen" userId="9fcb1696e65a161f" providerId="LiveId" clId="{0C3A4C9E-717D-4ADE-97E0-B0AD580B3355}" dt="2026-02-04T06:45:26.874" v="1279" actId="20577"/>
+        <pc:sldMkLst>
+          <pc:docMk/>
+          <pc:sldMk cId="3219863466" sldId="381"/>
+        </pc:sldMkLst>
+        <pc:spChg chg="mod">
+          <ac:chgData name="faik bilgen" userId="9fcb1696e65a161f" providerId="LiveId" clId="{0C3A4C9E-717D-4ADE-97E0-B0AD580B3355}" dt="2026-02-04T06:43:36.542" v="1268" actId="20577"/>
+          <ac:spMkLst>
+            <pc:docMk/>
+            <pc:sldMk cId="3219863466" sldId="381"/>
+            <ac:spMk id="2" creationId="{842B016B-E67F-0166-6533-DB981E3973A4}"/>
+          </ac:spMkLst>
+        </pc:spChg>
+        <pc:spChg chg="mod">
+          <ac:chgData name="faik bilgen" userId="9fcb1696e65a161f" providerId="LiveId" clId="{0C3A4C9E-717D-4ADE-97E0-B0AD580B3355}" dt="2026-02-04T06:44:34.919" v="1274" actId="6549"/>
+          <ac:spMkLst>
+            <pc:docMk/>
+            <pc:sldMk cId="3219863466" sldId="381"/>
+            <ac:spMk id="4" creationId="{0160EC1C-B841-070F-918A-2C47B671C9DD}"/>
+          </ac:spMkLst>
+        </pc:spChg>
+      </pc:sldChg>
+      <pc:sldChg chg="modSp add mod modNotesTx">
+        <pc:chgData name="faik bilgen" userId="9fcb1696e65a161f" providerId="LiveId" clId="{0C3A4C9E-717D-4ADE-97E0-B0AD580B3355}" dt="2026-02-04T06:49:18.286" v="1295" actId="113"/>
+        <pc:sldMkLst>
+          <pc:docMk/>
+          <pc:sldMk cId="2652172029" sldId="382"/>
+        </pc:sldMkLst>
+        <pc:spChg chg="mod">
+          <ac:chgData name="faik bilgen" userId="9fcb1696e65a161f" providerId="LiveId" clId="{0C3A4C9E-717D-4ADE-97E0-B0AD580B3355}" dt="2026-02-04T06:46:20.917" v="1282"/>
+          <ac:spMkLst>
+            <pc:docMk/>
+            <pc:sldMk cId="2652172029" sldId="382"/>
+            <ac:spMk id="2" creationId="{DB2259BD-F500-E6A4-D1AE-BED61570EAF2}"/>
+          </ac:spMkLst>
+        </pc:spChg>
+        <pc:spChg chg="mod">
+          <ac:chgData name="faik bilgen" userId="9fcb1696e65a161f" providerId="LiveId" clId="{0C3A4C9E-717D-4ADE-97E0-B0AD580B3355}" dt="2026-02-04T06:49:18.286" v="1295" actId="113"/>
+          <ac:spMkLst>
+            <pc:docMk/>
+            <pc:sldMk cId="2652172029" sldId="382"/>
+            <ac:spMk id="4" creationId="{6C52D58B-FB3E-4619-7E2D-46C96E85EA30}"/>
+          </ac:spMkLst>
+        </pc:spChg>
+      </pc:sldChg>
+      <pc:sldChg chg="addSp delSp modSp add mod">
+        <pc:chgData name="faik bilgen" userId="9fcb1696e65a161f" providerId="LiveId" clId="{0C3A4C9E-717D-4ADE-97E0-B0AD580B3355}" dt="2026-02-04T06:50:47.083" v="1314" actId="14100"/>
+        <pc:sldMkLst>
+          <pc:docMk/>
+          <pc:sldMk cId="4108619422" sldId="383"/>
+        </pc:sldMkLst>
+        <pc:spChg chg="del">
+          <ac:chgData name="faik bilgen" userId="9fcb1696e65a161f" providerId="LiveId" clId="{0C3A4C9E-717D-4ADE-97E0-B0AD580B3355}" dt="2026-02-04T06:49:47.875" v="1297" actId="478"/>
+          <ac:spMkLst>
+            <pc:docMk/>
+            <pc:sldMk cId="4108619422" sldId="383"/>
+            <ac:spMk id="4" creationId="{F6484113-9020-4FF3-FC66-499FE7441ADC}"/>
+          </ac:spMkLst>
+        </pc:spChg>
+        <pc:graphicFrameChg chg="add mod modGraphic">
+          <ac:chgData name="faik bilgen" userId="9fcb1696e65a161f" providerId="LiveId" clId="{0C3A4C9E-717D-4ADE-97E0-B0AD580B3355}" dt="2026-02-04T06:50:47.083" v="1314" actId="14100"/>
+          <ac:graphicFrameMkLst>
+            <pc:docMk/>
+            <pc:sldMk cId="4108619422" sldId="383"/>
+            <ac:graphicFrameMk id="3" creationId="{FA4DFEF2-EF5D-D783-89ED-1DFE5F269631}"/>
+          </ac:graphicFrameMkLst>
+        </pc:graphicFrameChg>
+      </pc:sldChg>
+      <pc:sldChg chg="addSp delSp modSp add mod">
+        <pc:chgData name="faik bilgen" userId="9fcb1696e65a161f" providerId="LiveId" clId="{0C3A4C9E-717D-4ADE-97E0-B0AD580B3355}" dt="2026-02-04T06:52:31.771" v="1320" actId="1076"/>
+        <pc:sldMkLst>
+          <pc:docMk/>
+          <pc:sldMk cId="4102811203" sldId="384"/>
+        </pc:sldMkLst>
+        <pc:graphicFrameChg chg="del">
+          <ac:chgData name="faik bilgen" userId="9fcb1696e65a161f" providerId="LiveId" clId="{0C3A4C9E-717D-4ADE-97E0-B0AD580B3355}" dt="2026-02-04T06:51:15.189" v="1316" actId="478"/>
+          <ac:graphicFrameMkLst>
+            <pc:docMk/>
+            <pc:sldMk cId="4102811203" sldId="384"/>
+            <ac:graphicFrameMk id="3" creationId="{F94ABB46-656C-6ED7-5E58-17E1529D40B8}"/>
+          </ac:graphicFrameMkLst>
+        </pc:graphicFrameChg>
+        <pc:picChg chg="add mod">
+          <ac:chgData name="faik bilgen" userId="9fcb1696e65a161f" providerId="LiveId" clId="{0C3A4C9E-717D-4ADE-97E0-B0AD580B3355}" dt="2026-02-04T06:52:31.771" v="1320" actId="1076"/>
+          <ac:picMkLst>
+            <pc:docMk/>
+            <pc:sldMk cId="4102811203" sldId="384"/>
+            <ac:picMk id="5" creationId="{2424B2CF-A14A-FA6D-9B5B-E016D9C9C3D3}"/>
+          </ac:picMkLst>
+        </pc:picChg>
+      </pc:sldChg>
+      <pc:sldChg chg="add">
+        <pc:chgData name="faik bilgen" userId="9fcb1696e65a161f" providerId="LiveId" clId="{0C3A4C9E-717D-4ADE-97E0-B0AD580B3355}" dt="2026-02-04T06:52:38.534" v="1321" actId="2890"/>
+        <pc:sldMkLst>
+          <pc:docMk/>
+          <pc:sldMk cId="2507713645" sldId="385"/>
+        </pc:sldMkLst>
+      </pc:sldChg>
     </pc:docChg>
   </pc:docChgLst>
 </pc:chgInfo>
@@ -1757,7 +1877,7 @@
           <a:p>
             <a:fld id="{33308A92-B98F-4EFC-AFB3-8EC3A22CF98B}" type="datetimeFigureOut">
               <a:rPr lang="en-US" smtClean="0"/>
-              <a:t>2/3/2026</a:t>
+              <a:t>2/4/2026</a:t>
             </a:fld>
             <a:endParaRPr lang="en-US"/>
           </a:p>
@@ -4505,6 +4625,561 @@
 </p:notes>
 </file>
 
+<file path=ppt/notesSlides/notesSlide30.xml><?xml version="1.0" encoding="utf-8"?>
+<p:notes xmlns:a="http://schemas.openxmlformats.org/drawingml/2006/main" xmlns:r="http://schemas.openxmlformats.org/officeDocument/2006/relationships" xmlns:p="http://schemas.openxmlformats.org/presentationml/2006/main">
+  <p:cSld>
+    <p:spTree>
+      <p:nvGrpSpPr>
+        <p:cNvPr id="1" name="">
+          <a:extLst>
+            <a:ext uri="{FF2B5EF4-FFF2-40B4-BE49-F238E27FC236}">
+              <a16:creationId xmlns:a16="http://schemas.microsoft.com/office/drawing/2014/main" id="{D8FAD2D8-1015-B1F5-DC32-F4ABB16AA2BB}"/>
+            </a:ext>
+          </a:extLst>
+        </p:cNvPr>
+        <p:cNvGrpSpPr/>
+        <p:nvPr/>
+      </p:nvGrpSpPr>
+      <p:grpSpPr>
+        <a:xfrm>
+          <a:off x="0" y="0"/>
+          <a:ext cx="0" cy="0"/>
+          <a:chOff x="0" y="0"/>
+          <a:chExt cx="0" cy="0"/>
+        </a:xfrm>
+      </p:grpSpPr>
+      <p:sp>
+        <p:nvSpPr>
+          <p:cNvPr id="2" name="Slide Image Placeholder 1">
+            <a:extLst>
+              <a:ext uri="{FF2B5EF4-FFF2-40B4-BE49-F238E27FC236}">
+                <a16:creationId xmlns:a16="http://schemas.microsoft.com/office/drawing/2014/main" id="{1C85D193-842F-4538-D976-D3E9767E0161}"/>
+              </a:ext>
+            </a:extLst>
+          </p:cNvPr>
+          <p:cNvSpPr>
+            <a:spLocks noGrp="1" noRot="1" noChangeAspect="1"/>
+          </p:cNvSpPr>
+          <p:nvPr>
+            <p:ph type="sldImg"/>
+          </p:nvPr>
+        </p:nvSpPr>
+        <p:spPr/>
+      </p:sp>
+      <p:sp>
+        <p:nvSpPr>
+          <p:cNvPr id="3" name="Notes Placeholder 2">
+            <a:extLst>
+              <a:ext uri="{FF2B5EF4-FFF2-40B4-BE49-F238E27FC236}">
+                <a16:creationId xmlns:a16="http://schemas.microsoft.com/office/drawing/2014/main" id="{1952AA76-A66E-534F-0880-A5A6AB3B2564}"/>
+              </a:ext>
+            </a:extLst>
+          </p:cNvPr>
+          <p:cNvSpPr>
+            <a:spLocks noGrp="1"/>
+          </p:cNvSpPr>
+          <p:nvPr>
+            <p:ph type="body" idx="1"/>
+          </p:nvPr>
+        </p:nvSpPr>
+        <p:spPr/>
+        <p:txBody>
+          <a:bodyPr/>
+          <a:lstStyle/>
+          <a:p>
+            <a:r>
+              <a:rPr lang="en-US" dirty="0"/>
+              <a:t>https://learn.microsoft.com/en-us/azure/aks/use-network-policies </a:t>
+            </a:r>
+          </a:p>
+        </p:txBody>
+      </p:sp>
+      <p:sp>
+        <p:nvSpPr>
+          <p:cNvPr id="4" name="Slide Number Placeholder 3">
+            <a:extLst>
+              <a:ext uri="{FF2B5EF4-FFF2-40B4-BE49-F238E27FC236}">
+                <a16:creationId xmlns:a16="http://schemas.microsoft.com/office/drawing/2014/main" id="{22E7C60E-CCE1-72EB-7B40-532110F41935}"/>
+              </a:ext>
+            </a:extLst>
+          </p:cNvPr>
+          <p:cNvSpPr>
+            <a:spLocks noGrp="1"/>
+          </p:cNvSpPr>
+          <p:nvPr>
+            <p:ph type="sldNum" sz="quarter" idx="5"/>
+          </p:nvPr>
+        </p:nvSpPr>
+        <p:spPr/>
+        <p:txBody>
+          <a:bodyPr/>
+          <a:lstStyle/>
+          <a:p>
+            <a:fld id="{8CD5A177-4F81-46F5-8B40-3F72A2FB8C4F}" type="slidenum">
+              <a:rPr lang="en-US" smtClean="0"/>
+              <a:t>44</a:t>
+            </a:fld>
+            <a:endParaRPr lang="en-US"/>
+          </a:p>
+        </p:txBody>
+      </p:sp>
+    </p:spTree>
+    <p:extLst>
+      <p:ext uri="{BB962C8B-B14F-4D97-AF65-F5344CB8AC3E}">
+        <p14:creationId xmlns:p14="http://schemas.microsoft.com/office/powerpoint/2010/main" val="2350595755"/>
+      </p:ext>
+    </p:extLst>
+  </p:cSld>
+  <p:clrMapOvr>
+    <a:masterClrMapping/>
+  </p:clrMapOvr>
+</p:notes>
+</file>
+
+<file path=ppt/notesSlides/notesSlide31.xml><?xml version="1.0" encoding="utf-8"?>
+<p:notes xmlns:a="http://schemas.openxmlformats.org/drawingml/2006/main" xmlns:r="http://schemas.openxmlformats.org/officeDocument/2006/relationships" xmlns:p="http://schemas.openxmlformats.org/presentationml/2006/main">
+  <p:cSld>
+    <p:spTree>
+      <p:nvGrpSpPr>
+        <p:cNvPr id="1" name="">
+          <a:extLst>
+            <a:ext uri="{FF2B5EF4-FFF2-40B4-BE49-F238E27FC236}">
+              <a16:creationId xmlns:a16="http://schemas.microsoft.com/office/drawing/2014/main" id="{CB76E951-7396-7774-AC6D-FCFBB7438CA5}"/>
+            </a:ext>
+          </a:extLst>
+        </p:cNvPr>
+        <p:cNvGrpSpPr/>
+        <p:nvPr/>
+      </p:nvGrpSpPr>
+      <p:grpSpPr>
+        <a:xfrm>
+          <a:off x="0" y="0"/>
+          <a:ext cx="0" cy="0"/>
+          <a:chOff x="0" y="0"/>
+          <a:chExt cx="0" cy="0"/>
+        </a:xfrm>
+      </p:grpSpPr>
+      <p:sp>
+        <p:nvSpPr>
+          <p:cNvPr id="2" name="Slide Image Placeholder 1">
+            <a:extLst>
+              <a:ext uri="{FF2B5EF4-FFF2-40B4-BE49-F238E27FC236}">
+                <a16:creationId xmlns:a16="http://schemas.microsoft.com/office/drawing/2014/main" id="{892B6C4D-85CD-7864-6958-0640399B8437}"/>
+              </a:ext>
+            </a:extLst>
+          </p:cNvPr>
+          <p:cNvSpPr>
+            <a:spLocks noGrp="1" noRot="1" noChangeAspect="1"/>
+          </p:cNvSpPr>
+          <p:nvPr>
+            <p:ph type="sldImg"/>
+          </p:nvPr>
+        </p:nvSpPr>
+        <p:spPr/>
+      </p:sp>
+      <p:sp>
+        <p:nvSpPr>
+          <p:cNvPr id="3" name="Notes Placeholder 2">
+            <a:extLst>
+              <a:ext uri="{FF2B5EF4-FFF2-40B4-BE49-F238E27FC236}">
+                <a16:creationId xmlns:a16="http://schemas.microsoft.com/office/drawing/2014/main" id="{3D96A7A7-3C82-8F3F-9CE8-577FB62D781D}"/>
+              </a:ext>
+            </a:extLst>
+          </p:cNvPr>
+          <p:cNvSpPr>
+            <a:spLocks noGrp="1"/>
+          </p:cNvSpPr>
+          <p:nvPr>
+            <p:ph type="body" idx="1"/>
+          </p:nvPr>
+        </p:nvSpPr>
+        <p:spPr/>
+        <p:txBody>
+          <a:bodyPr/>
+          <a:lstStyle/>
+          <a:p>
+            <a:r>
+              <a:rPr lang="en-US" dirty="0"/>
+              <a:t>https://learn.microsoft.com/en-us/azure/aks/use-network-policies </a:t>
+            </a:r>
+          </a:p>
+        </p:txBody>
+      </p:sp>
+      <p:sp>
+        <p:nvSpPr>
+          <p:cNvPr id="4" name="Slide Number Placeholder 3">
+            <a:extLst>
+              <a:ext uri="{FF2B5EF4-FFF2-40B4-BE49-F238E27FC236}">
+                <a16:creationId xmlns:a16="http://schemas.microsoft.com/office/drawing/2014/main" id="{0F321CDC-8718-2C4A-B82A-72AF1A25789F}"/>
+              </a:ext>
+            </a:extLst>
+          </p:cNvPr>
+          <p:cNvSpPr>
+            <a:spLocks noGrp="1"/>
+          </p:cNvSpPr>
+          <p:nvPr>
+            <p:ph type="sldNum" sz="quarter" idx="5"/>
+          </p:nvPr>
+        </p:nvSpPr>
+        <p:spPr/>
+        <p:txBody>
+          <a:bodyPr/>
+          <a:lstStyle/>
+          <a:p>
+            <a:fld id="{8CD5A177-4F81-46F5-8B40-3F72A2FB8C4F}" type="slidenum">
+              <a:rPr lang="en-US" smtClean="0"/>
+              <a:t>45</a:t>
+            </a:fld>
+            <a:endParaRPr lang="en-US"/>
+          </a:p>
+        </p:txBody>
+      </p:sp>
+    </p:spTree>
+    <p:extLst>
+      <p:ext uri="{BB962C8B-B14F-4D97-AF65-F5344CB8AC3E}">
+        <p14:creationId xmlns:p14="http://schemas.microsoft.com/office/powerpoint/2010/main" val="1895977559"/>
+      </p:ext>
+    </p:extLst>
+  </p:cSld>
+  <p:clrMapOvr>
+    <a:masterClrMapping/>
+  </p:clrMapOvr>
+</p:notes>
+</file>
+
+<file path=ppt/notesSlides/notesSlide32.xml><?xml version="1.0" encoding="utf-8"?>
+<p:notes xmlns:a="http://schemas.openxmlformats.org/drawingml/2006/main" xmlns:r="http://schemas.openxmlformats.org/officeDocument/2006/relationships" xmlns:p="http://schemas.openxmlformats.org/presentationml/2006/main">
+  <p:cSld>
+    <p:spTree>
+      <p:nvGrpSpPr>
+        <p:cNvPr id="1" name="">
+          <a:extLst>
+            <a:ext uri="{FF2B5EF4-FFF2-40B4-BE49-F238E27FC236}">
+              <a16:creationId xmlns:a16="http://schemas.microsoft.com/office/drawing/2014/main" id="{1F2073B1-C7E7-3BA3-E933-84AF01027BAB}"/>
+            </a:ext>
+          </a:extLst>
+        </p:cNvPr>
+        <p:cNvGrpSpPr/>
+        <p:nvPr/>
+      </p:nvGrpSpPr>
+      <p:grpSpPr>
+        <a:xfrm>
+          <a:off x="0" y="0"/>
+          <a:ext cx="0" cy="0"/>
+          <a:chOff x="0" y="0"/>
+          <a:chExt cx="0" cy="0"/>
+        </a:xfrm>
+      </p:grpSpPr>
+      <p:sp>
+        <p:nvSpPr>
+          <p:cNvPr id="2" name="Slide Image Placeholder 1">
+            <a:extLst>
+              <a:ext uri="{FF2B5EF4-FFF2-40B4-BE49-F238E27FC236}">
+                <a16:creationId xmlns:a16="http://schemas.microsoft.com/office/drawing/2014/main" id="{9B0998DB-FB1E-EE89-AA68-7048E5DFD701}"/>
+              </a:ext>
+            </a:extLst>
+          </p:cNvPr>
+          <p:cNvSpPr>
+            <a:spLocks noGrp="1" noRot="1" noChangeAspect="1"/>
+          </p:cNvSpPr>
+          <p:nvPr>
+            <p:ph type="sldImg"/>
+          </p:nvPr>
+        </p:nvSpPr>
+        <p:spPr/>
+      </p:sp>
+      <p:sp>
+        <p:nvSpPr>
+          <p:cNvPr id="3" name="Notes Placeholder 2">
+            <a:extLst>
+              <a:ext uri="{FF2B5EF4-FFF2-40B4-BE49-F238E27FC236}">
+                <a16:creationId xmlns:a16="http://schemas.microsoft.com/office/drawing/2014/main" id="{8B3DCA1C-5579-97BA-ACDC-3F0EE7AEBBD5}"/>
+              </a:ext>
+            </a:extLst>
+          </p:cNvPr>
+          <p:cNvSpPr>
+            <a:spLocks noGrp="1"/>
+          </p:cNvSpPr>
+          <p:nvPr>
+            <p:ph type="body" idx="1"/>
+          </p:nvPr>
+        </p:nvSpPr>
+        <p:spPr/>
+        <p:txBody>
+          <a:bodyPr/>
+          <a:lstStyle/>
+          <a:p>
+            <a:r>
+              <a:rPr lang="en-US" dirty="0"/>
+              <a:t>https://learn.microsoft.com/en-us/azure/aks/use-network-policies </a:t>
+            </a:r>
+          </a:p>
+        </p:txBody>
+      </p:sp>
+      <p:sp>
+        <p:nvSpPr>
+          <p:cNvPr id="4" name="Slide Number Placeholder 3">
+            <a:extLst>
+              <a:ext uri="{FF2B5EF4-FFF2-40B4-BE49-F238E27FC236}">
+                <a16:creationId xmlns:a16="http://schemas.microsoft.com/office/drawing/2014/main" id="{920DB162-F7B7-A92B-A395-EAD08415D269}"/>
+              </a:ext>
+            </a:extLst>
+          </p:cNvPr>
+          <p:cNvSpPr>
+            <a:spLocks noGrp="1"/>
+          </p:cNvSpPr>
+          <p:nvPr>
+            <p:ph type="sldNum" sz="quarter" idx="5"/>
+          </p:nvPr>
+        </p:nvSpPr>
+        <p:spPr/>
+        <p:txBody>
+          <a:bodyPr/>
+          <a:lstStyle/>
+          <a:p>
+            <a:fld id="{8CD5A177-4F81-46F5-8B40-3F72A2FB8C4F}" type="slidenum">
+              <a:rPr lang="en-US" smtClean="0"/>
+              <a:t>46</a:t>
+            </a:fld>
+            <a:endParaRPr lang="en-US"/>
+          </a:p>
+        </p:txBody>
+      </p:sp>
+    </p:spTree>
+    <p:extLst>
+      <p:ext uri="{BB962C8B-B14F-4D97-AF65-F5344CB8AC3E}">
+        <p14:creationId xmlns:p14="http://schemas.microsoft.com/office/powerpoint/2010/main" val="129635968"/>
+      </p:ext>
+    </p:extLst>
+  </p:cSld>
+  <p:clrMapOvr>
+    <a:masterClrMapping/>
+  </p:clrMapOvr>
+</p:notes>
+</file>
+
+<file path=ppt/notesSlides/notesSlide33.xml><?xml version="1.0" encoding="utf-8"?>
+<p:notes xmlns:a="http://schemas.openxmlformats.org/drawingml/2006/main" xmlns:r="http://schemas.openxmlformats.org/officeDocument/2006/relationships" xmlns:p="http://schemas.openxmlformats.org/presentationml/2006/main">
+  <p:cSld>
+    <p:spTree>
+      <p:nvGrpSpPr>
+        <p:cNvPr id="1" name="">
+          <a:extLst>
+            <a:ext uri="{FF2B5EF4-FFF2-40B4-BE49-F238E27FC236}">
+              <a16:creationId xmlns:a16="http://schemas.microsoft.com/office/drawing/2014/main" id="{99266C5A-168D-FAB0-407C-1C046696E9AA}"/>
+            </a:ext>
+          </a:extLst>
+        </p:cNvPr>
+        <p:cNvGrpSpPr/>
+        <p:nvPr/>
+      </p:nvGrpSpPr>
+      <p:grpSpPr>
+        <a:xfrm>
+          <a:off x="0" y="0"/>
+          <a:ext cx="0" cy="0"/>
+          <a:chOff x="0" y="0"/>
+          <a:chExt cx="0" cy="0"/>
+        </a:xfrm>
+      </p:grpSpPr>
+      <p:sp>
+        <p:nvSpPr>
+          <p:cNvPr id="2" name="Slide Image Placeholder 1">
+            <a:extLst>
+              <a:ext uri="{FF2B5EF4-FFF2-40B4-BE49-F238E27FC236}">
+                <a16:creationId xmlns:a16="http://schemas.microsoft.com/office/drawing/2014/main" id="{7F1368AE-B86C-D9B7-7BBF-C52613AB64B8}"/>
+              </a:ext>
+            </a:extLst>
+          </p:cNvPr>
+          <p:cNvSpPr>
+            <a:spLocks noGrp="1" noRot="1" noChangeAspect="1"/>
+          </p:cNvSpPr>
+          <p:nvPr>
+            <p:ph type="sldImg"/>
+          </p:nvPr>
+        </p:nvSpPr>
+        <p:spPr/>
+      </p:sp>
+      <p:sp>
+        <p:nvSpPr>
+          <p:cNvPr id="3" name="Notes Placeholder 2">
+            <a:extLst>
+              <a:ext uri="{FF2B5EF4-FFF2-40B4-BE49-F238E27FC236}">
+                <a16:creationId xmlns:a16="http://schemas.microsoft.com/office/drawing/2014/main" id="{0E6FE13C-DB56-20C7-CDA1-70858C4768DC}"/>
+              </a:ext>
+            </a:extLst>
+          </p:cNvPr>
+          <p:cNvSpPr>
+            <a:spLocks noGrp="1"/>
+          </p:cNvSpPr>
+          <p:nvPr>
+            <p:ph type="body" idx="1"/>
+          </p:nvPr>
+        </p:nvSpPr>
+        <p:spPr/>
+        <p:txBody>
+          <a:bodyPr/>
+          <a:lstStyle/>
+          <a:p>
+            <a:r>
+              <a:rPr lang="en-US" dirty="0"/>
+              <a:t>https://learn.microsoft.com/en-us/azure/aks/use-network-policies </a:t>
+            </a:r>
+          </a:p>
+        </p:txBody>
+      </p:sp>
+      <p:sp>
+        <p:nvSpPr>
+          <p:cNvPr id="4" name="Slide Number Placeholder 3">
+            <a:extLst>
+              <a:ext uri="{FF2B5EF4-FFF2-40B4-BE49-F238E27FC236}">
+                <a16:creationId xmlns:a16="http://schemas.microsoft.com/office/drawing/2014/main" id="{CF6370C7-3DAE-15E8-6CBA-99B8D8405C74}"/>
+              </a:ext>
+            </a:extLst>
+          </p:cNvPr>
+          <p:cNvSpPr>
+            <a:spLocks noGrp="1"/>
+          </p:cNvSpPr>
+          <p:nvPr>
+            <p:ph type="sldNum" sz="quarter" idx="5"/>
+          </p:nvPr>
+        </p:nvSpPr>
+        <p:spPr/>
+        <p:txBody>
+          <a:bodyPr/>
+          <a:lstStyle/>
+          <a:p>
+            <a:fld id="{8CD5A177-4F81-46F5-8B40-3F72A2FB8C4F}" type="slidenum">
+              <a:rPr lang="en-US" smtClean="0"/>
+              <a:t>47</a:t>
+            </a:fld>
+            <a:endParaRPr lang="en-US"/>
+          </a:p>
+        </p:txBody>
+      </p:sp>
+    </p:spTree>
+    <p:extLst>
+      <p:ext uri="{BB962C8B-B14F-4D97-AF65-F5344CB8AC3E}">
+        <p14:creationId xmlns:p14="http://schemas.microsoft.com/office/powerpoint/2010/main" val="2634823913"/>
+      </p:ext>
+    </p:extLst>
+  </p:cSld>
+  <p:clrMapOvr>
+    <a:masterClrMapping/>
+  </p:clrMapOvr>
+</p:notes>
+</file>
+
+<file path=ppt/notesSlides/notesSlide34.xml><?xml version="1.0" encoding="utf-8"?>
+<p:notes xmlns:a="http://schemas.openxmlformats.org/drawingml/2006/main" xmlns:r="http://schemas.openxmlformats.org/officeDocument/2006/relationships" xmlns:p="http://schemas.openxmlformats.org/presentationml/2006/main">
+  <p:cSld>
+    <p:spTree>
+      <p:nvGrpSpPr>
+        <p:cNvPr id="1" name="">
+          <a:extLst>
+            <a:ext uri="{FF2B5EF4-FFF2-40B4-BE49-F238E27FC236}">
+              <a16:creationId xmlns:a16="http://schemas.microsoft.com/office/drawing/2014/main" id="{79C4B42C-CD89-C345-DD08-8848C09EA9F7}"/>
+            </a:ext>
+          </a:extLst>
+        </p:cNvPr>
+        <p:cNvGrpSpPr/>
+        <p:nvPr/>
+      </p:nvGrpSpPr>
+      <p:grpSpPr>
+        <a:xfrm>
+          <a:off x="0" y="0"/>
+          <a:ext cx="0" cy="0"/>
+          <a:chOff x="0" y="0"/>
+          <a:chExt cx="0" cy="0"/>
+        </a:xfrm>
+      </p:grpSpPr>
+      <p:sp>
+        <p:nvSpPr>
+          <p:cNvPr id="2" name="Slide Image Placeholder 1">
+            <a:extLst>
+              <a:ext uri="{FF2B5EF4-FFF2-40B4-BE49-F238E27FC236}">
+                <a16:creationId xmlns:a16="http://schemas.microsoft.com/office/drawing/2014/main" id="{6D558F9E-8A58-F406-AB8B-4FEDD8837B48}"/>
+              </a:ext>
+            </a:extLst>
+          </p:cNvPr>
+          <p:cNvSpPr>
+            <a:spLocks noGrp="1" noRot="1" noChangeAspect="1"/>
+          </p:cNvSpPr>
+          <p:nvPr>
+            <p:ph type="sldImg"/>
+          </p:nvPr>
+        </p:nvSpPr>
+        <p:spPr/>
+      </p:sp>
+      <p:sp>
+        <p:nvSpPr>
+          <p:cNvPr id="3" name="Notes Placeholder 2">
+            <a:extLst>
+              <a:ext uri="{FF2B5EF4-FFF2-40B4-BE49-F238E27FC236}">
+                <a16:creationId xmlns:a16="http://schemas.microsoft.com/office/drawing/2014/main" id="{04DCE8D0-6DCC-2747-719C-C4CD85A286F9}"/>
+              </a:ext>
+            </a:extLst>
+          </p:cNvPr>
+          <p:cNvSpPr>
+            <a:spLocks noGrp="1"/>
+          </p:cNvSpPr>
+          <p:nvPr>
+            <p:ph type="body" idx="1"/>
+          </p:nvPr>
+        </p:nvSpPr>
+        <p:spPr/>
+        <p:txBody>
+          <a:bodyPr/>
+          <a:lstStyle/>
+          <a:p>
+            <a:r>
+              <a:rPr lang="en-US" dirty="0"/>
+              <a:t>https://learn.microsoft.com/en-us/azure/aks/use-network-policies </a:t>
+            </a:r>
+          </a:p>
+        </p:txBody>
+      </p:sp>
+      <p:sp>
+        <p:nvSpPr>
+          <p:cNvPr id="4" name="Slide Number Placeholder 3">
+            <a:extLst>
+              <a:ext uri="{FF2B5EF4-FFF2-40B4-BE49-F238E27FC236}">
+                <a16:creationId xmlns:a16="http://schemas.microsoft.com/office/drawing/2014/main" id="{1CAF703E-4712-BB37-BCAE-588D5637BD92}"/>
+              </a:ext>
+            </a:extLst>
+          </p:cNvPr>
+          <p:cNvSpPr>
+            <a:spLocks noGrp="1"/>
+          </p:cNvSpPr>
+          <p:nvPr>
+            <p:ph type="sldNum" sz="quarter" idx="5"/>
+          </p:nvPr>
+        </p:nvSpPr>
+        <p:spPr/>
+        <p:txBody>
+          <a:bodyPr/>
+          <a:lstStyle/>
+          <a:p>
+            <a:fld id="{8CD5A177-4F81-46F5-8B40-3F72A2FB8C4F}" type="slidenum">
+              <a:rPr lang="en-US" smtClean="0"/>
+              <a:t>48</a:t>
+            </a:fld>
+            <a:endParaRPr lang="en-US"/>
+          </a:p>
+        </p:txBody>
+      </p:sp>
+    </p:spTree>
+    <p:extLst>
+      <p:ext uri="{BB962C8B-B14F-4D97-AF65-F5344CB8AC3E}">
+        <p14:creationId xmlns:p14="http://schemas.microsoft.com/office/powerpoint/2010/main" val="3620255872"/>
+      </p:ext>
+    </p:extLst>
+  </p:cSld>
+  <p:clrMapOvr>
+    <a:masterClrMapping/>
+  </p:clrMapOvr>
+</p:notes>
+</file>
+
 <file path=ppt/notesSlides/notesSlide4.xml><?xml version="1.0" encoding="utf-8"?>
 <p:notes xmlns:a="http://schemas.openxmlformats.org/drawingml/2006/main" xmlns:r="http://schemas.openxmlformats.org/officeDocument/2006/relationships" xmlns:p="http://schemas.openxmlformats.org/presentationml/2006/main">
   <p:cSld>
@@ -5300,7 +5975,7 @@
           <a:p>
             <a:fld id="{73CC0EA2-B25A-4ADA-B504-AB404FE4BF88}" type="datetimeFigureOut">
               <a:rPr lang="en-US" smtClean="0"/>
-              <a:t>2/3/2026</a:t>
+              <a:t>2/4/2026</a:t>
             </a:fld>
             <a:endParaRPr lang="en-US"/>
           </a:p>
@@ -5498,7 +6173,7 @@
           <a:p>
             <a:fld id="{73CC0EA2-B25A-4ADA-B504-AB404FE4BF88}" type="datetimeFigureOut">
               <a:rPr lang="en-US" smtClean="0"/>
-              <a:t>2/3/2026</a:t>
+              <a:t>2/4/2026</a:t>
             </a:fld>
             <a:endParaRPr lang="en-US"/>
           </a:p>
@@ -5706,7 +6381,7 @@
           <a:p>
             <a:fld id="{73CC0EA2-B25A-4ADA-B504-AB404FE4BF88}" type="datetimeFigureOut">
               <a:rPr lang="en-US" smtClean="0"/>
-              <a:t>2/3/2026</a:t>
+              <a:t>2/4/2026</a:t>
             </a:fld>
             <a:endParaRPr lang="en-US"/>
           </a:p>
@@ -5926,7 +6601,7 @@
           <a:p>
             <a:fld id="{B9268321-C9E7-441E-8ECB-F5B48CA38B30}" type="datetimeFigureOut">
               <a:rPr lang="en-US" smtClean="0"/>
-              <a:t>2/3/2026</a:t>
+              <a:t>2/4/2026</a:t>
             </a:fld>
             <a:endParaRPr lang="en-US"/>
           </a:p>
@@ -6124,7 +6799,7 @@
           <a:p>
             <a:fld id="{B9268321-C9E7-441E-8ECB-F5B48CA38B30}" type="datetimeFigureOut">
               <a:rPr lang="en-US" smtClean="0"/>
-              <a:t>2/3/2026</a:t>
+              <a:t>2/4/2026</a:t>
             </a:fld>
             <a:endParaRPr lang="en-US"/>
           </a:p>
@@ -6399,7 +7074,7 @@
           <a:p>
             <a:fld id="{B9268321-C9E7-441E-8ECB-F5B48CA38B30}" type="datetimeFigureOut">
               <a:rPr lang="en-US" smtClean="0"/>
-              <a:t>2/3/2026</a:t>
+              <a:t>2/4/2026</a:t>
             </a:fld>
             <a:endParaRPr lang="en-US"/>
           </a:p>
@@ -6664,7 +7339,7 @@
           <a:p>
             <a:fld id="{B9268321-C9E7-441E-8ECB-F5B48CA38B30}" type="datetimeFigureOut">
               <a:rPr lang="en-US" smtClean="0"/>
-              <a:t>2/3/2026</a:t>
+              <a:t>2/4/2026</a:t>
             </a:fld>
             <a:endParaRPr lang="en-US"/>
           </a:p>
@@ -7076,7 +7751,7 @@
           <a:p>
             <a:fld id="{B9268321-C9E7-441E-8ECB-F5B48CA38B30}" type="datetimeFigureOut">
               <a:rPr lang="en-US" smtClean="0"/>
-              <a:t>2/3/2026</a:t>
+              <a:t>2/4/2026</a:t>
             </a:fld>
             <a:endParaRPr lang="en-US"/>
           </a:p>
@@ -7217,7 +7892,7 @@
           <a:p>
             <a:fld id="{B9268321-C9E7-441E-8ECB-F5B48CA38B30}" type="datetimeFigureOut">
               <a:rPr lang="en-US" smtClean="0"/>
-              <a:t>2/3/2026</a:t>
+              <a:t>2/4/2026</a:t>
             </a:fld>
             <a:endParaRPr lang="en-US"/>
           </a:p>
@@ -7330,7 +8005,7 @@
           <a:p>
             <a:fld id="{B9268321-C9E7-441E-8ECB-F5B48CA38B30}" type="datetimeFigureOut">
               <a:rPr lang="en-US" smtClean="0"/>
-              <a:t>2/3/2026</a:t>
+              <a:t>2/4/2026</a:t>
             </a:fld>
             <a:endParaRPr lang="en-US"/>
           </a:p>
@@ -7641,7 +8316,7 @@
           <a:p>
             <a:fld id="{B9268321-C9E7-441E-8ECB-F5B48CA38B30}" type="datetimeFigureOut">
               <a:rPr lang="en-US" smtClean="0"/>
-              <a:t>2/3/2026</a:t>
+              <a:t>2/4/2026</a:t>
             </a:fld>
             <a:endParaRPr lang="en-US"/>
           </a:p>
@@ -7839,7 +8514,7 @@
           <a:p>
             <a:fld id="{73CC0EA2-B25A-4ADA-B504-AB404FE4BF88}" type="datetimeFigureOut">
               <a:rPr lang="en-US" smtClean="0"/>
-              <a:t>2/3/2026</a:t>
+              <a:t>2/4/2026</a:t>
             </a:fld>
             <a:endParaRPr lang="en-US"/>
           </a:p>
@@ -8127,7 +8802,7 @@
           <a:p>
             <a:fld id="{B9268321-C9E7-441E-8ECB-F5B48CA38B30}" type="datetimeFigureOut">
               <a:rPr lang="en-US" smtClean="0"/>
-              <a:t>2/3/2026</a:t>
+              <a:t>2/4/2026</a:t>
             </a:fld>
             <a:endParaRPr lang="en-US"/>
           </a:p>
@@ -8325,7 +9000,7 @@
           <a:p>
             <a:fld id="{B9268321-C9E7-441E-8ECB-F5B48CA38B30}" type="datetimeFigureOut">
               <a:rPr lang="en-US" smtClean="0"/>
-              <a:t>2/3/2026</a:t>
+              <a:t>2/4/2026</a:t>
             </a:fld>
             <a:endParaRPr lang="en-US"/>
           </a:p>
@@ -8533,7 +9208,7 @@
           <a:p>
             <a:fld id="{B9268321-C9E7-441E-8ECB-F5B48CA38B30}" type="datetimeFigureOut">
               <a:rPr lang="en-US" smtClean="0"/>
-              <a:t>2/3/2026</a:t>
+              <a:t>2/4/2026</a:t>
             </a:fld>
             <a:endParaRPr lang="en-US"/>
           </a:p>
@@ -8808,7 +9483,7 @@
           <a:p>
             <a:fld id="{73CC0EA2-B25A-4ADA-B504-AB404FE4BF88}" type="datetimeFigureOut">
               <a:rPr lang="en-US" smtClean="0"/>
-              <a:t>2/3/2026</a:t>
+              <a:t>2/4/2026</a:t>
             </a:fld>
             <a:endParaRPr lang="en-US"/>
           </a:p>
@@ -9073,7 +9748,7 @@
           <a:p>
             <a:fld id="{73CC0EA2-B25A-4ADA-B504-AB404FE4BF88}" type="datetimeFigureOut">
               <a:rPr lang="en-US" smtClean="0"/>
-              <a:t>2/3/2026</a:t>
+              <a:t>2/4/2026</a:t>
             </a:fld>
             <a:endParaRPr lang="en-US"/>
           </a:p>
@@ -9485,7 +10160,7 @@
           <a:p>
             <a:fld id="{73CC0EA2-B25A-4ADA-B504-AB404FE4BF88}" type="datetimeFigureOut">
               <a:rPr lang="en-US" smtClean="0"/>
-              <a:t>2/3/2026</a:t>
+              <a:t>2/4/2026</a:t>
             </a:fld>
             <a:endParaRPr lang="en-US"/>
           </a:p>
@@ -9626,7 +10301,7 @@
           <a:p>
             <a:fld id="{73CC0EA2-B25A-4ADA-B504-AB404FE4BF88}" type="datetimeFigureOut">
               <a:rPr lang="en-US" smtClean="0"/>
-              <a:t>2/3/2026</a:t>
+              <a:t>2/4/2026</a:t>
             </a:fld>
             <a:endParaRPr lang="en-US"/>
           </a:p>
@@ -9739,7 +10414,7 @@
           <a:p>
             <a:fld id="{73CC0EA2-B25A-4ADA-B504-AB404FE4BF88}" type="datetimeFigureOut">
               <a:rPr lang="en-US" smtClean="0"/>
-              <a:t>2/3/2026</a:t>
+              <a:t>2/4/2026</a:t>
             </a:fld>
             <a:endParaRPr lang="en-US"/>
           </a:p>
@@ -10050,7 +10725,7 @@
           <a:p>
             <a:fld id="{73CC0EA2-B25A-4ADA-B504-AB404FE4BF88}" type="datetimeFigureOut">
               <a:rPr lang="en-US" smtClean="0"/>
-              <a:t>2/3/2026</a:t>
+              <a:t>2/4/2026</a:t>
             </a:fld>
             <a:endParaRPr lang="en-US"/>
           </a:p>
@@ -10338,7 +11013,7 @@
           <a:p>
             <a:fld id="{73CC0EA2-B25A-4ADA-B504-AB404FE4BF88}" type="datetimeFigureOut">
               <a:rPr lang="en-US" smtClean="0"/>
-              <a:t>2/3/2026</a:t>
+              <a:t>2/4/2026</a:t>
             </a:fld>
             <a:endParaRPr lang="en-US"/>
           </a:p>
@@ -10579,7 +11254,7 @@
           <a:p>
             <a:fld id="{73CC0EA2-B25A-4ADA-B504-AB404FE4BF88}" type="datetimeFigureOut">
               <a:rPr lang="en-US" smtClean="0"/>
-              <a:t>2/3/2026</a:t>
+              <a:t>2/4/2026</a:t>
             </a:fld>
             <a:endParaRPr lang="en-US"/>
           </a:p>
@@ -11147,7 +11822,7 @@
           <a:p>
             <a:fld id="{B9268321-C9E7-441E-8ECB-F5B48CA38B30}" type="datetimeFigureOut">
               <a:rPr lang="en-US" smtClean="0"/>
-              <a:t>2/3/2026</a:t>
+              <a:t>2/4/2026</a:t>
             </a:fld>
             <a:endParaRPr lang="en-US"/>
           </a:p>
@@ -41884,6 +42559,6802 @@
     </p:bg>
     <p:spTree>
       <p:nvGrpSpPr>
+        <p:cNvPr id="1" name="">
+          <a:extLst>
+            <a:ext uri="{FF2B5EF4-FFF2-40B4-BE49-F238E27FC236}">
+              <a16:creationId xmlns:a16="http://schemas.microsoft.com/office/drawing/2014/main" id="{464411DC-571D-EEA0-DAAE-62A798CBBCE6}"/>
+            </a:ext>
+          </a:extLst>
+        </p:cNvPr>
+        <p:cNvGrpSpPr/>
+        <p:nvPr/>
+      </p:nvGrpSpPr>
+      <p:grpSpPr>
+        <a:xfrm>
+          <a:off x="0" y="0"/>
+          <a:ext cx="0" cy="0"/>
+          <a:chOff x="0" y="0"/>
+          <a:chExt cx="0" cy="0"/>
+        </a:xfrm>
+      </p:grpSpPr>
+      <p:sp useBgFill="1">
+        <p:nvSpPr>
+          <p:cNvPr id="7" name="Rectangle 6">
+            <a:extLst>
+              <a:ext uri="{FF2B5EF4-FFF2-40B4-BE49-F238E27FC236}">
+                <a16:creationId xmlns:a16="http://schemas.microsoft.com/office/drawing/2014/main" id="{8E52C66D-9CBE-CDA1-8A1B-F3F75D8295C5}"/>
+              </a:ext>
+              <a:ext uri="{C183D7F6-B498-43B3-948B-1728B52AA6E4}">
+                <adec:decorative xmlns:adec="http://schemas.microsoft.com/office/drawing/2017/decorative" val="1"/>
+              </a:ext>
+            </a:extLst>
+          </p:cNvPr>
+          <p:cNvSpPr>
+            <a:spLocks noGrp="1" noRot="1" noChangeAspect="1" noMove="1" noResize="1" noEditPoints="1" noAdjustHandles="1" noChangeArrowheads="1" noChangeShapeType="1" noTextEdit="1"/>
+          </p:cNvSpPr>
+          <p:nvPr>
+            <p:extLst>
+              <p:ext uri="{386F3935-93C4-4BCD-93E2-E3B085C9AB24}">
+                <p16:designElem xmlns:p16="http://schemas.microsoft.com/office/powerpoint/2015/main" val="1"/>
+              </p:ext>
+            </p:extLst>
+          </p:nvPr>
+        </p:nvSpPr>
+        <p:spPr>
+          <a:xfrm>
+            <a:off x="0" y="0"/>
+            <a:ext cx="12192000" cy="6858000"/>
+          </a:xfrm>
+          <a:prstGeom prst="rect">
+            <a:avLst/>
+          </a:prstGeom>
+          <a:ln>
+            <a:noFill/>
+          </a:ln>
+        </p:spPr>
+        <p:style>
+          <a:lnRef idx="2">
+            <a:schemeClr val="accent1">
+              <a:shade val="50000"/>
+            </a:schemeClr>
+          </a:lnRef>
+          <a:fillRef idx="1">
+            <a:schemeClr val="accent1"/>
+          </a:fillRef>
+          <a:effectRef idx="0">
+            <a:schemeClr val="accent1"/>
+          </a:effectRef>
+          <a:fontRef idx="minor">
+            <a:schemeClr val="lt1"/>
+          </a:fontRef>
+        </p:style>
+        <p:txBody>
+          <a:bodyPr rtlCol="0" anchor="ctr"/>
+          <a:lstStyle/>
+          <a:p>
+            <a:pPr marL="0" marR="0" lvl="0" indent="0" algn="ctr" defTabSz="914400" rtl="0" eaLnBrk="1" fontAlgn="auto" latinLnBrk="0" hangingPunct="1">
+              <a:lnSpc>
+                <a:spcPct val="100000"/>
+              </a:lnSpc>
+              <a:spcBef>
+                <a:spcPts val="0"/>
+              </a:spcBef>
+              <a:spcAft>
+                <a:spcPts val="0"/>
+              </a:spcAft>
+              <a:buClrTx/>
+              <a:buSzTx/>
+              <a:buFontTx/>
+              <a:buNone/>
+              <a:tabLst/>
+              <a:defRPr/>
+            </a:pPr>
+            <a:endParaRPr kumimoji="0" lang="en-US" sz="1800" b="0" i="0" u="none" strike="noStrike" kern="1200" cap="none" spc="0" normalizeH="0" baseline="0" noProof="0">
+              <a:ln>
+                <a:noFill/>
+              </a:ln>
+              <a:solidFill>
+                <a:prstClr val="white"/>
+              </a:solidFill>
+              <a:effectLst/>
+              <a:uLnTx/>
+              <a:uFillTx/>
+              <a:latin typeface="Aptos" panose="02110004020202020204"/>
+              <a:ea typeface="+mn-ea"/>
+              <a:cs typeface="+mn-cs"/>
+            </a:endParaRPr>
+          </a:p>
+        </p:txBody>
+      </p:sp>
+      <p:sp useBgFill="1">
+        <p:nvSpPr>
+          <p:cNvPr id="9" name="Freeform: Shape 8">
+            <a:extLst>
+              <a:ext uri="{FF2B5EF4-FFF2-40B4-BE49-F238E27FC236}">
+                <a16:creationId xmlns:a16="http://schemas.microsoft.com/office/drawing/2014/main" id="{29C41E52-F333-8F92-4155-17A054849113}"/>
+              </a:ext>
+              <a:ext uri="{C183D7F6-B498-43B3-948B-1728B52AA6E4}">
+                <adec:decorative xmlns:adec="http://schemas.microsoft.com/office/drawing/2017/decorative" val="1"/>
+              </a:ext>
+            </a:extLst>
+          </p:cNvPr>
+          <p:cNvSpPr>
+            <a:spLocks noGrp="1" noRot="1" noChangeAspect="1" noMove="1" noResize="1" noEditPoints="1" noAdjustHandles="1" noChangeArrowheads="1" noChangeShapeType="1" noTextEdit="1"/>
+          </p:cNvSpPr>
+          <p:nvPr>
+            <p:extLst>
+              <p:ext uri="{386F3935-93C4-4BCD-93E2-E3B085C9AB24}">
+                <p16:designElem xmlns:p16="http://schemas.microsoft.com/office/powerpoint/2015/main" val="1"/>
+              </p:ext>
+            </p:extLst>
+          </p:nvPr>
+        </p:nvSpPr>
+        <p:spPr>
+          <a:xfrm>
+            <a:off x="1114425" y="0"/>
+            <a:ext cx="9963150" cy="6858000"/>
+          </a:xfrm>
+          <a:custGeom>
+            <a:avLst/>
+            <a:gdLst>
+              <a:gd name="connsiteX0" fmla="*/ 1595771 w 9963150"/>
+              <a:gd name="connsiteY0" fmla="*/ 0 h 6858000"/>
+              <a:gd name="connsiteX1" fmla="*/ 8367379 w 9963150"/>
+              <a:gd name="connsiteY1" fmla="*/ 0 h 6858000"/>
+              <a:gd name="connsiteX2" fmla="*/ 8504080 w 9963150"/>
+              <a:gd name="connsiteY2" fmla="*/ 130333 h 6858000"/>
+              <a:gd name="connsiteX3" fmla="*/ 9963150 w 9963150"/>
+              <a:gd name="connsiteY3" fmla="*/ 3652838 h 6858000"/>
+              <a:gd name="connsiteX4" fmla="*/ 8825600 w 9963150"/>
+              <a:gd name="connsiteY4" fmla="*/ 6821583 h 6858000"/>
+              <a:gd name="connsiteX5" fmla="*/ 8794055 w 9963150"/>
+              <a:gd name="connsiteY5" fmla="*/ 6858000 h 6858000"/>
+              <a:gd name="connsiteX6" fmla="*/ 1169096 w 9963150"/>
+              <a:gd name="connsiteY6" fmla="*/ 6858000 h 6858000"/>
+              <a:gd name="connsiteX7" fmla="*/ 1137550 w 9963150"/>
+              <a:gd name="connsiteY7" fmla="*/ 6821583 h 6858000"/>
+              <a:gd name="connsiteX8" fmla="*/ 0 w 9963150"/>
+              <a:gd name="connsiteY8" fmla="*/ 3652838 h 6858000"/>
+              <a:gd name="connsiteX9" fmla="*/ 1459070 w 9963150"/>
+              <a:gd name="connsiteY9" fmla="*/ 130333 h 6858000"/>
+            </a:gdLst>
+            <a:ahLst/>
+            <a:cxnLst>
+              <a:cxn ang="0">
+                <a:pos x="connsiteX0" y="connsiteY0"/>
+              </a:cxn>
+              <a:cxn ang="0">
+                <a:pos x="connsiteX1" y="connsiteY1"/>
+              </a:cxn>
+              <a:cxn ang="0">
+                <a:pos x="connsiteX2" y="connsiteY2"/>
+              </a:cxn>
+              <a:cxn ang="0">
+                <a:pos x="connsiteX3" y="connsiteY3"/>
+              </a:cxn>
+              <a:cxn ang="0">
+                <a:pos x="connsiteX4" y="connsiteY4"/>
+              </a:cxn>
+              <a:cxn ang="0">
+                <a:pos x="connsiteX5" y="connsiteY5"/>
+              </a:cxn>
+              <a:cxn ang="0">
+                <a:pos x="connsiteX6" y="connsiteY6"/>
+              </a:cxn>
+              <a:cxn ang="0">
+                <a:pos x="connsiteX7" y="connsiteY7"/>
+              </a:cxn>
+              <a:cxn ang="0">
+                <a:pos x="connsiteX8" y="connsiteY8"/>
+              </a:cxn>
+              <a:cxn ang="0">
+                <a:pos x="connsiteX9" y="connsiteY9"/>
+              </a:cxn>
+            </a:cxnLst>
+            <a:rect l="l" t="t" r="r" b="b"/>
+            <a:pathLst>
+              <a:path w="9963150" h="6858000">
+                <a:moveTo>
+                  <a:pt x="1595771" y="0"/>
+                </a:moveTo>
+                <a:lnTo>
+                  <a:pt x="8367379" y="0"/>
+                </a:lnTo>
+                <a:lnTo>
+                  <a:pt x="8504080" y="130333"/>
+                </a:lnTo>
+                <a:cubicBezTo>
+                  <a:pt x="9405568" y="1031820"/>
+                  <a:pt x="9963150" y="2277214"/>
+                  <a:pt x="9963150" y="3652838"/>
+                </a:cubicBezTo>
+                <a:cubicBezTo>
+                  <a:pt x="9963150" y="4856509"/>
+                  <a:pt x="9536251" y="5960473"/>
+                  <a:pt x="8825600" y="6821583"/>
+                </a:cubicBezTo>
+                <a:lnTo>
+                  <a:pt x="8794055" y="6858000"/>
+                </a:lnTo>
+                <a:lnTo>
+                  <a:pt x="1169096" y="6858000"/>
+                </a:lnTo>
+                <a:lnTo>
+                  <a:pt x="1137550" y="6821583"/>
+                </a:lnTo>
+                <a:cubicBezTo>
+                  <a:pt x="426899" y="5960473"/>
+                  <a:pt x="0" y="4856509"/>
+                  <a:pt x="0" y="3652838"/>
+                </a:cubicBezTo>
+                <a:cubicBezTo>
+                  <a:pt x="0" y="2277214"/>
+                  <a:pt x="557582" y="1031820"/>
+                  <a:pt x="1459070" y="130333"/>
+                </a:cubicBezTo>
+                <a:close/>
+              </a:path>
+            </a:pathLst>
+          </a:custGeom>
+          <a:ln w="9525">
+            <a:solidFill>
+              <a:srgbClr val="EFEFEF"/>
+            </a:solidFill>
+          </a:ln>
+          <a:effectLst>
+            <a:outerShdw blurRad="139700" sx="102000" sy="102000" algn="ctr" rotWithShape="0">
+              <a:schemeClr val="bg1">
+                <a:lumMod val="85000"/>
+                <a:alpha val="38000"/>
+              </a:schemeClr>
+            </a:outerShdw>
+          </a:effectLst>
+        </p:spPr>
+        <p:style>
+          <a:lnRef idx="2">
+            <a:schemeClr val="accent1">
+              <a:shade val="50000"/>
+            </a:schemeClr>
+          </a:lnRef>
+          <a:fillRef idx="1">
+            <a:schemeClr val="accent1"/>
+          </a:fillRef>
+          <a:effectRef idx="0">
+            <a:schemeClr val="accent1"/>
+          </a:effectRef>
+          <a:fontRef idx="minor">
+            <a:schemeClr val="lt1"/>
+          </a:fontRef>
+        </p:style>
+        <p:txBody>
+          <a:bodyPr wrap="square" rtlCol="0" anchor="ctr">
+            <a:noAutofit/>
+          </a:bodyPr>
+          <a:lstStyle/>
+          <a:p>
+            <a:pPr marL="0" marR="0" lvl="0" indent="0" algn="ctr" defTabSz="914400" rtl="0" eaLnBrk="1" fontAlgn="auto" latinLnBrk="0" hangingPunct="1">
+              <a:lnSpc>
+                <a:spcPct val="100000"/>
+              </a:lnSpc>
+              <a:spcBef>
+                <a:spcPts val="0"/>
+              </a:spcBef>
+              <a:spcAft>
+                <a:spcPts val="0"/>
+              </a:spcAft>
+              <a:buClrTx/>
+              <a:buSzTx/>
+              <a:buFontTx/>
+              <a:buNone/>
+              <a:tabLst/>
+              <a:defRPr/>
+            </a:pPr>
+            <a:endParaRPr kumimoji="0" lang="en-US" sz="1800" b="0" i="0" u="none" strike="noStrike" kern="1200" cap="none" spc="0" normalizeH="0" baseline="0" noProof="0">
+              <a:ln>
+                <a:noFill/>
+              </a:ln>
+              <a:solidFill>
+                <a:prstClr val="white"/>
+              </a:solidFill>
+              <a:effectLst/>
+              <a:uLnTx/>
+              <a:uFillTx/>
+              <a:latin typeface="Calibri" panose="020F0502020204030204"/>
+              <a:ea typeface="+mn-ea"/>
+              <a:cs typeface="+mn-cs"/>
+            </a:endParaRPr>
+          </a:p>
+        </p:txBody>
+      </p:sp>
+      <p:sp useBgFill="1">
+        <p:nvSpPr>
+          <p:cNvPr id="11" name="Freeform: Shape 10">
+            <a:extLst>
+              <a:ext uri="{FF2B5EF4-FFF2-40B4-BE49-F238E27FC236}">
+                <a16:creationId xmlns:a16="http://schemas.microsoft.com/office/drawing/2014/main" id="{0DEC7D58-B0A5-2470-BF9C-A2C89ED2F6FC}"/>
+              </a:ext>
+              <a:ext uri="{C183D7F6-B498-43B3-948B-1728B52AA6E4}">
+                <adec:decorative xmlns:adec="http://schemas.microsoft.com/office/drawing/2017/decorative" val="1"/>
+              </a:ext>
+            </a:extLst>
+          </p:cNvPr>
+          <p:cNvSpPr>
+            <a:spLocks noGrp="1" noRot="1" noChangeAspect="1" noMove="1" noResize="1" noEditPoints="1" noAdjustHandles="1" noChangeArrowheads="1" noChangeShapeType="1" noTextEdit="1"/>
+          </p:cNvSpPr>
+          <p:nvPr>
+            <p:extLst>
+              <p:ext uri="{386F3935-93C4-4BCD-93E2-E3B085C9AB24}">
+                <p16:designElem xmlns:p16="http://schemas.microsoft.com/office/powerpoint/2015/main" val="1"/>
+              </p:ext>
+            </p:extLst>
+          </p:nvPr>
+        </p:nvSpPr>
+        <p:spPr>
+          <a:xfrm>
+            <a:off x="1121664" y="0"/>
+            <a:ext cx="9948672" cy="6858000"/>
+          </a:xfrm>
+          <a:custGeom>
+            <a:avLst/>
+            <a:gdLst>
+              <a:gd name="connsiteX0" fmla="*/ 1595771 w 9963150"/>
+              <a:gd name="connsiteY0" fmla="*/ 0 h 6858000"/>
+              <a:gd name="connsiteX1" fmla="*/ 8367379 w 9963150"/>
+              <a:gd name="connsiteY1" fmla="*/ 0 h 6858000"/>
+              <a:gd name="connsiteX2" fmla="*/ 8504080 w 9963150"/>
+              <a:gd name="connsiteY2" fmla="*/ 130333 h 6858000"/>
+              <a:gd name="connsiteX3" fmla="*/ 9963150 w 9963150"/>
+              <a:gd name="connsiteY3" fmla="*/ 3652838 h 6858000"/>
+              <a:gd name="connsiteX4" fmla="*/ 8825600 w 9963150"/>
+              <a:gd name="connsiteY4" fmla="*/ 6821583 h 6858000"/>
+              <a:gd name="connsiteX5" fmla="*/ 8794055 w 9963150"/>
+              <a:gd name="connsiteY5" fmla="*/ 6858000 h 6858000"/>
+              <a:gd name="connsiteX6" fmla="*/ 1169096 w 9963150"/>
+              <a:gd name="connsiteY6" fmla="*/ 6858000 h 6858000"/>
+              <a:gd name="connsiteX7" fmla="*/ 1137550 w 9963150"/>
+              <a:gd name="connsiteY7" fmla="*/ 6821583 h 6858000"/>
+              <a:gd name="connsiteX8" fmla="*/ 0 w 9963150"/>
+              <a:gd name="connsiteY8" fmla="*/ 3652838 h 6858000"/>
+              <a:gd name="connsiteX9" fmla="*/ 1459070 w 9963150"/>
+              <a:gd name="connsiteY9" fmla="*/ 130333 h 6858000"/>
+            </a:gdLst>
+            <a:ahLst/>
+            <a:cxnLst>
+              <a:cxn ang="0">
+                <a:pos x="connsiteX0" y="connsiteY0"/>
+              </a:cxn>
+              <a:cxn ang="0">
+                <a:pos x="connsiteX1" y="connsiteY1"/>
+              </a:cxn>
+              <a:cxn ang="0">
+                <a:pos x="connsiteX2" y="connsiteY2"/>
+              </a:cxn>
+              <a:cxn ang="0">
+                <a:pos x="connsiteX3" y="connsiteY3"/>
+              </a:cxn>
+              <a:cxn ang="0">
+                <a:pos x="connsiteX4" y="connsiteY4"/>
+              </a:cxn>
+              <a:cxn ang="0">
+                <a:pos x="connsiteX5" y="connsiteY5"/>
+              </a:cxn>
+              <a:cxn ang="0">
+                <a:pos x="connsiteX6" y="connsiteY6"/>
+              </a:cxn>
+              <a:cxn ang="0">
+                <a:pos x="connsiteX7" y="connsiteY7"/>
+              </a:cxn>
+              <a:cxn ang="0">
+                <a:pos x="connsiteX8" y="connsiteY8"/>
+              </a:cxn>
+              <a:cxn ang="0">
+                <a:pos x="connsiteX9" y="connsiteY9"/>
+              </a:cxn>
+            </a:cxnLst>
+            <a:rect l="l" t="t" r="r" b="b"/>
+            <a:pathLst>
+              <a:path w="9963150" h="6858000">
+                <a:moveTo>
+                  <a:pt x="1595771" y="0"/>
+                </a:moveTo>
+                <a:lnTo>
+                  <a:pt x="8367379" y="0"/>
+                </a:lnTo>
+                <a:lnTo>
+                  <a:pt x="8504080" y="130333"/>
+                </a:lnTo>
+                <a:cubicBezTo>
+                  <a:pt x="9405568" y="1031820"/>
+                  <a:pt x="9963150" y="2277214"/>
+                  <a:pt x="9963150" y="3652838"/>
+                </a:cubicBezTo>
+                <a:cubicBezTo>
+                  <a:pt x="9963150" y="4856509"/>
+                  <a:pt x="9536251" y="5960473"/>
+                  <a:pt x="8825600" y="6821583"/>
+                </a:cubicBezTo>
+                <a:lnTo>
+                  <a:pt x="8794055" y="6858000"/>
+                </a:lnTo>
+                <a:lnTo>
+                  <a:pt x="1169096" y="6858000"/>
+                </a:lnTo>
+                <a:lnTo>
+                  <a:pt x="1137550" y="6821583"/>
+                </a:lnTo>
+                <a:cubicBezTo>
+                  <a:pt x="426899" y="5960473"/>
+                  <a:pt x="0" y="4856509"/>
+                  <a:pt x="0" y="3652838"/>
+                </a:cubicBezTo>
+                <a:cubicBezTo>
+                  <a:pt x="0" y="2277214"/>
+                  <a:pt x="557582" y="1031820"/>
+                  <a:pt x="1459070" y="130333"/>
+                </a:cubicBezTo>
+                <a:close/>
+              </a:path>
+            </a:pathLst>
+          </a:custGeom>
+          <a:ln w="9525">
+            <a:noFill/>
+          </a:ln>
+          <a:effectLst/>
+        </p:spPr>
+        <p:style>
+          <a:lnRef idx="2">
+            <a:schemeClr val="accent1">
+              <a:shade val="50000"/>
+            </a:schemeClr>
+          </a:lnRef>
+          <a:fillRef idx="1">
+            <a:schemeClr val="accent1"/>
+          </a:fillRef>
+          <a:effectRef idx="0">
+            <a:schemeClr val="accent1"/>
+          </a:effectRef>
+          <a:fontRef idx="minor">
+            <a:schemeClr val="lt1"/>
+          </a:fontRef>
+        </p:style>
+        <p:txBody>
+          <a:bodyPr wrap="square" rtlCol="0" anchor="ctr">
+            <a:noAutofit/>
+          </a:bodyPr>
+          <a:lstStyle/>
+          <a:p>
+            <a:pPr marL="0" marR="0" lvl="0" indent="0" algn="ctr" defTabSz="914400" rtl="0" eaLnBrk="1" fontAlgn="auto" latinLnBrk="0" hangingPunct="1">
+              <a:lnSpc>
+                <a:spcPct val="100000"/>
+              </a:lnSpc>
+              <a:spcBef>
+                <a:spcPts val="0"/>
+              </a:spcBef>
+              <a:spcAft>
+                <a:spcPts val="0"/>
+              </a:spcAft>
+              <a:buClrTx/>
+              <a:buSzTx/>
+              <a:buFontTx/>
+              <a:buNone/>
+              <a:tabLst/>
+              <a:defRPr/>
+            </a:pPr>
+            <a:endParaRPr kumimoji="0" lang="en-US" sz="1800" b="0" i="0" u="none" strike="noStrike" kern="1200" cap="none" spc="0" normalizeH="0" baseline="0" noProof="0">
+              <a:ln>
+                <a:noFill/>
+              </a:ln>
+              <a:solidFill>
+                <a:prstClr val="white"/>
+              </a:solidFill>
+              <a:effectLst/>
+              <a:uLnTx/>
+              <a:uFillTx/>
+              <a:latin typeface="Calibri" panose="020F0502020204030204"/>
+              <a:ea typeface="+mn-ea"/>
+              <a:cs typeface="+mn-cs"/>
+            </a:endParaRPr>
+          </a:p>
+        </p:txBody>
+      </p:sp>
+      <p:sp>
+        <p:nvSpPr>
+          <p:cNvPr id="2" name="Title 1">
+            <a:extLst>
+              <a:ext uri="{FF2B5EF4-FFF2-40B4-BE49-F238E27FC236}">
+                <a16:creationId xmlns:a16="http://schemas.microsoft.com/office/drawing/2014/main" id="{C0B59189-FA76-FDB9-91A2-870A6F4C8099}"/>
+              </a:ext>
+            </a:extLst>
+          </p:cNvPr>
+          <p:cNvSpPr>
+            <a:spLocks noGrp="1"/>
+          </p:cNvSpPr>
+          <p:nvPr>
+            <p:ph type="title"/>
+          </p:nvPr>
+        </p:nvSpPr>
+        <p:spPr>
+          <a:xfrm>
+            <a:off x="1524003" y="1999615"/>
+            <a:ext cx="9144000" cy="2764028"/>
+          </a:xfrm>
+        </p:spPr>
+        <p:txBody>
+          <a:bodyPr vert="horz" lIns="91440" tIns="45720" rIns="91440" bIns="45720" rtlCol="0" anchor="ctr">
+            <a:normAutofit/>
+          </a:bodyPr>
+          <a:lstStyle/>
+          <a:p>
+            <a:pPr algn="ctr"/>
+            <a:r>
+              <a:rPr lang="en-US" sz="7200" kern="1200" dirty="0">
+                <a:solidFill>
+                  <a:schemeClr val="tx1"/>
+                </a:solidFill>
+                <a:latin typeface="+mj-lt"/>
+                <a:ea typeface="+mj-ea"/>
+                <a:cs typeface="+mj-cs"/>
+              </a:rPr>
+              <a:t>Network Policies</a:t>
+            </a:r>
+          </a:p>
+        </p:txBody>
+      </p:sp>
+      <p:sp>
+        <p:nvSpPr>
+          <p:cNvPr id="13" name="Rectangle 12">
+            <a:extLst>
+              <a:ext uri="{FF2B5EF4-FFF2-40B4-BE49-F238E27FC236}">
+                <a16:creationId xmlns:a16="http://schemas.microsoft.com/office/drawing/2014/main" id="{D4943BCF-03CF-DEAD-34C2-E87E7FD88B1A}"/>
+              </a:ext>
+              <a:ext uri="{C183D7F6-B498-43B3-948B-1728B52AA6E4}">
+                <adec:decorative xmlns:adec="http://schemas.microsoft.com/office/drawing/2017/decorative" val="1"/>
+              </a:ext>
+            </a:extLst>
+          </p:cNvPr>
+          <p:cNvSpPr>
+            <a:spLocks noGrp="1" noRot="1" noChangeAspect="1" noMove="1" noResize="1" noEditPoints="1" noAdjustHandles="1" noChangeArrowheads="1" noChangeShapeType="1" noTextEdit="1"/>
+          </p:cNvSpPr>
+          <p:nvPr>
+            <p:extLst>
+              <p:ext uri="{386F3935-93C4-4BCD-93E2-E3B085C9AB24}">
+                <p16:designElem xmlns:p16="http://schemas.microsoft.com/office/powerpoint/2015/main" val="1"/>
+              </p:ext>
+            </p:extLst>
+          </p:nvPr>
+        </p:nvSpPr>
+        <p:spPr>
+          <a:xfrm>
+            <a:off x="3718560" y="5524786"/>
+            <a:ext cx="4754880" cy="27432"/>
+          </a:xfrm>
+          <a:prstGeom prst="rect">
+            <a:avLst/>
+          </a:prstGeom>
+          <a:solidFill>
+            <a:schemeClr val="accent2"/>
+          </a:solidFill>
+          <a:ln>
+            <a:noFill/>
+          </a:ln>
+        </p:spPr>
+        <p:style>
+          <a:lnRef idx="2">
+            <a:schemeClr val="accent1">
+              <a:shade val="50000"/>
+            </a:schemeClr>
+          </a:lnRef>
+          <a:fillRef idx="1">
+            <a:schemeClr val="accent1"/>
+          </a:fillRef>
+          <a:effectRef idx="0">
+            <a:schemeClr val="accent1"/>
+          </a:effectRef>
+          <a:fontRef idx="minor">
+            <a:schemeClr val="lt1"/>
+          </a:fontRef>
+        </p:style>
+        <p:txBody>
+          <a:bodyPr rtlCol="0" anchor="ctr"/>
+          <a:lstStyle/>
+          <a:p>
+            <a:pPr marL="0" marR="0" lvl="0" indent="0" algn="ctr" defTabSz="914400" rtl="0" eaLnBrk="1" fontAlgn="auto" latinLnBrk="0" hangingPunct="1">
+              <a:lnSpc>
+                <a:spcPct val="100000"/>
+              </a:lnSpc>
+              <a:spcBef>
+                <a:spcPts val="0"/>
+              </a:spcBef>
+              <a:spcAft>
+                <a:spcPts val="0"/>
+              </a:spcAft>
+              <a:buClrTx/>
+              <a:buSzTx/>
+              <a:buFontTx/>
+              <a:buNone/>
+              <a:tabLst/>
+              <a:defRPr/>
+            </a:pPr>
+            <a:endParaRPr kumimoji="0" lang="en-US" sz="1800" b="0" i="0" u="none" strike="noStrike" kern="1200" cap="none" spc="0" normalizeH="0" baseline="0" noProof="0">
+              <a:ln>
+                <a:noFill/>
+              </a:ln>
+              <a:solidFill>
+                <a:prstClr val="white"/>
+              </a:solidFill>
+              <a:effectLst/>
+              <a:uLnTx/>
+              <a:uFillTx/>
+              <a:latin typeface="Calibri" panose="020F0502020204030204"/>
+              <a:ea typeface="+mn-ea"/>
+              <a:cs typeface="+mn-cs"/>
+            </a:endParaRPr>
+          </a:p>
+        </p:txBody>
+      </p:sp>
+    </p:spTree>
+    <p:extLst>
+      <p:ext uri="{BB962C8B-B14F-4D97-AF65-F5344CB8AC3E}">
+        <p14:creationId xmlns:p14="http://schemas.microsoft.com/office/powerpoint/2010/main" val="3003265005"/>
+      </p:ext>
+    </p:extLst>
+  </p:cSld>
+  <p:clrMapOvr>
+    <a:masterClrMapping/>
+  </p:clrMapOvr>
+</p:sld>
+</file>
+
+<file path=ppt/slides/slide44.xml><?xml version="1.0" encoding="utf-8"?>
+<p:sld xmlns:a="http://schemas.openxmlformats.org/drawingml/2006/main" xmlns:r="http://schemas.openxmlformats.org/officeDocument/2006/relationships" xmlns:p="http://schemas.openxmlformats.org/presentationml/2006/main">
+  <p:cSld>
+    <p:bg>
+      <p:bgPr>
+        <a:solidFill>
+          <a:schemeClr val="bg1"/>
+        </a:solidFill>
+        <a:effectLst/>
+      </p:bgPr>
+    </p:bg>
+    <p:spTree>
+      <p:nvGrpSpPr>
+        <p:cNvPr id="1" name="">
+          <a:extLst>
+            <a:ext uri="{FF2B5EF4-FFF2-40B4-BE49-F238E27FC236}">
+              <a16:creationId xmlns:a16="http://schemas.microsoft.com/office/drawing/2014/main" id="{9F4DA40C-6865-2733-70DB-421E28B22AA3}"/>
+            </a:ext>
+          </a:extLst>
+        </p:cNvPr>
+        <p:cNvGrpSpPr/>
+        <p:nvPr/>
+      </p:nvGrpSpPr>
+      <p:grpSpPr>
+        <a:xfrm>
+          <a:off x="0" y="0"/>
+          <a:ext cx="0" cy="0"/>
+          <a:chOff x="0" y="0"/>
+          <a:chExt cx="0" cy="0"/>
+        </a:xfrm>
+      </p:grpSpPr>
+      <p:sp useBgFill="1">
+        <p:nvSpPr>
+          <p:cNvPr id="12" name="Rectangle 11">
+            <a:extLst>
+              <a:ext uri="{FF2B5EF4-FFF2-40B4-BE49-F238E27FC236}">
+                <a16:creationId xmlns:a16="http://schemas.microsoft.com/office/drawing/2014/main" id="{24C607AC-B574-7D5A-6FD5-F4B16EF19B34}"/>
+              </a:ext>
+              <a:ext uri="{C183D7F6-B498-43B3-948B-1728B52AA6E4}">
+                <adec:decorative xmlns:adec="http://schemas.microsoft.com/office/drawing/2017/decorative" val="1"/>
+              </a:ext>
+            </a:extLst>
+          </p:cNvPr>
+          <p:cNvSpPr>
+            <a:spLocks noGrp="1" noRot="1" noChangeAspect="1" noMove="1" noResize="1" noEditPoints="1" noAdjustHandles="1" noChangeArrowheads="1" noChangeShapeType="1" noTextEdit="1"/>
+          </p:cNvSpPr>
+          <p:nvPr>
+            <p:extLst>
+              <p:ext uri="{386F3935-93C4-4BCD-93E2-E3B085C9AB24}">
+                <p16:designElem xmlns:p16="http://schemas.microsoft.com/office/powerpoint/2015/main" val="1"/>
+              </p:ext>
+            </p:extLst>
+          </p:nvPr>
+        </p:nvSpPr>
+        <p:spPr>
+          <a:xfrm>
+            <a:off x="0" y="0"/>
+            <a:ext cx="12188952" cy="6858000"/>
+          </a:xfrm>
+          <a:prstGeom prst="rect">
+            <a:avLst/>
+          </a:prstGeom>
+          <a:ln>
+            <a:noFill/>
+          </a:ln>
+        </p:spPr>
+        <p:style>
+          <a:lnRef idx="2">
+            <a:schemeClr val="accent1">
+              <a:shade val="50000"/>
+            </a:schemeClr>
+          </a:lnRef>
+          <a:fillRef idx="1">
+            <a:schemeClr val="accent1"/>
+          </a:fillRef>
+          <a:effectRef idx="0">
+            <a:schemeClr val="accent1"/>
+          </a:effectRef>
+          <a:fontRef idx="minor">
+            <a:schemeClr val="lt1"/>
+          </a:fontRef>
+        </p:style>
+        <p:txBody>
+          <a:bodyPr rtlCol="0" anchor="ctr"/>
+          <a:lstStyle/>
+          <a:p>
+            <a:pPr marL="0" marR="0" lvl="0" indent="0" algn="ctr" defTabSz="914400" rtl="0" eaLnBrk="1" fontAlgn="auto" latinLnBrk="0" hangingPunct="1">
+              <a:lnSpc>
+                <a:spcPct val="100000"/>
+              </a:lnSpc>
+              <a:spcBef>
+                <a:spcPts val="0"/>
+              </a:spcBef>
+              <a:spcAft>
+                <a:spcPts val="0"/>
+              </a:spcAft>
+              <a:buClrTx/>
+              <a:buSzTx/>
+              <a:buFontTx/>
+              <a:buNone/>
+              <a:tabLst/>
+              <a:defRPr/>
+            </a:pPr>
+            <a:endParaRPr kumimoji="0" lang="en-US" sz="1800" b="0" i="0" u="none" strike="noStrike" kern="1200" cap="none" spc="0" normalizeH="0" baseline="0" noProof="0">
+              <a:ln>
+                <a:noFill/>
+              </a:ln>
+              <a:solidFill>
+                <a:prstClr val="white"/>
+              </a:solidFill>
+              <a:effectLst/>
+              <a:uLnTx/>
+              <a:uFillTx/>
+              <a:latin typeface="Aptos" panose="02110004020202020204"/>
+              <a:ea typeface="+mn-ea"/>
+              <a:cs typeface="+mn-cs"/>
+            </a:endParaRPr>
+          </a:p>
+        </p:txBody>
+      </p:sp>
+      <p:sp>
+        <p:nvSpPr>
+          <p:cNvPr id="2" name="Title 1">
+            <a:extLst>
+              <a:ext uri="{FF2B5EF4-FFF2-40B4-BE49-F238E27FC236}">
+                <a16:creationId xmlns:a16="http://schemas.microsoft.com/office/drawing/2014/main" id="{842B016B-E67F-0166-6533-DB981E3973A4}"/>
+              </a:ext>
+            </a:extLst>
+          </p:cNvPr>
+          <p:cNvSpPr>
+            <a:spLocks noGrp="1"/>
+          </p:cNvSpPr>
+          <p:nvPr>
+            <p:ph type="title"/>
+          </p:nvPr>
+        </p:nvSpPr>
+        <p:spPr>
+          <a:xfrm>
+            <a:off x="838200" y="365125"/>
+            <a:ext cx="10515600" cy="1325563"/>
+          </a:xfrm>
+        </p:spPr>
+        <p:txBody>
+          <a:bodyPr>
+            <a:normAutofit/>
+          </a:bodyPr>
+          <a:lstStyle/>
+          <a:p>
+            <a:r>
+              <a:rPr lang="en-US" sz="5400" dirty="0"/>
+              <a:t>Overview of Network Policy</a:t>
+            </a:r>
+          </a:p>
+        </p:txBody>
+      </p:sp>
+      <p:sp>
+        <p:nvSpPr>
+          <p:cNvPr id="13" name="sketch line">
+            <a:extLst>
+              <a:ext uri="{FF2B5EF4-FFF2-40B4-BE49-F238E27FC236}">
+                <a16:creationId xmlns:a16="http://schemas.microsoft.com/office/drawing/2014/main" id="{1B059FEC-F6C4-5503-B25F-12250F95AE3F}"/>
+              </a:ext>
+              <a:ext uri="{C183D7F6-B498-43B3-948B-1728B52AA6E4}">
+                <adec:decorative xmlns:adec="http://schemas.microsoft.com/office/drawing/2017/decorative" val="1"/>
+              </a:ext>
+            </a:extLst>
+          </p:cNvPr>
+          <p:cNvSpPr>
+            <a:spLocks noGrp="1" noRot="1" noChangeAspect="1" noMove="1" noResize="1" noEditPoints="1" noAdjustHandles="1" noChangeArrowheads="1" noChangeShapeType="1" noTextEdit="1"/>
+          </p:cNvSpPr>
+          <p:nvPr>
+            <p:extLst>
+              <p:ext uri="{386F3935-93C4-4BCD-93E2-E3B085C9AB24}">
+                <p16:designElem xmlns:p16="http://schemas.microsoft.com/office/powerpoint/2015/main" val="1"/>
+              </p:ext>
+            </p:extLst>
+          </p:nvPr>
+        </p:nvSpPr>
+        <p:spPr>
+          <a:xfrm>
+            <a:off x="669036" y="1677373"/>
+            <a:ext cx="10853928" cy="18288"/>
+          </a:xfrm>
+          <a:custGeom>
+            <a:avLst/>
+            <a:gdLst>
+              <a:gd name="csX0" fmla="*/ 0 w 10853928"/>
+              <a:gd name="csY0" fmla="*/ 0 h 18288"/>
+              <a:gd name="csX1" fmla="*/ 461292 w 10853928"/>
+              <a:gd name="csY1" fmla="*/ 0 h 18288"/>
+              <a:gd name="csX2" fmla="*/ 1139662 w 10853928"/>
+              <a:gd name="csY2" fmla="*/ 0 h 18288"/>
+              <a:gd name="csX3" fmla="*/ 1926572 w 10853928"/>
+              <a:gd name="csY3" fmla="*/ 0 h 18288"/>
+              <a:gd name="csX4" fmla="*/ 2279325 w 10853928"/>
+              <a:gd name="csY4" fmla="*/ 0 h 18288"/>
+              <a:gd name="csX5" fmla="*/ 2632078 w 10853928"/>
+              <a:gd name="csY5" fmla="*/ 0 h 18288"/>
+              <a:gd name="csX6" fmla="*/ 3527527 w 10853928"/>
+              <a:gd name="csY6" fmla="*/ 0 h 18288"/>
+              <a:gd name="csX7" fmla="*/ 4205897 w 10853928"/>
+              <a:gd name="csY7" fmla="*/ 0 h 18288"/>
+              <a:gd name="csX8" fmla="*/ 4558650 w 10853928"/>
+              <a:gd name="csY8" fmla="*/ 0 h 18288"/>
+              <a:gd name="csX9" fmla="*/ 5237020 w 10853928"/>
+              <a:gd name="csY9" fmla="*/ 0 h 18288"/>
+              <a:gd name="csX10" fmla="*/ 6132469 w 10853928"/>
+              <a:gd name="csY10" fmla="*/ 0 h 18288"/>
+              <a:gd name="csX11" fmla="*/ 6702301 w 10853928"/>
+              <a:gd name="csY11" fmla="*/ 0 h 18288"/>
+              <a:gd name="csX12" fmla="*/ 7272132 w 10853928"/>
+              <a:gd name="csY12" fmla="*/ 0 h 18288"/>
+              <a:gd name="csX13" fmla="*/ 7950502 w 10853928"/>
+              <a:gd name="csY13" fmla="*/ 0 h 18288"/>
+              <a:gd name="csX14" fmla="*/ 8737412 w 10853928"/>
+              <a:gd name="csY14" fmla="*/ 0 h 18288"/>
+              <a:gd name="csX15" fmla="*/ 9524322 w 10853928"/>
+              <a:gd name="csY15" fmla="*/ 0 h 18288"/>
+              <a:gd name="csX16" fmla="*/ 10853928 w 10853928"/>
+              <a:gd name="csY16" fmla="*/ 0 h 18288"/>
+              <a:gd name="csX17" fmla="*/ 10853928 w 10853928"/>
+              <a:gd name="csY17" fmla="*/ 18288 h 18288"/>
+              <a:gd name="csX18" fmla="*/ 10392636 w 10853928"/>
+              <a:gd name="csY18" fmla="*/ 18288 h 18288"/>
+              <a:gd name="csX19" fmla="*/ 9497187 w 10853928"/>
+              <a:gd name="csY19" fmla="*/ 18288 h 18288"/>
+              <a:gd name="csX20" fmla="*/ 8818817 w 10853928"/>
+              <a:gd name="csY20" fmla="*/ 18288 h 18288"/>
+              <a:gd name="csX21" fmla="*/ 8466064 w 10853928"/>
+              <a:gd name="csY21" fmla="*/ 18288 h 18288"/>
+              <a:gd name="csX22" fmla="*/ 7787693 w 10853928"/>
+              <a:gd name="csY22" fmla="*/ 18288 h 18288"/>
+              <a:gd name="csX23" fmla="*/ 7217862 w 10853928"/>
+              <a:gd name="csY23" fmla="*/ 18288 h 18288"/>
+              <a:gd name="csX24" fmla="*/ 6648031 w 10853928"/>
+              <a:gd name="csY24" fmla="*/ 18288 h 18288"/>
+              <a:gd name="csX25" fmla="*/ 6078200 w 10853928"/>
+              <a:gd name="csY25" fmla="*/ 18288 h 18288"/>
+              <a:gd name="csX26" fmla="*/ 5508368 w 10853928"/>
+              <a:gd name="csY26" fmla="*/ 18288 h 18288"/>
+              <a:gd name="csX27" fmla="*/ 4721459 w 10853928"/>
+              <a:gd name="csY27" fmla="*/ 18288 h 18288"/>
+              <a:gd name="csX28" fmla="*/ 4043088 w 10853928"/>
+              <a:gd name="csY28" fmla="*/ 18288 h 18288"/>
+              <a:gd name="csX29" fmla="*/ 3690336 w 10853928"/>
+              <a:gd name="csY29" fmla="*/ 18288 h 18288"/>
+              <a:gd name="csX30" fmla="*/ 3120504 w 10853928"/>
+              <a:gd name="csY30" fmla="*/ 18288 h 18288"/>
+              <a:gd name="csX31" fmla="*/ 2333595 w 10853928"/>
+              <a:gd name="csY31" fmla="*/ 18288 h 18288"/>
+              <a:gd name="csX32" fmla="*/ 1872303 w 10853928"/>
+              <a:gd name="csY32" fmla="*/ 18288 h 18288"/>
+              <a:gd name="csX33" fmla="*/ 976854 w 10853928"/>
+              <a:gd name="csY33" fmla="*/ 18288 h 18288"/>
+              <a:gd name="csX34" fmla="*/ 0 w 10853928"/>
+              <a:gd name="csY34" fmla="*/ 18288 h 18288"/>
+              <a:gd name="csX35" fmla="*/ 0 w 10853928"/>
+              <a:gd name="csY35" fmla="*/ 0 h 18288"/>
+            </a:gdLst>
+            <a:ahLst/>
+            <a:cxnLst>
+              <a:cxn ang="0">
+                <a:pos x="csX0" y="csY0"/>
+              </a:cxn>
+              <a:cxn ang="0">
+                <a:pos x="csX1" y="csY1"/>
+              </a:cxn>
+              <a:cxn ang="0">
+                <a:pos x="csX2" y="csY2"/>
+              </a:cxn>
+              <a:cxn ang="0">
+                <a:pos x="csX3" y="csY3"/>
+              </a:cxn>
+              <a:cxn ang="0">
+                <a:pos x="csX4" y="csY4"/>
+              </a:cxn>
+              <a:cxn ang="0">
+                <a:pos x="csX5" y="csY5"/>
+              </a:cxn>
+              <a:cxn ang="0">
+                <a:pos x="csX6" y="csY6"/>
+              </a:cxn>
+              <a:cxn ang="0">
+                <a:pos x="csX7" y="csY7"/>
+              </a:cxn>
+              <a:cxn ang="0">
+                <a:pos x="csX8" y="csY8"/>
+              </a:cxn>
+              <a:cxn ang="0">
+                <a:pos x="csX9" y="csY9"/>
+              </a:cxn>
+              <a:cxn ang="0">
+                <a:pos x="csX10" y="csY10"/>
+              </a:cxn>
+              <a:cxn ang="0">
+                <a:pos x="csX11" y="csY11"/>
+              </a:cxn>
+              <a:cxn ang="0">
+                <a:pos x="csX12" y="csY12"/>
+              </a:cxn>
+              <a:cxn ang="0">
+                <a:pos x="csX13" y="csY13"/>
+              </a:cxn>
+              <a:cxn ang="0">
+                <a:pos x="csX14" y="csY14"/>
+              </a:cxn>
+              <a:cxn ang="0">
+                <a:pos x="csX15" y="csY15"/>
+              </a:cxn>
+              <a:cxn ang="0">
+                <a:pos x="csX16" y="csY16"/>
+              </a:cxn>
+              <a:cxn ang="0">
+                <a:pos x="csX17" y="csY17"/>
+              </a:cxn>
+              <a:cxn ang="0">
+                <a:pos x="csX18" y="csY18"/>
+              </a:cxn>
+              <a:cxn ang="0">
+                <a:pos x="csX19" y="csY19"/>
+              </a:cxn>
+              <a:cxn ang="0">
+                <a:pos x="csX20" y="csY20"/>
+              </a:cxn>
+              <a:cxn ang="0">
+                <a:pos x="csX21" y="csY21"/>
+              </a:cxn>
+              <a:cxn ang="0">
+                <a:pos x="csX22" y="csY22"/>
+              </a:cxn>
+              <a:cxn ang="0">
+                <a:pos x="csX23" y="csY23"/>
+              </a:cxn>
+              <a:cxn ang="0">
+                <a:pos x="csX24" y="csY24"/>
+              </a:cxn>
+              <a:cxn ang="0">
+                <a:pos x="csX25" y="csY25"/>
+              </a:cxn>
+              <a:cxn ang="0">
+                <a:pos x="csX26" y="csY26"/>
+              </a:cxn>
+              <a:cxn ang="0">
+                <a:pos x="csX27" y="csY27"/>
+              </a:cxn>
+              <a:cxn ang="0">
+                <a:pos x="csX28" y="csY28"/>
+              </a:cxn>
+              <a:cxn ang="0">
+                <a:pos x="csX29" y="csY29"/>
+              </a:cxn>
+              <a:cxn ang="0">
+                <a:pos x="csX30" y="csY30"/>
+              </a:cxn>
+              <a:cxn ang="0">
+                <a:pos x="csX31" y="csY31"/>
+              </a:cxn>
+              <a:cxn ang="0">
+                <a:pos x="csX32" y="csY32"/>
+              </a:cxn>
+              <a:cxn ang="0">
+                <a:pos x="csX33" y="csY33"/>
+              </a:cxn>
+              <a:cxn ang="0">
+                <a:pos x="csX34" y="csY34"/>
+              </a:cxn>
+              <a:cxn ang="0">
+                <a:pos x="csX35" y="csY35"/>
+              </a:cxn>
+            </a:cxnLst>
+            <a:rect l="l" t="t" r="r" b="b"/>
+            <a:pathLst>
+              <a:path w="10853928" h="18288" fill="none" extrusionOk="0">
+                <a:moveTo>
+                  <a:pt x="0" y="0"/>
+                </a:moveTo>
+                <a:cubicBezTo>
+                  <a:pt x="146993" y="-19076"/>
+                  <a:pt x="347684" y="-4790"/>
+                  <a:pt x="461292" y="0"/>
+                </a:cubicBezTo>
+                <a:cubicBezTo>
+                  <a:pt x="574900" y="4790"/>
+                  <a:pt x="808367" y="19821"/>
+                  <a:pt x="1139662" y="0"/>
+                </a:cubicBezTo>
+                <a:cubicBezTo>
+                  <a:pt x="1470957" y="-19821"/>
+                  <a:pt x="1627405" y="5721"/>
+                  <a:pt x="1926572" y="0"/>
+                </a:cubicBezTo>
+                <a:cubicBezTo>
+                  <a:pt x="2225739" y="-5721"/>
+                  <a:pt x="2137730" y="-3235"/>
+                  <a:pt x="2279325" y="0"/>
+                </a:cubicBezTo>
+                <a:cubicBezTo>
+                  <a:pt x="2420920" y="3235"/>
+                  <a:pt x="2456518" y="9685"/>
+                  <a:pt x="2632078" y="0"/>
+                </a:cubicBezTo>
+                <a:cubicBezTo>
+                  <a:pt x="2807638" y="-9685"/>
+                  <a:pt x="3211516" y="-43007"/>
+                  <a:pt x="3527527" y="0"/>
+                </a:cubicBezTo>
+                <a:cubicBezTo>
+                  <a:pt x="3843538" y="43007"/>
+                  <a:pt x="4058833" y="22042"/>
+                  <a:pt x="4205897" y="0"/>
+                </a:cubicBezTo>
+                <a:cubicBezTo>
+                  <a:pt x="4352961" y="-22042"/>
+                  <a:pt x="4474805" y="-11846"/>
+                  <a:pt x="4558650" y="0"/>
+                </a:cubicBezTo>
+                <a:cubicBezTo>
+                  <a:pt x="4642495" y="11846"/>
+                  <a:pt x="5041928" y="-6069"/>
+                  <a:pt x="5237020" y="0"/>
+                </a:cubicBezTo>
+                <a:cubicBezTo>
+                  <a:pt x="5432112" y="6069"/>
+                  <a:pt x="5943266" y="-17479"/>
+                  <a:pt x="6132469" y="0"/>
+                </a:cubicBezTo>
+                <a:cubicBezTo>
+                  <a:pt x="6321672" y="17479"/>
+                  <a:pt x="6483872" y="26234"/>
+                  <a:pt x="6702301" y="0"/>
+                </a:cubicBezTo>
+                <a:cubicBezTo>
+                  <a:pt x="6920730" y="-26234"/>
+                  <a:pt x="6991194" y="-15156"/>
+                  <a:pt x="7272132" y="0"/>
+                </a:cubicBezTo>
+                <a:cubicBezTo>
+                  <a:pt x="7553070" y="15156"/>
+                  <a:pt x="7684444" y="-32961"/>
+                  <a:pt x="7950502" y="0"/>
+                </a:cubicBezTo>
+                <a:cubicBezTo>
+                  <a:pt x="8216560" y="32961"/>
+                  <a:pt x="8493290" y="-10491"/>
+                  <a:pt x="8737412" y="0"/>
+                </a:cubicBezTo>
+                <a:cubicBezTo>
+                  <a:pt x="8981534" y="10491"/>
+                  <a:pt x="9191586" y="-13899"/>
+                  <a:pt x="9524322" y="0"/>
+                </a:cubicBezTo>
+                <a:cubicBezTo>
+                  <a:pt x="9857058" y="13899"/>
+                  <a:pt x="10297509" y="7485"/>
+                  <a:pt x="10853928" y="0"/>
+                </a:cubicBezTo>
+                <a:cubicBezTo>
+                  <a:pt x="10854574" y="4451"/>
+                  <a:pt x="10854418" y="9226"/>
+                  <a:pt x="10853928" y="18288"/>
+                </a:cubicBezTo>
+                <a:cubicBezTo>
+                  <a:pt x="10691638" y="28522"/>
+                  <a:pt x="10574319" y="29578"/>
+                  <a:pt x="10392636" y="18288"/>
+                </a:cubicBezTo>
+                <a:cubicBezTo>
+                  <a:pt x="10210953" y="6998"/>
+                  <a:pt x="9836277" y="-16742"/>
+                  <a:pt x="9497187" y="18288"/>
+                </a:cubicBezTo>
+                <a:cubicBezTo>
+                  <a:pt x="9158097" y="53318"/>
+                  <a:pt x="9119479" y="30714"/>
+                  <a:pt x="8818817" y="18288"/>
+                </a:cubicBezTo>
+                <a:cubicBezTo>
+                  <a:pt x="8518155" y="5863"/>
+                  <a:pt x="8640037" y="6483"/>
+                  <a:pt x="8466064" y="18288"/>
+                </a:cubicBezTo>
+                <a:cubicBezTo>
+                  <a:pt x="8292091" y="30093"/>
+                  <a:pt x="7997656" y="18914"/>
+                  <a:pt x="7787693" y="18288"/>
+                </a:cubicBezTo>
+                <a:cubicBezTo>
+                  <a:pt x="7577730" y="17662"/>
+                  <a:pt x="7412468" y="21416"/>
+                  <a:pt x="7217862" y="18288"/>
+                </a:cubicBezTo>
+                <a:cubicBezTo>
+                  <a:pt x="7023256" y="15160"/>
+                  <a:pt x="6898018" y="14824"/>
+                  <a:pt x="6648031" y="18288"/>
+                </a:cubicBezTo>
+                <a:cubicBezTo>
+                  <a:pt x="6398044" y="21752"/>
+                  <a:pt x="6254402" y="38625"/>
+                  <a:pt x="6078200" y="18288"/>
+                </a:cubicBezTo>
+                <a:cubicBezTo>
+                  <a:pt x="5901998" y="-2049"/>
+                  <a:pt x="5622886" y="3213"/>
+                  <a:pt x="5508368" y="18288"/>
+                </a:cubicBezTo>
+                <a:cubicBezTo>
+                  <a:pt x="5393850" y="33363"/>
+                  <a:pt x="5036260" y="26830"/>
+                  <a:pt x="4721459" y="18288"/>
+                </a:cubicBezTo>
+                <a:cubicBezTo>
+                  <a:pt x="4406658" y="9746"/>
+                  <a:pt x="4239221" y="41551"/>
+                  <a:pt x="4043088" y="18288"/>
+                </a:cubicBezTo>
+                <a:cubicBezTo>
+                  <a:pt x="3846955" y="-4975"/>
+                  <a:pt x="3818802" y="34658"/>
+                  <a:pt x="3690336" y="18288"/>
+                </a:cubicBezTo>
+                <a:cubicBezTo>
+                  <a:pt x="3561870" y="1918"/>
+                  <a:pt x="3265491" y="42194"/>
+                  <a:pt x="3120504" y="18288"/>
+                </a:cubicBezTo>
+                <a:cubicBezTo>
+                  <a:pt x="2975517" y="-5618"/>
+                  <a:pt x="2720254" y="36673"/>
+                  <a:pt x="2333595" y="18288"/>
+                </a:cubicBezTo>
+                <a:cubicBezTo>
+                  <a:pt x="1946936" y="-97"/>
+                  <a:pt x="2097241" y="5776"/>
+                  <a:pt x="1872303" y="18288"/>
+                </a:cubicBezTo>
+                <a:cubicBezTo>
+                  <a:pt x="1647365" y="30800"/>
+                  <a:pt x="1282708" y="45380"/>
+                  <a:pt x="976854" y="18288"/>
+                </a:cubicBezTo>
+                <a:cubicBezTo>
+                  <a:pt x="671000" y="-8804"/>
+                  <a:pt x="408401" y="-12775"/>
+                  <a:pt x="0" y="18288"/>
+                </a:cubicBezTo>
+                <a:cubicBezTo>
+                  <a:pt x="-213" y="9468"/>
+                  <a:pt x="187" y="4459"/>
+                  <a:pt x="0" y="0"/>
+                </a:cubicBezTo>
+                <a:close/>
+              </a:path>
+              <a:path w="10853928" h="18288" stroke="0" extrusionOk="0">
+                <a:moveTo>
+                  <a:pt x="0" y="0"/>
+                </a:moveTo>
+                <a:cubicBezTo>
+                  <a:pt x="267322" y="15284"/>
+                  <a:pt x="415388" y="-21048"/>
+                  <a:pt x="569831" y="0"/>
+                </a:cubicBezTo>
+                <a:cubicBezTo>
+                  <a:pt x="724274" y="21048"/>
+                  <a:pt x="769333" y="-2353"/>
+                  <a:pt x="922584" y="0"/>
+                </a:cubicBezTo>
+                <a:cubicBezTo>
+                  <a:pt x="1075835" y="2353"/>
+                  <a:pt x="1399490" y="-145"/>
+                  <a:pt x="1818033" y="0"/>
+                </a:cubicBezTo>
+                <a:cubicBezTo>
+                  <a:pt x="2236576" y="145"/>
+                  <a:pt x="2145330" y="5482"/>
+                  <a:pt x="2387864" y="0"/>
+                </a:cubicBezTo>
+                <a:cubicBezTo>
+                  <a:pt x="2630398" y="-5482"/>
+                  <a:pt x="2793207" y="18487"/>
+                  <a:pt x="2957695" y="0"/>
+                </a:cubicBezTo>
+                <a:cubicBezTo>
+                  <a:pt x="3122183" y="-18487"/>
+                  <a:pt x="3579141" y="19003"/>
+                  <a:pt x="3853144" y="0"/>
+                </a:cubicBezTo>
+                <a:cubicBezTo>
+                  <a:pt x="4127147" y="-19003"/>
+                  <a:pt x="4209857" y="12211"/>
+                  <a:pt x="4314436" y="0"/>
+                </a:cubicBezTo>
+                <a:cubicBezTo>
+                  <a:pt x="4419015" y="-12211"/>
+                  <a:pt x="4762459" y="-17220"/>
+                  <a:pt x="5209885" y="0"/>
+                </a:cubicBezTo>
+                <a:cubicBezTo>
+                  <a:pt x="5657311" y="17220"/>
+                  <a:pt x="5692663" y="-3290"/>
+                  <a:pt x="6105335" y="0"/>
+                </a:cubicBezTo>
+                <a:cubicBezTo>
+                  <a:pt x="6518007" y="3290"/>
+                  <a:pt x="6455516" y="-5124"/>
+                  <a:pt x="6783705" y="0"/>
+                </a:cubicBezTo>
+                <a:cubicBezTo>
+                  <a:pt x="7111894" y="5124"/>
+                  <a:pt x="7441941" y="-17829"/>
+                  <a:pt x="7679154" y="0"/>
+                </a:cubicBezTo>
+                <a:cubicBezTo>
+                  <a:pt x="7916367" y="17829"/>
+                  <a:pt x="8102967" y="-24363"/>
+                  <a:pt x="8248985" y="0"/>
+                </a:cubicBezTo>
+                <a:cubicBezTo>
+                  <a:pt x="8395003" y="24363"/>
+                  <a:pt x="8552393" y="25505"/>
+                  <a:pt x="8818817" y="0"/>
+                </a:cubicBezTo>
+                <a:cubicBezTo>
+                  <a:pt x="9085241" y="-25505"/>
+                  <a:pt x="9411308" y="38000"/>
+                  <a:pt x="9605726" y="0"/>
+                </a:cubicBezTo>
+                <a:cubicBezTo>
+                  <a:pt x="9800144" y="-38000"/>
+                  <a:pt x="10006468" y="-25741"/>
+                  <a:pt x="10175558" y="0"/>
+                </a:cubicBezTo>
+                <a:cubicBezTo>
+                  <a:pt x="10344648" y="25741"/>
+                  <a:pt x="10696282" y="695"/>
+                  <a:pt x="10853928" y="0"/>
+                </a:cubicBezTo>
+                <a:cubicBezTo>
+                  <a:pt x="10853521" y="8690"/>
+                  <a:pt x="10853774" y="14141"/>
+                  <a:pt x="10853928" y="18288"/>
+                </a:cubicBezTo>
+                <a:cubicBezTo>
+                  <a:pt x="10608124" y="24255"/>
+                  <a:pt x="10343415" y="22307"/>
+                  <a:pt x="10067018" y="18288"/>
+                </a:cubicBezTo>
+                <a:cubicBezTo>
+                  <a:pt x="9790621" y="14270"/>
+                  <a:pt x="9843266" y="3564"/>
+                  <a:pt x="9714266" y="18288"/>
+                </a:cubicBezTo>
+                <a:cubicBezTo>
+                  <a:pt x="9585266" y="33012"/>
+                  <a:pt x="9379484" y="1875"/>
+                  <a:pt x="9252974" y="18288"/>
+                </a:cubicBezTo>
+                <a:cubicBezTo>
+                  <a:pt x="9126464" y="34701"/>
+                  <a:pt x="8580678" y="-4904"/>
+                  <a:pt x="8357525" y="18288"/>
+                </a:cubicBezTo>
+                <a:cubicBezTo>
+                  <a:pt x="8134372" y="41480"/>
+                  <a:pt x="7903199" y="26458"/>
+                  <a:pt x="7679154" y="18288"/>
+                </a:cubicBezTo>
+                <a:cubicBezTo>
+                  <a:pt x="7455109" y="10118"/>
+                  <a:pt x="7435944" y="27109"/>
+                  <a:pt x="7217862" y="18288"/>
+                </a:cubicBezTo>
+                <a:cubicBezTo>
+                  <a:pt x="6999780" y="9467"/>
+                  <a:pt x="6680409" y="18985"/>
+                  <a:pt x="6539492" y="18288"/>
+                </a:cubicBezTo>
+                <a:cubicBezTo>
+                  <a:pt x="6398575" y="17592"/>
+                  <a:pt x="6312077" y="33018"/>
+                  <a:pt x="6186739" y="18288"/>
+                </a:cubicBezTo>
+                <a:cubicBezTo>
+                  <a:pt x="6061401" y="3558"/>
+                  <a:pt x="5947033" y="12075"/>
+                  <a:pt x="5833986" y="18288"/>
+                </a:cubicBezTo>
+                <a:cubicBezTo>
+                  <a:pt x="5720939" y="24501"/>
+                  <a:pt x="5482226" y="8586"/>
+                  <a:pt x="5155616" y="18288"/>
+                </a:cubicBezTo>
+                <a:cubicBezTo>
+                  <a:pt x="4829006" y="27991"/>
+                  <a:pt x="4841274" y="29316"/>
+                  <a:pt x="4694324" y="18288"/>
+                </a:cubicBezTo>
+                <a:cubicBezTo>
+                  <a:pt x="4547374" y="7260"/>
+                  <a:pt x="4077675" y="7013"/>
+                  <a:pt x="3907414" y="18288"/>
+                </a:cubicBezTo>
+                <a:cubicBezTo>
+                  <a:pt x="3737153" y="29564"/>
+                  <a:pt x="3538393" y="21630"/>
+                  <a:pt x="3446122" y="18288"/>
+                </a:cubicBezTo>
+                <a:cubicBezTo>
+                  <a:pt x="3353851" y="14946"/>
+                  <a:pt x="2990320" y="-8091"/>
+                  <a:pt x="2659212" y="18288"/>
+                </a:cubicBezTo>
+                <a:cubicBezTo>
+                  <a:pt x="2328104" y="44667"/>
+                  <a:pt x="2427653" y="9607"/>
+                  <a:pt x="2306460" y="18288"/>
+                </a:cubicBezTo>
+                <a:cubicBezTo>
+                  <a:pt x="2185267" y="26969"/>
+                  <a:pt x="1719763" y="3717"/>
+                  <a:pt x="1519550" y="18288"/>
+                </a:cubicBezTo>
+                <a:cubicBezTo>
+                  <a:pt x="1319337" y="32860"/>
+                  <a:pt x="1167371" y="17040"/>
+                  <a:pt x="1058258" y="18288"/>
+                </a:cubicBezTo>
+                <a:cubicBezTo>
+                  <a:pt x="949145" y="19536"/>
+                  <a:pt x="780234" y="31447"/>
+                  <a:pt x="705505" y="18288"/>
+                </a:cubicBezTo>
+                <a:cubicBezTo>
+                  <a:pt x="630776" y="5129"/>
+                  <a:pt x="215796" y="30056"/>
+                  <a:pt x="0" y="18288"/>
+                </a:cubicBezTo>
+                <a:cubicBezTo>
+                  <a:pt x="-53" y="11301"/>
+                  <a:pt x="-649" y="7756"/>
+                  <a:pt x="0" y="0"/>
+                </a:cubicBezTo>
+                <a:close/>
+              </a:path>
+            </a:pathLst>
+          </a:custGeom>
+          <a:solidFill>
+            <a:schemeClr val="accent2"/>
+          </a:solidFill>
+          <a:ln w="41275" cap="rnd">
+            <a:solidFill>
+              <a:schemeClr val="accent2"/>
+            </a:solidFill>
+            <a:round/>
+            <a:extLst>
+              <a:ext uri="{C807C97D-BFC1-408E-A445-0C87EB9F89A2}">
+                <ask:lineSketchStyleProps xmlns:ask="http://schemas.microsoft.com/office/drawing/2018/sketchyshapes" sd="1219033472">
+                  <a:prstGeom prst="rect">
+                    <a:avLst/>
+                  </a:prstGeom>
+                  <ask:type>
+                    <ask:lineSketchFreehand/>
+                  </ask:type>
+                </ask:lineSketchStyleProps>
+              </a:ext>
+            </a:extLst>
+          </a:ln>
+        </p:spPr>
+        <p:style>
+          <a:lnRef idx="2">
+            <a:schemeClr val="accent1">
+              <a:shade val="50000"/>
+            </a:schemeClr>
+          </a:lnRef>
+          <a:fillRef idx="1">
+            <a:schemeClr val="accent1"/>
+          </a:fillRef>
+          <a:effectRef idx="0">
+            <a:schemeClr val="accent1"/>
+          </a:effectRef>
+          <a:fontRef idx="minor">
+            <a:schemeClr val="lt1"/>
+          </a:fontRef>
+        </p:style>
+        <p:txBody>
+          <a:bodyPr rtlCol="0" anchor="ctr"/>
+          <a:lstStyle/>
+          <a:p>
+            <a:pPr marL="0" marR="0" lvl="0" indent="0" algn="ctr" defTabSz="914400" rtl="0" eaLnBrk="1" fontAlgn="auto" latinLnBrk="0" hangingPunct="1">
+              <a:lnSpc>
+                <a:spcPct val="100000"/>
+              </a:lnSpc>
+              <a:spcBef>
+                <a:spcPts val="0"/>
+              </a:spcBef>
+              <a:spcAft>
+                <a:spcPts val="0"/>
+              </a:spcAft>
+              <a:buClrTx/>
+              <a:buSzTx/>
+              <a:buFontTx/>
+              <a:buNone/>
+              <a:tabLst/>
+              <a:defRPr/>
+            </a:pPr>
+            <a:endParaRPr kumimoji="0" lang="en-US" sz="1800" b="0" i="0" u="none" strike="noStrike" kern="1200" cap="none" spc="0" normalizeH="0" baseline="0" noProof="0">
+              <a:ln>
+                <a:noFill/>
+              </a:ln>
+              <a:solidFill>
+                <a:prstClr val="white"/>
+              </a:solidFill>
+              <a:effectLst/>
+              <a:uLnTx/>
+              <a:uFillTx/>
+              <a:latin typeface="Aptos" panose="02110004020202020204"/>
+              <a:ea typeface="+mn-ea"/>
+              <a:cs typeface="+mn-cs"/>
+            </a:endParaRPr>
+          </a:p>
+        </p:txBody>
+      </p:sp>
+      <p:sp>
+        <p:nvSpPr>
+          <p:cNvPr id="4" name="TextBox 3">
+            <a:extLst>
+              <a:ext uri="{FF2B5EF4-FFF2-40B4-BE49-F238E27FC236}">
+                <a16:creationId xmlns:a16="http://schemas.microsoft.com/office/drawing/2014/main" id="{0160EC1C-B841-070F-918A-2C47B671C9DD}"/>
+              </a:ext>
+            </a:extLst>
+          </p:cNvPr>
+          <p:cNvSpPr txBox="1"/>
+          <p:nvPr/>
+        </p:nvSpPr>
+        <p:spPr>
+          <a:xfrm>
+            <a:off x="669036" y="2055813"/>
+            <a:ext cx="11174930" cy="2554545"/>
+          </a:xfrm>
+          <a:prstGeom prst="rect">
+            <a:avLst/>
+          </a:prstGeom>
+          <a:noFill/>
+        </p:spPr>
+        <p:txBody>
+          <a:bodyPr wrap="square">
+            <a:spAutoFit/>
+          </a:bodyPr>
+          <a:lstStyle/>
+          <a:p>
+            <a:pPr>
+              <a:spcAft>
+                <a:spcPts val="1200"/>
+              </a:spcAft>
+            </a:pPr>
+            <a:r>
+              <a:rPr lang="en-US" sz="2000" dirty="0">
+                <a:solidFill>
+                  <a:srgbClr val="161616"/>
+                </a:solidFill>
+                <a:latin typeface="Segoe UI" panose="020B0502040204020203" pitchFamily="34" charset="0"/>
+              </a:rPr>
+              <a:t>By default, all pods in an AKS cluster can send and receive traffic without limitations. To improve security, you can define rules that control the flow of traffic.</a:t>
+            </a:r>
+          </a:p>
+          <a:p>
+            <a:pPr>
+              <a:spcAft>
+                <a:spcPts val="1200"/>
+              </a:spcAft>
+            </a:pPr>
+            <a:r>
+              <a:rPr lang="en-US" sz="2000" dirty="0">
+                <a:solidFill>
+                  <a:srgbClr val="161616"/>
+                </a:solidFill>
+                <a:latin typeface="Segoe UI" panose="020B0502040204020203" pitchFamily="34" charset="0"/>
+              </a:rPr>
+              <a:t>Network policy is a Kubernetes specification that defines access policies for communication between pods. When you use network policies, you define an ordered set of rules to send and receive traffic. You apply the rules to a collection of pods that match one or more label selectors.</a:t>
+            </a:r>
+          </a:p>
+          <a:p>
+            <a:pPr>
+              <a:spcAft>
+                <a:spcPts val="1200"/>
+              </a:spcAft>
+            </a:pPr>
+            <a:r>
+              <a:rPr lang="en-US" sz="2000" dirty="0">
+                <a:solidFill>
+                  <a:srgbClr val="161616"/>
+                </a:solidFill>
+                <a:latin typeface="Segoe UI" panose="020B0502040204020203" pitchFamily="34" charset="0"/>
+              </a:rPr>
+              <a:t>You define the network policy rules as YAML manifests, and you can include them in wider manifests that also create a deployment or service.</a:t>
+            </a:r>
+            <a:endParaRPr lang="en-US" sz="2000" dirty="0"/>
+          </a:p>
+        </p:txBody>
+      </p:sp>
+    </p:spTree>
+    <p:extLst>
+      <p:ext uri="{BB962C8B-B14F-4D97-AF65-F5344CB8AC3E}">
+        <p14:creationId xmlns:p14="http://schemas.microsoft.com/office/powerpoint/2010/main" val="3219863466"/>
+      </p:ext>
+    </p:extLst>
+  </p:cSld>
+  <p:clrMapOvr>
+    <a:masterClrMapping/>
+  </p:clrMapOvr>
+</p:sld>
+</file>
+
+<file path=ppt/slides/slide45.xml><?xml version="1.0" encoding="utf-8"?>
+<p:sld xmlns:a="http://schemas.openxmlformats.org/drawingml/2006/main" xmlns:r="http://schemas.openxmlformats.org/officeDocument/2006/relationships" xmlns:p="http://schemas.openxmlformats.org/presentationml/2006/main">
+  <p:cSld>
+    <p:bg>
+      <p:bgPr>
+        <a:solidFill>
+          <a:schemeClr val="bg1"/>
+        </a:solidFill>
+        <a:effectLst/>
+      </p:bgPr>
+    </p:bg>
+    <p:spTree>
+      <p:nvGrpSpPr>
+        <p:cNvPr id="1" name="">
+          <a:extLst>
+            <a:ext uri="{FF2B5EF4-FFF2-40B4-BE49-F238E27FC236}">
+              <a16:creationId xmlns:a16="http://schemas.microsoft.com/office/drawing/2014/main" id="{EAF18DEC-0FB7-E0C0-0121-B4906063BDD2}"/>
+            </a:ext>
+          </a:extLst>
+        </p:cNvPr>
+        <p:cNvGrpSpPr/>
+        <p:nvPr/>
+      </p:nvGrpSpPr>
+      <p:grpSpPr>
+        <a:xfrm>
+          <a:off x="0" y="0"/>
+          <a:ext cx="0" cy="0"/>
+          <a:chOff x="0" y="0"/>
+          <a:chExt cx="0" cy="0"/>
+        </a:xfrm>
+      </p:grpSpPr>
+      <p:sp useBgFill="1">
+        <p:nvSpPr>
+          <p:cNvPr id="12" name="Rectangle 11">
+            <a:extLst>
+              <a:ext uri="{FF2B5EF4-FFF2-40B4-BE49-F238E27FC236}">
+                <a16:creationId xmlns:a16="http://schemas.microsoft.com/office/drawing/2014/main" id="{B5166831-FD5B-08EE-1306-F20C5E1FA484}"/>
+              </a:ext>
+              <a:ext uri="{C183D7F6-B498-43B3-948B-1728B52AA6E4}">
+                <adec:decorative xmlns:adec="http://schemas.microsoft.com/office/drawing/2017/decorative" val="1"/>
+              </a:ext>
+            </a:extLst>
+          </p:cNvPr>
+          <p:cNvSpPr>
+            <a:spLocks noGrp="1" noRot="1" noChangeAspect="1" noMove="1" noResize="1" noEditPoints="1" noAdjustHandles="1" noChangeArrowheads="1" noChangeShapeType="1" noTextEdit="1"/>
+          </p:cNvSpPr>
+          <p:nvPr>
+            <p:extLst>
+              <p:ext uri="{386F3935-93C4-4BCD-93E2-E3B085C9AB24}">
+                <p16:designElem xmlns:p16="http://schemas.microsoft.com/office/powerpoint/2015/main" val="1"/>
+              </p:ext>
+            </p:extLst>
+          </p:nvPr>
+        </p:nvSpPr>
+        <p:spPr>
+          <a:xfrm>
+            <a:off x="0" y="0"/>
+            <a:ext cx="12188952" cy="6858000"/>
+          </a:xfrm>
+          <a:prstGeom prst="rect">
+            <a:avLst/>
+          </a:prstGeom>
+          <a:ln>
+            <a:noFill/>
+          </a:ln>
+        </p:spPr>
+        <p:style>
+          <a:lnRef idx="2">
+            <a:schemeClr val="accent1">
+              <a:shade val="50000"/>
+            </a:schemeClr>
+          </a:lnRef>
+          <a:fillRef idx="1">
+            <a:schemeClr val="accent1"/>
+          </a:fillRef>
+          <a:effectRef idx="0">
+            <a:schemeClr val="accent1"/>
+          </a:effectRef>
+          <a:fontRef idx="minor">
+            <a:schemeClr val="lt1"/>
+          </a:fontRef>
+        </p:style>
+        <p:txBody>
+          <a:bodyPr rtlCol="0" anchor="ctr"/>
+          <a:lstStyle/>
+          <a:p>
+            <a:pPr marL="0" marR="0" lvl="0" indent="0" algn="ctr" defTabSz="914400" rtl="0" eaLnBrk="1" fontAlgn="auto" latinLnBrk="0" hangingPunct="1">
+              <a:lnSpc>
+                <a:spcPct val="100000"/>
+              </a:lnSpc>
+              <a:spcBef>
+                <a:spcPts val="0"/>
+              </a:spcBef>
+              <a:spcAft>
+                <a:spcPts val="0"/>
+              </a:spcAft>
+              <a:buClrTx/>
+              <a:buSzTx/>
+              <a:buFontTx/>
+              <a:buNone/>
+              <a:tabLst/>
+              <a:defRPr/>
+            </a:pPr>
+            <a:endParaRPr kumimoji="0" lang="en-US" sz="1800" b="0" i="0" u="none" strike="noStrike" kern="1200" cap="none" spc="0" normalizeH="0" baseline="0" noProof="0">
+              <a:ln>
+                <a:noFill/>
+              </a:ln>
+              <a:solidFill>
+                <a:prstClr val="white"/>
+              </a:solidFill>
+              <a:effectLst/>
+              <a:uLnTx/>
+              <a:uFillTx/>
+              <a:latin typeface="Aptos" panose="02110004020202020204"/>
+              <a:ea typeface="+mn-ea"/>
+              <a:cs typeface="+mn-cs"/>
+            </a:endParaRPr>
+          </a:p>
+        </p:txBody>
+      </p:sp>
+      <p:sp>
+        <p:nvSpPr>
+          <p:cNvPr id="2" name="Title 1">
+            <a:extLst>
+              <a:ext uri="{FF2B5EF4-FFF2-40B4-BE49-F238E27FC236}">
+                <a16:creationId xmlns:a16="http://schemas.microsoft.com/office/drawing/2014/main" id="{DB2259BD-F500-E6A4-D1AE-BED61570EAF2}"/>
+              </a:ext>
+            </a:extLst>
+          </p:cNvPr>
+          <p:cNvSpPr>
+            <a:spLocks noGrp="1"/>
+          </p:cNvSpPr>
+          <p:nvPr>
+            <p:ph type="title"/>
+          </p:nvPr>
+        </p:nvSpPr>
+        <p:spPr>
+          <a:xfrm>
+            <a:off x="838200" y="365125"/>
+            <a:ext cx="10515600" cy="1325563"/>
+          </a:xfrm>
+        </p:spPr>
+        <p:txBody>
+          <a:bodyPr>
+            <a:normAutofit/>
+          </a:bodyPr>
+          <a:lstStyle/>
+          <a:p>
+            <a:r>
+              <a:rPr lang="en-US" sz="5400" dirty="0"/>
+              <a:t>Network policy options in AKS</a:t>
+            </a:r>
+          </a:p>
+        </p:txBody>
+      </p:sp>
+      <p:sp>
+        <p:nvSpPr>
+          <p:cNvPr id="13" name="sketch line">
+            <a:extLst>
+              <a:ext uri="{FF2B5EF4-FFF2-40B4-BE49-F238E27FC236}">
+                <a16:creationId xmlns:a16="http://schemas.microsoft.com/office/drawing/2014/main" id="{690C52DC-DC63-F76F-5618-C5703ECC5643}"/>
+              </a:ext>
+              <a:ext uri="{C183D7F6-B498-43B3-948B-1728B52AA6E4}">
+                <adec:decorative xmlns:adec="http://schemas.microsoft.com/office/drawing/2017/decorative" val="1"/>
+              </a:ext>
+            </a:extLst>
+          </p:cNvPr>
+          <p:cNvSpPr>
+            <a:spLocks noGrp="1" noRot="1" noChangeAspect="1" noMove="1" noResize="1" noEditPoints="1" noAdjustHandles="1" noChangeArrowheads="1" noChangeShapeType="1" noTextEdit="1"/>
+          </p:cNvSpPr>
+          <p:nvPr>
+            <p:extLst>
+              <p:ext uri="{386F3935-93C4-4BCD-93E2-E3B085C9AB24}">
+                <p16:designElem xmlns:p16="http://schemas.microsoft.com/office/powerpoint/2015/main" val="1"/>
+              </p:ext>
+            </p:extLst>
+          </p:nvPr>
+        </p:nvSpPr>
+        <p:spPr>
+          <a:xfrm>
+            <a:off x="669036" y="1677373"/>
+            <a:ext cx="10853928" cy="18288"/>
+          </a:xfrm>
+          <a:custGeom>
+            <a:avLst/>
+            <a:gdLst>
+              <a:gd name="csX0" fmla="*/ 0 w 10853928"/>
+              <a:gd name="csY0" fmla="*/ 0 h 18288"/>
+              <a:gd name="csX1" fmla="*/ 461292 w 10853928"/>
+              <a:gd name="csY1" fmla="*/ 0 h 18288"/>
+              <a:gd name="csX2" fmla="*/ 1139662 w 10853928"/>
+              <a:gd name="csY2" fmla="*/ 0 h 18288"/>
+              <a:gd name="csX3" fmla="*/ 1926572 w 10853928"/>
+              <a:gd name="csY3" fmla="*/ 0 h 18288"/>
+              <a:gd name="csX4" fmla="*/ 2279325 w 10853928"/>
+              <a:gd name="csY4" fmla="*/ 0 h 18288"/>
+              <a:gd name="csX5" fmla="*/ 2632078 w 10853928"/>
+              <a:gd name="csY5" fmla="*/ 0 h 18288"/>
+              <a:gd name="csX6" fmla="*/ 3527527 w 10853928"/>
+              <a:gd name="csY6" fmla="*/ 0 h 18288"/>
+              <a:gd name="csX7" fmla="*/ 4205897 w 10853928"/>
+              <a:gd name="csY7" fmla="*/ 0 h 18288"/>
+              <a:gd name="csX8" fmla="*/ 4558650 w 10853928"/>
+              <a:gd name="csY8" fmla="*/ 0 h 18288"/>
+              <a:gd name="csX9" fmla="*/ 5237020 w 10853928"/>
+              <a:gd name="csY9" fmla="*/ 0 h 18288"/>
+              <a:gd name="csX10" fmla="*/ 6132469 w 10853928"/>
+              <a:gd name="csY10" fmla="*/ 0 h 18288"/>
+              <a:gd name="csX11" fmla="*/ 6702301 w 10853928"/>
+              <a:gd name="csY11" fmla="*/ 0 h 18288"/>
+              <a:gd name="csX12" fmla="*/ 7272132 w 10853928"/>
+              <a:gd name="csY12" fmla="*/ 0 h 18288"/>
+              <a:gd name="csX13" fmla="*/ 7950502 w 10853928"/>
+              <a:gd name="csY13" fmla="*/ 0 h 18288"/>
+              <a:gd name="csX14" fmla="*/ 8737412 w 10853928"/>
+              <a:gd name="csY14" fmla="*/ 0 h 18288"/>
+              <a:gd name="csX15" fmla="*/ 9524322 w 10853928"/>
+              <a:gd name="csY15" fmla="*/ 0 h 18288"/>
+              <a:gd name="csX16" fmla="*/ 10853928 w 10853928"/>
+              <a:gd name="csY16" fmla="*/ 0 h 18288"/>
+              <a:gd name="csX17" fmla="*/ 10853928 w 10853928"/>
+              <a:gd name="csY17" fmla="*/ 18288 h 18288"/>
+              <a:gd name="csX18" fmla="*/ 10392636 w 10853928"/>
+              <a:gd name="csY18" fmla="*/ 18288 h 18288"/>
+              <a:gd name="csX19" fmla="*/ 9497187 w 10853928"/>
+              <a:gd name="csY19" fmla="*/ 18288 h 18288"/>
+              <a:gd name="csX20" fmla="*/ 8818817 w 10853928"/>
+              <a:gd name="csY20" fmla="*/ 18288 h 18288"/>
+              <a:gd name="csX21" fmla="*/ 8466064 w 10853928"/>
+              <a:gd name="csY21" fmla="*/ 18288 h 18288"/>
+              <a:gd name="csX22" fmla="*/ 7787693 w 10853928"/>
+              <a:gd name="csY22" fmla="*/ 18288 h 18288"/>
+              <a:gd name="csX23" fmla="*/ 7217862 w 10853928"/>
+              <a:gd name="csY23" fmla="*/ 18288 h 18288"/>
+              <a:gd name="csX24" fmla="*/ 6648031 w 10853928"/>
+              <a:gd name="csY24" fmla="*/ 18288 h 18288"/>
+              <a:gd name="csX25" fmla="*/ 6078200 w 10853928"/>
+              <a:gd name="csY25" fmla="*/ 18288 h 18288"/>
+              <a:gd name="csX26" fmla="*/ 5508368 w 10853928"/>
+              <a:gd name="csY26" fmla="*/ 18288 h 18288"/>
+              <a:gd name="csX27" fmla="*/ 4721459 w 10853928"/>
+              <a:gd name="csY27" fmla="*/ 18288 h 18288"/>
+              <a:gd name="csX28" fmla="*/ 4043088 w 10853928"/>
+              <a:gd name="csY28" fmla="*/ 18288 h 18288"/>
+              <a:gd name="csX29" fmla="*/ 3690336 w 10853928"/>
+              <a:gd name="csY29" fmla="*/ 18288 h 18288"/>
+              <a:gd name="csX30" fmla="*/ 3120504 w 10853928"/>
+              <a:gd name="csY30" fmla="*/ 18288 h 18288"/>
+              <a:gd name="csX31" fmla="*/ 2333595 w 10853928"/>
+              <a:gd name="csY31" fmla="*/ 18288 h 18288"/>
+              <a:gd name="csX32" fmla="*/ 1872303 w 10853928"/>
+              <a:gd name="csY32" fmla="*/ 18288 h 18288"/>
+              <a:gd name="csX33" fmla="*/ 976854 w 10853928"/>
+              <a:gd name="csY33" fmla="*/ 18288 h 18288"/>
+              <a:gd name="csX34" fmla="*/ 0 w 10853928"/>
+              <a:gd name="csY34" fmla="*/ 18288 h 18288"/>
+              <a:gd name="csX35" fmla="*/ 0 w 10853928"/>
+              <a:gd name="csY35" fmla="*/ 0 h 18288"/>
+            </a:gdLst>
+            <a:ahLst/>
+            <a:cxnLst>
+              <a:cxn ang="0">
+                <a:pos x="csX0" y="csY0"/>
+              </a:cxn>
+              <a:cxn ang="0">
+                <a:pos x="csX1" y="csY1"/>
+              </a:cxn>
+              <a:cxn ang="0">
+                <a:pos x="csX2" y="csY2"/>
+              </a:cxn>
+              <a:cxn ang="0">
+                <a:pos x="csX3" y="csY3"/>
+              </a:cxn>
+              <a:cxn ang="0">
+                <a:pos x="csX4" y="csY4"/>
+              </a:cxn>
+              <a:cxn ang="0">
+                <a:pos x="csX5" y="csY5"/>
+              </a:cxn>
+              <a:cxn ang="0">
+                <a:pos x="csX6" y="csY6"/>
+              </a:cxn>
+              <a:cxn ang="0">
+                <a:pos x="csX7" y="csY7"/>
+              </a:cxn>
+              <a:cxn ang="0">
+                <a:pos x="csX8" y="csY8"/>
+              </a:cxn>
+              <a:cxn ang="0">
+                <a:pos x="csX9" y="csY9"/>
+              </a:cxn>
+              <a:cxn ang="0">
+                <a:pos x="csX10" y="csY10"/>
+              </a:cxn>
+              <a:cxn ang="0">
+                <a:pos x="csX11" y="csY11"/>
+              </a:cxn>
+              <a:cxn ang="0">
+                <a:pos x="csX12" y="csY12"/>
+              </a:cxn>
+              <a:cxn ang="0">
+                <a:pos x="csX13" y="csY13"/>
+              </a:cxn>
+              <a:cxn ang="0">
+                <a:pos x="csX14" y="csY14"/>
+              </a:cxn>
+              <a:cxn ang="0">
+                <a:pos x="csX15" y="csY15"/>
+              </a:cxn>
+              <a:cxn ang="0">
+                <a:pos x="csX16" y="csY16"/>
+              </a:cxn>
+              <a:cxn ang="0">
+                <a:pos x="csX17" y="csY17"/>
+              </a:cxn>
+              <a:cxn ang="0">
+                <a:pos x="csX18" y="csY18"/>
+              </a:cxn>
+              <a:cxn ang="0">
+                <a:pos x="csX19" y="csY19"/>
+              </a:cxn>
+              <a:cxn ang="0">
+                <a:pos x="csX20" y="csY20"/>
+              </a:cxn>
+              <a:cxn ang="0">
+                <a:pos x="csX21" y="csY21"/>
+              </a:cxn>
+              <a:cxn ang="0">
+                <a:pos x="csX22" y="csY22"/>
+              </a:cxn>
+              <a:cxn ang="0">
+                <a:pos x="csX23" y="csY23"/>
+              </a:cxn>
+              <a:cxn ang="0">
+                <a:pos x="csX24" y="csY24"/>
+              </a:cxn>
+              <a:cxn ang="0">
+                <a:pos x="csX25" y="csY25"/>
+              </a:cxn>
+              <a:cxn ang="0">
+                <a:pos x="csX26" y="csY26"/>
+              </a:cxn>
+              <a:cxn ang="0">
+                <a:pos x="csX27" y="csY27"/>
+              </a:cxn>
+              <a:cxn ang="0">
+                <a:pos x="csX28" y="csY28"/>
+              </a:cxn>
+              <a:cxn ang="0">
+                <a:pos x="csX29" y="csY29"/>
+              </a:cxn>
+              <a:cxn ang="0">
+                <a:pos x="csX30" y="csY30"/>
+              </a:cxn>
+              <a:cxn ang="0">
+                <a:pos x="csX31" y="csY31"/>
+              </a:cxn>
+              <a:cxn ang="0">
+                <a:pos x="csX32" y="csY32"/>
+              </a:cxn>
+              <a:cxn ang="0">
+                <a:pos x="csX33" y="csY33"/>
+              </a:cxn>
+              <a:cxn ang="0">
+                <a:pos x="csX34" y="csY34"/>
+              </a:cxn>
+              <a:cxn ang="0">
+                <a:pos x="csX35" y="csY35"/>
+              </a:cxn>
+            </a:cxnLst>
+            <a:rect l="l" t="t" r="r" b="b"/>
+            <a:pathLst>
+              <a:path w="10853928" h="18288" fill="none" extrusionOk="0">
+                <a:moveTo>
+                  <a:pt x="0" y="0"/>
+                </a:moveTo>
+                <a:cubicBezTo>
+                  <a:pt x="146993" y="-19076"/>
+                  <a:pt x="347684" y="-4790"/>
+                  <a:pt x="461292" y="0"/>
+                </a:cubicBezTo>
+                <a:cubicBezTo>
+                  <a:pt x="574900" y="4790"/>
+                  <a:pt x="808367" y="19821"/>
+                  <a:pt x="1139662" y="0"/>
+                </a:cubicBezTo>
+                <a:cubicBezTo>
+                  <a:pt x="1470957" y="-19821"/>
+                  <a:pt x="1627405" y="5721"/>
+                  <a:pt x="1926572" y="0"/>
+                </a:cubicBezTo>
+                <a:cubicBezTo>
+                  <a:pt x="2225739" y="-5721"/>
+                  <a:pt x="2137730" y="-3235"/>
+                  <a:pt x="2279325" y="0"/>
+                </a:cubicBezTo>
+                <a:cubicBezTo>
+                  <a:pt x="2420920" y="3235"/>
+                  <a:pt x="2456518" y="9685"/>
+                  <a:pt x="2632078" y="0"/>
+                </a:cubicBezTo>
+                <a:cubicBezTo>
+                  <a:pt x="2807638" y="-9685"/>
+                  <a:pt x="3211516" y="-43007"/>
+                  <a:pt x="3527527" y="0"/>
+                </a:cubicBezTo>
+                <a:cubicBezTo>
+                  <a:pt x="3843538" y="43007"/>
+                  <a:pt x="4058833" y="22042"/>
+                  <a:pt x="4205897" y="0"/>
+                </a:cubicBezTo>
+                <a:cubicBezTo>
+                  <a:pt x="4352961" y="-22042"/>
+                  <a:pt x="4474805" y="-11846"/>
+                  <a:pt x="4558650" y="0"/>
+                </a:cubicBezTo>
+                <a:cubicBezTo>
+                  <a:pt x="4642495" y="11846"/>
+                  <a:pt x="5041928" y="-6069"/>
+                  <a:pt x="5237020" y="0"/>
+                </a:cubicBezTo>
+                <a:cubicBezTo>
+                  <a:pt x="5432112" y="6069"/>
+                  <a:pt x="5943266" y="-17479"/>
+                  <a:pt x="6132469" y="0"/>
+                </a:cubicBezTo>
+                <a:cubicBezTo>
+                  <a:pt x="6321672" y="17479"/>
+                  <a:pt x="6483872" y="26234"/>
+                  <a:pt x="6702301" y="0"/>
+                </a:cubicBezTo>
+                <a:cubicBezTo>
+                  <a:pt x="6920730" y="-26234"/>
+                  <a:pt x="6991194" y="-15156"/>
+                  <a:pt x="7272132" y="0"/>
+                </a:cubicBezTo>
+                <a:cubicBezTo>
+                  <a:pt x="7553070" y="15156"/>
+                  <a:pt x="7684444" y="-32961"/>
+                  <a:pt x="7950502" y="0"/>
+                </a:cubicBezTo>
+                <a:cubicBezTo>
+                  <a:pt x="8216560" y="32961"/>
+                  <a:pt x="8493290" y="-10491"/>
+                  <a:pt x="8737412" y="0"/>
+                </a:cubicBezTo>
+                <a:cubicBezTo>
+                  <a:pt x="8981534" y="10491"/>
+                  <a:pt x="9191586" y="-13899"/>
+                  <a:pt x="9524322" y="0"/>
+                </a:cubicBezTo>
+                <a:cubicBezTo>
+                  <a:pt x="9857058" y="13899"/>
+                  <a:pt x="10297509" y="7485"/>
+                  <a:pt x="10853928" y="0"/>
+                </a:cubicBezTo>
+                <a:cubicBezTo>
+                  <a:pt x="10854574" y="4451"/>
+                  <a:pt x="10854418" y="9226"/>
+                  <a:pt x="10853928" y="18288"/>
+                </a:cubicBezTo>
+                <a:cubicBezTo>
+                  <a:pt x="10691638" y="28522"/>
+                  <a:pt x="10574319" y="29578"/>
+                  <a:pt x="10392636" y="18288"/>
+                </a:cubicBezTo>
+                <a:cubicBezTo>
+                  <a:pt x="10210953" y="6998"/>
+                  <a:pt x="9836277" y="-16742"/>
+                  <a:pt x="9497187" y="18288"/>
+                </a:cubicBezTo>
+                <a:cubicBezTo>
+                  <a:pt x="9158097" y="53318"/>
+                  <a:pt x="9119479" y="30714"/>
+                  <a:pt x="8818817" y="18288"/>
+                </a:cubicBezTo>
+                <a:cubicBezTo>
+                  <a:pt x="8518155" y="5863"/>
+                  <a:pt x="8640037" y="6483"/>
+                  <a:pt x="8466064" y="18288"/>
+                </a:cubicBezTo>
+                <a:cubicBezTo>
+                  <a:pt x="8292091" y="30093"/>
+                  <a:pt x="7997656" y="18914"/>
+                  <a:pt x="7787693" y="18288"/>
+                </a:cubicBezTo>
+                <a:cubicBezTo>
+                  <a:pt x="7577730" y="17662"/>
+                  <a:pt x="7412468" y="21416"/>
+                  <a:pt x="7217862" y="18288"/>
+                </a:cubicBezTo>
+                <a:cubicBezTo>
+                  <a:pt x="7023256" y="15160"/>
+                  <a:pt x="6898018" y="14824"/>
+                  <a:pt x="6648031" y="18288"/>
+                </a:cubicBezTo>
+                <a:cubicBezTo>
+                  <a:pt x="6398044" y="21752"/>
+                  <a:pt x="6254402" y="38625"/>
+                  <a:pt x="6078200" y="18288"/>
+                </a:cubicBezTo>
+                <a:cubicBezTo>
+                  <a:pt x="5901998" y="-2049"/>
+                  <a:pt x="5622886" y="3213"/>
+                  <a:pt x="5508368" y="18288"/>
+                </a:cubicBezTo>
+                <a:cubicBezTo>
+                  <a:pt x="5393850" y="33363"/>
+                  <a:pt x="5036260" y="26830"/>
+                  <a:pt x="4721459" y="18288"/>
+                </a:cubicBezTo>
+                <a:cubicBezTo>
+                  <a:pt x="4406658" y="9746"/>
+                  <a:pt x="4239221" y="41551"/>
+                  <a:pt x="4043088" y="18288"/>
+                </a:cubicBezTo>
+                <a:cubicBezTo>
+                  <a:pt x="3846955" y="-4975"/>
+                  <a:pt x="3818802" y="34658"/>
+                  <a:pt x="3690336" y="18288"/>
+                </a:cubicBezTo>
+                <a:cubicBezTo>
+                  <a:pt x="3561870" y="1918"/>
+                  <a:pt x="3265491" y="42194"/>
+                  <a:pt x="3120504" y="18288"/>
+                </a:cubicBezTo>
+                <a:cubicBezTo>
+                  <a:pt x="2975517" y="-5618"/>
+                  <a:pt x="2720254" y="36673"/>
+                  <a:pt x="2333595" y="18288"/>
+                </a:cubicBezTo>
+                <a:cubicBezTo>
+                  <a:pt x="1946936" y="-97"/>
+                  <a:pt x="2097241" y="5776"/>
+                  <a:pt x="1872303" y="18288"/>
+                </a:cubicBezTo>
+                <a:cubicBezTo>
+                  <a:pt x="1647365" y="30800"/>
+                  <a:pt x="1282708" y="45380"/>
+                  <a:pt x="976854" y="18288"/>
+                </a:cubicBezTo>
+                <a:cubicBezTo>
+                  <a:pt x="671000" y="-8804"/>
+                  <a:pt x="408401" y="-12775"/>
+                  <a:pt x="0" y="18288"/>
+                </a:cubicBezTo>
+                <a:cubicBezTo>
+                  <a:pt x="-213" y="9468"/>
+                  <a:pt x="187" y="4459"/>
+                  <a:pt x="0" y="0"/>
+                </a:cubicBezTo>
+                <a:close/>
+              </a:path>
+              <a:path w="10853928" h="18288" stroke="0" extrusionOk="0">
+                <a:moveTo>
+                  <a:pt x="0" y="0"/>
+                </a:moveTo>
+                <a:cubicBezTo>
+                  <a:pt x="267322" y="15284"/>
+                  <a:pt x="415388" y="-21048"/>
+                  <a:pt x="569831" y="0"/>
+                </a:cubicBezTo>
+                <a:cubicBezTo>
+                  <a:pt x="724274" y="21048"/>
+                  <a:pt x="769333" y="-2353"/>
+                  <a:pt x="922584" y="0"/>
+                </a:cubicBezTo>
+                <a:cubicBezTo>
+                  <a:pt x="1075835" y="2353"/>
+                  <a:pt x="1399490" y="-145"/>
+                  <a:pt x="1818033" y="0"/>
+                </a:cubicBezTo>
+                <a:cubicBezTo>
+                  <a:pt x="2236576" y="145"/>
+                  <a:pt x="2145330" y="5482"/>
+                  <a:pt x="2387864" y="0"/>
+                </a:cubicBezTo>
+                <a:cubicBezTo>
+                  <a:pt x="2630398" y="-5482"/>
+                  <a:pt x="2793207" y="18487"/>
+                  <a:pt x="2957695" y="0"/>
+                </a:cubicBezTo>
+                <a:cubicBezTo>
+                  <a:pt x="3122183" y="-18487"/>
+                  <a:pt x="3579141" y="19003"/>
+                  <a:pt x="3853144" y="0"/>
+                </a:cubicBezTo>
+                <a:cubicBezTo>
+                  <a:pt x="4127147" y="-19003"/>
+                  <a:pt x="4209857" y="12211"/>
+                  <a:pt x="4314436" y="0"/>
+                </a:cubicBezTo>
+                <a:cubicBezTo>
+                  <a:pt x="4419015" y="-12211"/>
+                  <a:pt x="4762459" y="-17220"/>
+                  <a:pt x="5209885" y="0"/>
+                </a:cubicBezTo>
+                <a:cubicBezTo>
+                  <a:pt x="5657311" y="17220"/>
+                  <a:pt x="5692663" y="-3290"/>
+                  <a:pt x="6105335" y="0"/>
+                </a:cubicBezTo>
+                <a:cubicBezTo>
+                  <a:pt x="6518007" y="3290"/>
+                  <a:pt x="6455516" y="-5124"/>
+                  <a:pt x="6783705" y="0"/>
+                </a:cubicBezTo>
+                <a:cubicBezTo>
+                  <a:pt x="7111894" y="5124"/>
+                  <a:pt x="7441941" y="-17829"/>
+                  <a:pt x="7679154" y="0"/>
+                </a:cubicBezTo>
+                <a:cubicBezTo>
+                  <a:pt x="7916367" y="17829"/>
+                  <a:pt x="8102967" y="-24363"/>
+                  <a:pt x="8248985" y="0"/>
+                </a:cubicBezTo>
+                <a:cubicBezTo>
+                  <a:pt x="8395003" y="24363"/>
+                  <a:pt x="8552393" y="25505"/>
+                  <a:pt x="8818817" y="0"/>
+                </a:cubicBezTo>
+                <a:cubicBezTo>
+                  <a:pt x="9085241" y="-25505"/>
+                  <a:pt x="9411308" y="38000"/>
+                  <a:pt x="9605726" y="0"/>
+                </a:cubicBezTo>
+                <a:cubicBezTo>
+                  <a:pt x="9800144" y="-38000"/>
+                  <a:pt x="10006468" y="-25741"/>
+                  <a:pt x="10175558" y="0"/>
+                </a:cubicBezTo>
+                <a:cubicBezTo>
+                  <a:pt x="10344648" y="25741"/>
+                  <a:pt x="10696282" y="695"/>
+                  <a:pt x="10853928" y="0"/>
+                </a:cubicBezTo>
+                <a:cubicBezTo>
+                  <a:pt x="10853521" y="8690"/>
+                  <a:pt x="10853774" y="14141"/>
+                  <a:pt x="10853928" y="18288"/>
+                </a:cubicBezTo>
+                <a:cubicBezTo>
+                  <a:pt x="10608124" y="24255"/>
+                  <a:pt x="10343415" y="22307"/>
+                  <a:pt x="10067018" y="18288"/>
+                </a:cubicBezTo>
+                <a:cubicBezTo>
+                  <a:pt x="9790621" y="14270"/>
+                  <a:pt x="9843266" y="3564"/>
+                  <a:pt x="9714266" y="18288"/>
+                </a:cubicBezTo>
+                <a:cubicBezTo>
+                  <a:pt x="9585266" y="33012"/>
+                  <a:pt x="9379484" y="1875"/>
+                  <a:pt x="9252974" y="18288"/>
+                </a:cubicBezTo>
+                <a:cubicBezTo>
+                  <a:pt x="9126464" y="34701"/>
+                  <a:pt x="8580678" y="-4904"/>
+                  <a:pt x="8357525" y="18288"/>
+                </a:cubicBezTo>
+                <a:cubicBezTo>
+                  <a:pt x="8134372" y="41480"/>
+                  <a:pt x="7903199" y="26458"/>
+                  <a:pt x="7679154" y="18288"/>
+                </a:cubicBezTo>
+                <a:cubicBezTo>
+                  <a:pt x="7455109" y="10118"/>
+                  <a:pt x="7435944" y="27109"/>
+                  <a:pt x="7217862" y="18288"/>
+                </a:cubicBezTo>
+                <a:cubicBezTo>
+                  <a:pt x="6999780" y="9467"/>
+                  <a:pt x="6680409" y="18985"/>
+                  <a:pt x="6539492" y="18288"/>
+                </a:cubicBezTo>
+                <a:cubicBezTo>
+                  <a:pt x="6398575" y="17592"/>
+                  <a:pt x="6312077" y="33018"/>
+                  <a:pt x="6186739" y="18288"/>
+                </a:cubicBezTo>
+                <a:cubicBezTo>
+                  <a:pt x="6061401" y="3558"/>
+                  <a:pt x="5947033" y="12075"/>
+                  <a:pt x="5833986" y="18288"/>
+                </a:cubicBezTo>
+                <a:cubicBezTo>
+                  <a:pt x="5720939" y="24501"/>
+                  <a:pt x="5482226" y="8586"/>
+                  <a:pt x="5155616" y="18288"/>
+                </a:cubicBezTo>
+                <a:cubicBezTo>
+                  <a:pt x="4829006" y="27991"/>
+                  <a:pt x="4841274" y="29316"/>
+                  <a:pt x="4694324" y="18288"/>
+                </a:cubicBezTo>
+                <a:cubicBezTo>
+                  <a:pt x="4547374" y="7260"/>
+                  <a:pt x="4077675" y="7013"/>
+                  <a:pt x="3907414" y="18288"/>
+                </a:cubicBezTo>
+                <a:cubicBezTo>
+                  <a:pt x="3737153" y="29564"/>
+                  <a:pt x="3538393" y="21630"/>
+                  <a:pt x="3446122" y="18288"/>
+                </a:cubicBezTo>
+                <a:cubicBezTo>
+                  <a:pt x="3353851" y="14946"/>
+                  <a:pt x="2990320" y="-8091"/>
+                  <a:pt x="2659212" y="18288"/>
+                </a:cubicBezTo>
+                <a:cubicBezTo>
+                  <a:pt x="2328104" y="44667"/>
+                  <a:pt x="2427653" y="9607"/>
+                  <a:pt x="2306460" y="18288"/>
+                </a:cubicBezTo>
+                <a:cubicBezTo>
+                  <a:pt x="2185267" y="26969"/>
+                  <a:pt x="1719763" y="3717"/>
+                  <a:pt x="1519550" y="18288"/>
+                </a:cubicBezTo>
+                <a:cubicBezTo>
+                  <a:pt x="1319337" y="32860"/>
+                  <a:pt x="1167371" y="17040"/>
+                  <a:pt x="1058258" y="18288"/>
+                </a:cubicBezTo>
+                <a:cubicBezTo>
+                  <a:pt x="949145" y="19536"/>
+                  <a:pt x="780234" y="31447"/>
+                  <a:pt x="705505" y="18288"/>
+                </a:cubicBezTo>
+                <a:cubicBezTo>
+                  <a:pt x="630776" y="5129"/>
+                  <a:pt x="215796" y="30056"/>
+                  <a:pt x="0" y="18288"/>
+                </a:cubicBezTo>
+                <a:cubicBezTo>
+                  <a:pt x="-53" y="11301"/>
+                  <a:pt x="-649" y="7756"/>
+                  <a:pt x="0" y="0"/>
+                </a:cubicBezTo>
+                <a:close/>
+              </a:path>
+            </a:pathLst>
+          </a:custGeom>
+          <a:solidFill>
+            <a:schemeClr val="accent2"/>
+          </a:solidFill>
+          <a:ln w="41275" cap="rnd">
+            <a:solidFill>
+              <a:schemeClr val="accent2"/>
+            </a:solidFill>
+            <a:round/>
+            <a:extLst>
+              <a:ext uri="{C807C97D-BFC1-408E-A445-0C87EB9F89A2}">
+                <ask:lineSketchStyleProps xmlns:ask="http://schemas.microsoft.com/office/drawing/2018/sketchyshapes" sd="1219033472">
+                  <a:prstGeom prst="rect">
+                    <a:avLst/>
+                  </a:prstGeom>
+                  <ask:type>
+                    <ask:lineSketchFreehand/>
+                  </ask:type>
+                </ask:lineSketchStyleProps>
+              </a:ext>
+            </a:extLst>
+          </a:ln>
+        </p:spPr>
+        <p:style>
+          <a:lnRef idx="2">
+            <a:schemeClr val="accent1">
+              <a:shade val="50000"/>
+            </a:schemeClr>
+          </a:lnRef>
+          <a:fillRef idx="1">
+            <a:schemeClr val="accent1"/>
+          </a:fillRef>
+          <a:effectRef idx="0">
+            <a:schemeClr val="accent1"/>
+          </a:effectRef>
+          <a:fontRef idx="minor">
+            <a:schemeClr val="lt1"/>
+          </a:fontRef>
+        </p:style>
+        <p:txBody>
+          <a:bodyPr rtlCol="0" anchor="ctr"/>
+          <a:lstStyle/>
+          <a:p>
+            <a:pPr marL="0" marR="0" lvl="0" indent="0" algn="ctr" defTabSz="914400" rtl="0" eaLnBrk="1" fontAlgn="auto" latinLnBrk="0" hangingPunct="1">
+              <a:lnSpc>
+                <a:spcPct val="100000"/>
+              </a:lnSpc>
+              <a:spcBef>
+                <a:spcPts val="0"/>
+              </a:spcBef>
+              <a:spcAft>
+                <a:spcPts val="0"/>
+              </a:spcAft>
+              <a:buClrTx/>
+              <a:buSzTx/>
+              <a:buFontTx/>
+              <a:buNone/>
+              <a:tabLst/>
+              <a:defRPr/>
+            </a:pPr>
+            <a:endParaRPr kumimoji="0" lang="en-US" sz="1800" b="0" i="0" u="none" strike="noStrike" kern="1200" cap="none" spc="0" normalizeH="0" baseline="0" noProof="0">
+              <a:ln>
+                <a:noFill/>
+              </a:ln>
+              <a:solidFill>
+                <a:prstClr val="white"/>
+              </a:solidFill>
+              <a:effectLst/>
+              <a:uLnTx/>
+              <a:uFillTx/>
+              <a:latin typeface="Aptos" panose="02110004020202020204"/>
+              <a:ea typeface="+mn-ea"/>
+              <a:cs typeface="+mn-cs"/>
+            </a:endParaRPr>
+          </a:p>
+        </p:txBody>
+      </p:sp>
+      <p:sp>
+        <p:nvSpPr>
+          <p:cNvPr id="4" name="TextBox 3">
+            <a:extLst>
+              <a:ext uri="{FF2B5EF4-FFF2-40B4-BE49-F238E27FC236}">
+                <a16:creationId xmlns:a16="http://schemas.microsoft.com/office/drawing/2014/main" id="{6C52D58B-FB3E-4619-7E2D-46C96E85EA30}"/>
+              </a:ext>
+            </a:extLst>
+          </p:cNvPr>
+          <p:cNvSpPr txBox="1"/>
+          <p:nvPr/>
+        </p:nvSpPr>
+        <p:spPr>
+          <a:xfrm>
+            <a:off x="669036" y="2055813"/>
+            <a:ext cx="11174930" cy="4093428"/>
+          </a:xfrm>
+          <a:prstGeom prst="rect">
+            <a:avLst/>
+          </a:prstGeom>
+          <a:noFill/>
+        </p:spPr>
+        <p:txBody>
+          <a:bodyPr wrap="square">
+            <a:spAutoFit/>
+          </a:bodyPr>
+          <a:lstStyle/>
+          <a:p>
+            <a:pPr>
+              <a:spcAft>
+                <a:spcPts val="1200"/>
+              </a:spcAft>
+            </a:pPr>
+            <a:r>
+              <a:rPr lang="en-US" sz="2000" dirty="0">
+                <a:solidFill>
+                  <a:srgbClr val="161616"/>
+                </a:solidFill>
+                <a:latin typeface="Segoe UI" panose="020B0502040204020203" pitchFamily="34" charset="0"/>
+              </a:rPr>
+              <a:t>Azure provides three network policy engines for enforcing network policies:</a:t>
+            </a:r>
+          </a:p>
+          <a:p>
+            <a:pPr marL="342900" indent="-342900">
+              <a:spcAft>
+                <a:spcPts val="1200"/>
+              </a:spcAft>
+              <a:buFont typeface="Arial" panose="020B0604020202020204" pitchFamily="34" charset="0"/>
+              <a:buChar char="•"/>
+            </a:pPr>
+            <a:r>
+              <a:rPr lang="en-US" sz="2000" dirty="0">
+                <a:solidFill>
+                  <a:srgbClr val="161616"/>
+                </a:solidFill>
+                <a:latin typeface="Segoe UI" panose="020B0502040204020203" pitchFamily="34" charset="0"/>
+              </a:rPr>
+              <a:t>Cilium (for AKS clusters using Azure CNI Powered by Cilium)</a:t>
+            </a:r>
+          </a:p>
+          <a:p>
+            <a:pPr marL="342900" indent="-342900">
+              <a:spcAft>
+                <a:spcPts val="1200"/>
+              </a:spcAft>
+              <a:buFont typeface="Arial" panose="020B0604020202020204" pitchFamily="34" charset="0"/>
+              <a:buChar char="•"/>
+            </a:pPr>
+            <a:r>
+              <a:rPr lang="en-US" sz="2000" dirty="0">
+                <a:solidFill>
+                  <a:srgbClr val="161616"/>
+                </a:solidFill>
+                <a:latin typeface="Segoe UI" panose="020B0502040204020203" pitchFamily="34" charset="0"/>
+              </a:rPr>
+              <a:t>Azure Network Policy Manager (NPM)</a:t>
+            </a:r>
+          </a:p>
+          <a:p>
+            <a:pPr marL="342900" indent="-342900">
+              <a:spcAft>
+                <a:spcPts val="1200"/>
+              </a:spcAft>
+              <a:buFont typeface="Arial" panose="020B0604020202020204" pitchFamily="34" charset="0"/>
+              <a:buChar char="•"/>
+            </a:pPr>
+            <a:r>
+              <a:rPr lang="en-US" sz="2000" dirty="0">
+                <a:solidFill>
+                  <a:srgbClr val="161616"/>
+                </a:solidFill>
+                <a:latin typeface="Segoe UI" panose="020B0502040204020203" pitchFamily="34" charset="0"/>
+              </a:rPr>
+              <a:t>Calico (an open-source network and network security solution founded by </a:t>
+            </a:r>
+            <a:r>
+              <a:rPr lang="en-US" sz="2000" dirty="0" err="1">
+                <a:solidFill>
+                  <a:srgbClr val="161616"/>
+                </a:solidFill>
+                <a:latin typeface="Segoe UI" panose="020B0502040204020203" pitchFamily="34" charset="0"/>
+              </a:rPr>
+              <a:t>Tigera</a:t>
+            </a:r>
+            <a:r>
+              <a:rPr lang="en-US" sz="2000" dirty="0">
+                <a:solidFill>
+                  <a:srgbClr val="161616"/>
+                </a:solidFill>
+                <a:latin typeface="Segoe UI" panose="020B0502040204020203" pitchFamily="34" charset="0"/>
+              </a:rPr>
+              <a:t>)</a:t>
+            </a:r>
+          </a:p>
+          <a:p>
+            <a:pPr>
+              <a:spcAft>
+                <a:spcPts val="1200"/>
+              </a:spcAft>
+            </a:pPr>
+            <a:endParaRPr lang="en-US" sz="2000" dirty="0">
+              <a:solidFill>
+                <a:srgbClr val="161616"/>
+              </a:solidFill>
+              <a:latin typeface="Segoe UI" panose="020B0502040204020203" pitchFamily="34" charset="0"/>
+            </a:endParaRPr>
+          </a:p>
+          <a:p>
+            <a:pPr>
+              <a:spcAft>
+                <a:spcPts val="1200"/>
+              </a:spcAft>
+            </a:pPr>
+            <a:r>
+              <a:rPr lang="en-US" sz="2000" dirty="0">
+                <a:solidFill>
+                  <a:srgbClr val="161616"/>
+                </a:solidFill>
+                <a:latin typeface="Segoe UI" panose="020B0502040204020203" pitchFamily="34" charset="0"/>
+              </a:rPr>
+              <a:t>We recommend using </a:t>
+            </a:r>
+            <a:r>
+              <a:rPr lang="en-US" sz="2000" b="1" dirty="0">
+                <a:solidFill>
+                  <a:srgbClr val="161616"/>
+                </a:solidFill>
+                <a:latin typeface="Segoe UI" panose="020B0502040204020203" pitchFamily="34" charset="0"/>
+              </a:rPr>
+              <a:t>Cilium</a:t>
+            </a:r>
+            <a:r>
+              <a:rPr lang="en-US" sz="2000" dirty="0">
+                <a:solidFill>
+                  <a:srgbClr val="161616"/>
+                </a:solidFill>
+                <a:latin typeface="Segoe UI" panose="020B0502040204020203" pitchFamily="34" charset="0"/>
+              </a:rPr>
+              <a:t>. Cilium enforces network policy on the traffic using Linux Berkeley Packet Filter (BPF), which is </a:t>
+            </a:r>
+            <a:r>
+              <a:rPr lang="en-US" sz="2000" b="1" dirty="0">
+                <a:solidFill>
+                  <a:srgbClr val="161616"/>
+                </a:solidFill>
+                <a:latin typeface="Segoe UI" panose="020B0502040204020203" pitchFamily="34" charset="0"/>
+              </a:rPr>
+              <a:t>more efficient </a:t>
+            </a:r>
+            <a:r>
+              <a:rPr lang="en-US" sz="2000" dirty="0">
+                <a:solidFill>
+                  <a:srgbClr val="161616"/>
+                </a:solidFill>
+                <a:latin typeface="Segoe UI" panose="020B0502040204020203" pitchFamily="34" charset="0"/>
+              </a:rPr>
+              <a:t>than </a:t>
+            </a:r>
+            <a:r>
+              <a:rPr lang="en-US" sz="2000" dirty="0" err="1">
+                <a:solidFill>
+                  <a:srgbClr val="161616"/>
+                </a:solidFill>
+                <a:latin typeface="Segoe UI" panose="020B0502040204020203" pitchFamily="34" charset="0"/>
+              </a:rPr>
+              <a:t>IPTables</a:t>
+            </a:r>
+            <a:r>
+              <a:rPr lang="en-US" sz="2000" dirty="0">
+                <a:solidFill>
+                  <a:srgbClr val="161616"/>
+                </a:solidFill>
+                <a:latin typeface="Segoe UI" panose="020B0502040204020203" pitchFamily="34" charset="0"/>
+              </a:rPr>
+              <a:t>.</a:t>
+            </a:r>
+          </a:p>
+          <a:p>
+            <a:pPr>
+              <a:spcAft>
+                <a:spcPts val="1200"/>
+              </a:spcAft>
+            </a:pPr>
+            <a:r>
+              <a:rPr lang="en-US" sz="2000" dirty="0">
+                <a:solidFill>
+                  <a:srgbClr val="161616"/>
+                </a:solidFill>
+                <a:latin typeface="Segoe UI" panose="020B0502040204020203" pitchFamily="34" charset="0"/>
+              </a:rPr>
+              <a:t>To enforce the specified policies, Azure NPM uses </a:t>
+            </a:r>
+            <a:r>
+              <a:rPr lang="en-US" sz="2000" dirty="0" err="1">
+                <a:solidFill>
+                  <a:srgbClr val="161616"/>
+                </a:solidFill>
+                <a:latin typeface="Segoe UI" panose="020B0502040204020203" pitchFamily="34" charset="0"/>
+              </a:rPr>
+              <a:t>IPTables</a:t>
+            </a:r>
+            <a:r>
+              <a:rPr lang="en-US" sz="2000" dirty="0">
+                <a:solidFill>
+                  <a:srgbClr val="161616"/>
+                </a:solidFill>
+                <a:latin typeface="Segoe UI" panose="020B0502040204020203" pitchFamily="34" charset="0"/>
+              </a:rPr>
+              <a:t> for Linux and Host Network Service (HNS) </a:t>
+            </a:r>
+            <a:r>
+              <a:rPr lang="en-US" sz="2000" dirty="0" err="1">
+                <a:solidFill>
+                  <a:srgbClr val="161616"/>
+                </a:solidFill>
+                <a:latin typeface="Segoe UI" panose="020B0502040204020203" pitchFamily="34" charset="0"/>
+              </a:rPr>
+              <a:t>ACLPolicies</a:t>
+            </a:r>
+            <a:r>
+              <a:rPr lang="en-US" sz="2000" dirty="0">
+                <a:solidFill>
+                  <a:srgbClr val="161616"/>
+                </a:solidFill>
+                <a:latin typeface="Segoe UI" panose="020B0502040204020203" pitchFamily="34" charset="0"/>
+              </a:rPr>
+              <a:t> for Windows. Policies are translated into sets of allowed and disallowed IP pairs. These pairs are then programmed as </a:t>
+            </a:r>
+            <a:r>
+              <a:rPr lang="en-US" sz="2000" dirty="0" err="1">
+                <a:solidFill>
+                  <a:srgbClr val="161616"/>
+                </a:solidFill>
+                <a:latin typeface="Segoe UI" panose="020B0502040204020203" pitchFamily="34" charset="0"/>
+              </a:rPr>
+              <a:t>IPTable</a:t>
+            </a:r>
+            <a:r>
+              <a:rPr lang="en-US" sz="2000" dirty="0">
+                <a:solidFill>
+                  <a:srgbClr val="161616"/>
+                </a:solidFill>
+                <a:latin typeface="Segoe UI" panose="020B0502040204020203" pitchFamily="34" charset="0"/>
+              </a:rPr>
+              <a:t> or HNS </a:t>
+            </a:r>
+            <a:r>
+              <a:rPr lang="en-US" sz="2000" dirty="0" err="1">
+                <a:solidFill>
+                  <a:srgbClr val="161616"/>
+                </a:solidFill>
+                <a:latin typeface="Segoe UI" panose="020B0502040204020203" pitchFamily="34" charset="0"/>
+              </a:rPr>
+              <a:t>ACLPolicy</a:t>
+            </a:r>
+            <a:r>
+              <a:rPr lang="en-US" sz="2000" dirty="0">
+                <a:solidFill>
+                  <a:srgbClr val="161616"/>
+                </a:solidFill>
+                <a:latin typeface="Segoe UI" panose="020B0502040204020203" pitchFamily="34" charset="0"/>
+              </a:rPr>
+              <a:t> filter rules.</a:t>
+            </a:r>
+            <a:endParaRPr lang="en-US" sz="2000" dirty="0"/>
+          </a:p>
+        </p:txBody>
+      </p:sp>
+    </p:spTree>
+    <p:extLst>
+      <p:ext uri="{BB962C8B-B14F-4D97-AF65-F5344CB8AC3E}">
+        <p14:creationId xmlns:p14="http://schemas.microsoft.com/office/powerpoint/2010/main" val="2652172029"/>
+      </p:ext>
+    </p:extLst>
+  </p:cSld>
+  <p:clrMapOvr>
+    <a:masterClrMapping/>
+  </p:clrMapOvr>
+</p:sld>
+</file>
+
+<file path=ppt/slides/slide46.xml><?xml version="1.0" encoding="utf-8"?>
+<p:sld xmlns:a="http://schemas.openxmlformats.org/drawingml/2006/main" xmlns:r="http://schemas.openxmlformats.org/officeDocument/2006/relationships" xmlns:p="http://schemas.openxmlformats.org/presentationml/2006/main">
+  <p:cSld>
+    <p:bg>
+      <p:bgPr>
+        <a:solidFill>
+          <a:schemeClr val="bg1"/>
+        </a:solidFill>
+        <a:effectLst/>
+      </p:bgPr>
+    </p:bg>
+    <p:spTree>
+      <p:nvGrpSpPr>
+        <p:cNvPr id="1" name="">
+          <a:extLst>
+            <a:ext uri="{FF2B5EF4-FFF2-40B4-BE49-F238E27FC236}">
+              <a16:creationId xmlns:a16="http://schemas.microsoft.com/office/drawing/2014/main" id="{020D97FC-9EC4-BFE0-4715-7B04D772BAEC}"/>
+            </a:ext>
+          </a:extLst>
+        </p:cNvPr>
+        <p:cNvGrpSpPr/>
+        <p:nvPr/>
+      </p:nvGrpSpPr>
+      <p:grpSpPr>
+        <a:xfrm>
+          <a:off x="0" y="0"/>
+          <a:ext cx="0" cy="0"/>
+          <a:chOff x="0" y="0"/>
+          <a:chExt cx="0" cy="0"/>
+        </a:xfrm>
+      </p:grpSpPr>
+      <p:sp useBgFill="1">
+        <p:nvSpPr>
+          <p:cNvPr id="12" name="Rectangle 11">
+            <a:extLst>
+              <a:ext uri="{FF2B5EF4-FFF2-40B4-BE49-F238E27FC236}">
+                <a16:creationId xmlns:a16="http://schemas.microsoft.com/office/drawing/2014/main" id="{E732049F-A2B8-FE3B-4F1F-D15502C10B69}"/>
+              </a:ext>
+              <a:ext uri="{C183D7F6-B498-43B3-948B-1728B52AA6E4}">
+                <adec:decorative xmlns:adec="http://schemas.microsoft.com/office/drawing/2017/decorative" val="1"/>
+              </a:ext>
+            </a:extLst>
+          </p:cNvPr>
+          <p:cNvSpPr>
+            <a:spLocks noGrp="1" noRot="1" noChangeAspect="1" noMove="1" noResize="1" noEditPoints="1" noAdjustHandles="1" noChangeArrowheads="1" noChangeShapeType="1" noTextEdit="1"/>
+          </p:cNvSpPr>
+          <p:nvPr>
+            <p:extLst>
+              <p:ext uri="{386F3935-93C4-4BCD-93E2-E3B085C9AB24}">
+                <p16:designElem xmlns:p16="http://schemas.microsoft.com/office/powerpoint/2015/main" val="1"/>
+              </p:ext>
+            </p:extLst>
+          </p:nvPr>
+        </p:nvSpPr>
+        <p:spPr>
+          <a:xfrm>
+            <a:off x="0" y="0"/>
+            <a:ext cx="12188952" cy="6858000"/>
+          </a:xfrm>
+          <a:prstGeom prst="rect">
+            <a:avLst/>
+          </a:prstGeom>
+          <a:ln>
+            <a:noFill/>
+          </a:ln>
+        </p:spPr>
+        <p:style>
+          <a:lnRef idx="2">
+            <a:schemeClr val="accent1">
+              <a:shade val="50000"/>
+            </a:schemeClr>
+          </a:lnRef>
+          <a:fillRef idx="1">
+            <a:schemeClr val="accent1"/>
+          </a:fillRef>
+          <a:effectRef idx="0">
+            <a:schemeClr val="accent1"/>
+          </a:effectRef>
+          <a:fontRef idx="minor">
+            <a:schemeClr val="lt1"/>
+          </a:fontRef>
+        </p:style>
+        <p:txBody>
+          <a:bodyPr rtlCol="0" anchor="ctr"/>
+          <a:lstStyle/>
+          <a:p>
+            <a:pPr marL="0" marR="0" lvl="0" indent="0" algn="ctr" defTabSz="914400" rtl="0" eaLnBrk="1" fontAlgn="auto" latinLnBrk="0" hangingPunct="1">
+              <a:lnSpc>
+                <a:spcPct val="100000"/>
+              </a:lnSpc>
+              <a:spcBef>
+                <a:spcPts val="0"/>
+              </a:spcBef>
+              <a:spcAft>
+                <a:spcPts val="0"/>
+              </a:spcAft>
+              <a:buClrTx/>
+              <a:buSzTx/>
+              <a:buFontTx/>
+              <a:buNone/>
+              <a:tabLst/>
+              <a:defRPr/>
+            </a:pPr>
+            <a:endParaRPr kumimoji="0" lang="en-US" sz="1800" b="0" i="0" u="none" strike="noStrike" kern="1200" cap="none" spc="0" normalizeH="0" baseline="0" noProof="0">
+              <a:ln>
+                <a:noFill/>
+              </a:ln>
+              <a:solidFill>
+                <a:prstClr val="white"/>
+              </a:solidFill>
+              <a:effectLst/>
+              <a:uLnTx/>
+              <a:uFillTx/>
+              <a:latin typeface="Aptos" panose="02110004020202020204"/>
+              <a:ea typeface="+mn-ea"/>
+              <a:cs typeface="+mn-cs"/>
+            </a:endParaRPr>
+          </a:p>
+        </p:txBody>
+      </p:sp>
+      <p:sp>
+        <p:nvSpPr>
+          <p:cNvPr id="2" name="Title 1">
+            <a:extLst>
+              <a:ext uri="{FF2B5EF4-FFF2-40B4-BE49-F238E27FC236}">
+                <a16:creationId xmlns:a16="http://schemas.microsoft.com/office/drawing/2014/main" id="{A815365B-2BCA-ADA7-C904-1FBF325FBBBA}"/>
+              </a:ext>
+            </a:extLst>
+          </p:cNvPr>
+          <p:cNvSpPr>
+            <a:spLocks noGrp="1"/>
+          </p:cNvSpPr>
+          <p:nvPr>
+            <p:ph type="title"/>
+          </p:nvPr>
+        </p:nvSpPr>
+        <p:spPr>
+          <a:xfrm>
+            <a:off x="838200" y="365125"/>
+            <a:ext cx="10515600" cy="1325563"/>
+          </a:xfrm>
+        </p:spPr>
+        <p:txBody>
+          <a:bodyPr>
+            <a:normAutofit/>
+          </a:bodyPr>
+          <a:lstStyle/>
+          <a:p>
+            <a:r>
+              <a:rPr lang="en-US" sz="5400" dirty="0"/>
+              <a:t>Network policy options in AKS</a:t>
+            </a:r>
+          </a:p>
+        </p:txBody>
+      </p:sp>
+      <p:sp>
+        <p:nvSpPr>
+          <p:cNvPr id="13" name="sketch line">
+            <a:extLst>
+              <a:ext uri="{FF2B5EF4-FFF2-40B4-BE49-F238E27FC236}">
+                <a16:creationId xmlns:a16="http://schemas.microsoft.com/office/drawing/2014/main" id="{C26088FA-09ED-CA75-2E62-F9EEA2923955}"/>
+              </a:ext>
+              <a:ext uri="{C183D7F6-B498-43B3-948B-1728B52AA6E4}">
+                <adec:decorative xmlns:adec="http://schemas.microsoft.com/office/drawing/2017/decorative" val="1"/>
+              </a:ext>
+            </a:extLst>
+          </p:cNvPr>
+          <p:cNvSpPr>
+            <a:spLocks noGrp="1" noRot="1" noChangeAspect="1" noMove="1" noResize="1" noEditPoints="1" noAdjustHandles="1" noChangeArrowheads="1" noChangeShapeType="1" noTextEdit="1"/>
+          </p:cNvSpPr>
+          <p:nvPr>
+            <p:extLst>
+              <p:ext uri="{386F3935-93C4-4BCD-93E2-E3B085C9AB24}">
+                <p16:designElem xmlns:p16="http://schemas.microsoft.com/office/powerpoint/2015/main" val="1"/>
+              </p:ext>
+            </p:extLst>
+          </p:nvPr>
+        </p:nvSpPr>
+        <p:spPr>
+          <a:xfrm>
+            <a:off x="669036" y="1677373"/>
+            <a:ext cx="10853928" cy="18288"/>
+          </a:xfrm>
+          <a:custGeom>
+            <a:avLst/>
+            <a:gdLst>
+              <a:gd name="csX0" fmla="*/ 0 w 10853928"/>
+              <a:gd name="csY0" fmla="*/ 0 h 18288"/>
+              <a:gd name="csX1" fmla="*/ 461292 w 10853928"/>
+              <a:gd name="csY1" fmla="*/ 0 h 18288"/>
+              <a:gd name="csX2" fmla="*/ 1139662 w 10853928"/>
+              <a:gd name="csY2" fmla="*/ 0 h 18288"/>
+              <a:gd name="csX3" fmla="*/ 1926572 w 10853928"/>
+              <a:gd name="csY3" fmla="*/ 0 h 18288"/>
+              <a:gd name="csX4" fmla="*/ 2279325 w 10853928"/>
+              <a:gd name="csY4" fmla="*/ 0 h 18288"/>
+              <a:gd name="csX5" fmla="*/ 2632078 w 10853928"/>
+              <a:gd name="csY5" fmla="*/ 0 h 18288"/>
+              <a:gd name="csX6" fmla="*/ 3527527 w 10853928"/>
+              <a:gd name="csY6" fmla="*/ 0 h 18288"/>
+              <a:gd name="csX7" fmla="*/ 4205897 w 10853928"/>
+              <a:gd name="csY7" fmla="*/ 0 h 18288"/>
+              <a:gd name="csX8" fmla="*/ 4558650 w 10853928"/>
+              <a:gd name="csY8" fmla="*/ 0 h 18288"/>
+              <a:gd name="csX9" fmla="*/ 5237020 w 10853928"/>
+              <a:gd name="csY9" fmla="*/ 0 h 18288"/>
+              <a:gd name="csX10" fmla="*/ 6132469 w 10853928"/>
+              <a:gd name="csY10" fmla="*/ 0 h 18288"/>
+              <a:gd name="csX11" fmla="*/ 6702301 w 10853928"/>
+              <a:gd name="csY11" fmla="*/ 0 h 18288"/>
+              <a:gd name="csX12" fmla="*/ 7272132 w 10853928"/>
+              <a:gd name="csY12" fmla="*/ 0 h 18288"/>
+              <a:gd name="csX13" fmla="*/ 7950502 w 10853928"/>
+              <a:gd name="csY13" fmla="*/ 0 h 18288"/>
+              <a:gd name="csX14" fmla="*/ 8737412 w 10853928"/>
+              <a:gd name="csY14" fmla="*/ 0 h 18288"/>
+              <a:gd name="csX15" fmla="*/ 9524322 w 10853928"/>
+              <a:gd name="csY15" fmla="*/ 0 h 18288"/>
+              <a:gd name="csX16" fmla="*/ 10853928 w 10853928"/>
+              <a:gd name="csY16" fmla="*/ 0 h 18288"/>
+              <a:gd name="csX17" fmla="*/ 10853928 w 10853928"/>
+              <a:gd name="csY17" fmla="*/ 18288 h 18288"/>
+              <a:gd name="csX18" fmla="*/ 10392636 w 10853928"/>
+              <a:gd name="csY18" fmla="*/ 18288 h 18288"/>
+              <a:gd name="csX19" fmla="*/ 9497187 w 10853928"/>
+              <a:gd name="csY19" fmla="*/ 18288 h 18288"/>
+              <a:gd name="csX20" fmla="*/ 8818817 w 10853928"/>
+              <a:gd name="csY20" fmla="*/ 18288 h 18288"/>
+              <a:gd name="csX21" fmla="*/ 8466064 w 10853928"/>
+              <a:gd name="csY21" fmla="*/ 18288 h 18288"/>
+              <a:gd name="csX22" fmla="*/ 7787693 w 10853928"/>
+              <a:gd name="csY22" fmla="*/ 18288 h 18288"/>
+              <a:gd name="csX23" fmla="*/ 7217862 w 10853928"/>
+              <a:gd name="csY23" fmla="*/ 18288 h 18288"/>
+              <a:gd name="csX24" fmla="*/ 6648031 w 10853928"/>
+              <a:gd name="csY24" fmla="*/ 18288 h 18288"/>
+              <a:gd name="csX25" fmla="*/ 6078200 w 10853928"/>
+              <a:gd name="csY25" fmla="*/ 18288 h 18288"/>
+              <a:gd name="csX26" fmla="*/ 5508368 w 10853928"/>
+              <a:gd name="csY26" fmla="*/ 18288 h 18288"/>
+              <a:gd name="csX27" fmla="*/ 4721459 w 10853928"/>
+              <a:gd name="csY27" fmla="*/ 18288 h 18288"/>
+              <a:gd name="csX28" fmla="*/ 4043088 w 10853928"/>
+              <a:gd name="csY28" fmla="*/ 18288 h 18288"/>
+              <a:gd name="csX29" fmla="*/ 3690336 w 10853928"/>
+              <a:gd name="csY29" fmla="*/ 18288 h 18288"/>
+              <a:gd name="csX30" fmla="*/ 3120504 w 10853928"/>
+              <a:gd name="csY30" fmla="*/ 18288 h 18288"/>
+              <a:gd name="csX31" fmla="*/ 2333595 w 10853928"/>
+              <a:gd name="csY31" fmla="*/ 18288 h 18288"/>
+              <a:gd name="csX32" fmla="*/ 1872303 w 10853928"/>
+              <a:gd name="csY32" fmla="*/ 18288 h 18288"/>
+              <a:gd name="csX33" fmla="*/ 976854 w 10853928"/>
+              <a:gd name="csY33" fmla="*/ 18288 h 18288"/>
+              <a:gd name="csX34" fmla="*/ 0 w 10853928"/>
+              <a:gd name="csY34" fmla="*/ 18288 h 18288"/>
+              <a:gd name="csX35" fmla="*/ 0 w 10853928"/>
+              <a:gd name="csY35" fmla="*/ 0 h 18288"/>
+            </a:gdLst>
+            <a:ahLst/>
+            <a:cxnLst>
+              <a:cxn ang="0">
+                <a:pos x="csX0" y="csY0"/>
+              </a:cxn>
+              <a:cxn ang="0">
+                <a:pos x="csX1" y="csY1"/>
+              </a:cxn>
+              <a:cxn ang="0">
+                <a:pos x="csX2" y="csY2"/>
+              </a:cxn>
+              <a:cxn ang="0">
+                <a:pos x="csX3" y="csY3"/>
+              </a:cxn>
+              <a:cxn ang="0">
+                <a:pos x="csX4" y="csY4"/>
+              </a:cxn>
+              <a:cxn ang="0">
+                <a:pos x="csX5" y="csY5"/>
+              </a:cxn>
+              <a:cxn ang="0">
+                <a:pos x="csX6" y="csY6"/>
+              </a:cxn>
+              <a:cxn ang="0">
+                <a:pos x="csX7" y="csY7"/>
+              </a:cxn>
+              <a:cxn ang="0">
+                <a:pos x="csX8" y="csY8"/>
+              </a:cxn>
+              <a:cxn ang="0">
+                <a:pos x="csX9" y="csY9"/>
+              </a:cxn>
+              <a:cxn ang="0">
+                <a:pos x="csX10" y="csY10"/>
+              </a:cxn>
+              <a:cxn ang="0">
+                <a:pos x="csX11" y="csY11"/>
+              </a:cxn>
+              <a:cxn ang="0">
+                <a:pos x="csX12" y="csY12"/>
+              </a:cxn>
+              <a:cxn ang="0">
+                <a:pos x="csX13" y="csY13"/>
+              </a:cxn>
+              <a:cxn ang="0">
+                <a:pos x="csX14" y="csY14"/>
+              </a:cxn>
+              <a:cxn ang="0">
+                <a:pos x="csX15" y="csY15"/>
+              </a:cxn>
+              <a:cxn ang="0">
+                <a:pos x="csX16" y="csY16"/>
+              </a:cxn>
+              <a:cxn ang="0">
+                <a:pos x="csX17" y="csY17"/>
+              </a:cxn>
+              <a:cxn ang="0">
+                <a:pos x="csX18" y="csY18"/>
+              </a:cxn>
+              <a:cxn ang="0">
+                <a:pos x="csX19" y="csY19"/>
+              </a:cxn>
+              <a:cxn ang="0">
+                <a:pos x="csX20" y="csY20"/>
+              </a:cxn>
+              <a:cxn ang="0">
+                <a:pos x="csX21" y="csY21"/>
+              </a:cxn>
+              <a:cxn ang="0">
+                <a:pos x="csX22" y="csY22"/>
+              </a:cxn>
+              <a:cxn ang="0">
+                <a:pos x="csX23" y="csY23"/>
+              </a:cxn>
+              <a:cxn ang="0">
+                <a:pos x="csX24" y="csY24"/>
+              </a:cxn>
+              <a:cxn ang="0">
+                <a:pos x="csX25" y="csY25"/>
+              </a:cxn>
+              <a:cxn ang="0">
+                <a:pos x="csX26" y="csY26"/>
+              </a:cxn>
+              <a:cxn ang="0">
+                <a:pos x="csX27" y="csY27"/>
+              </a:cxn>
+              <a:cxn ang="0">
+                <a:pos x="csX28" y="csY28"/>
+              </a:cxn>
+              <a:cxn ang="0">
+                <a:pos x="csX29" y="csY29"/>
+              </a:cxn>
+              <a:cxn ang="0">
+                <a:pos x="csX30" y="csY30"/>
+              </a:cxn>
+              <a:cxn ang="0">
+                <a:pos x="csX31" y="csY31"/>
+              </a:cxn>
+              <a:cxn ang="0">
+                <a:pos x="csX32" y="csY32"/>
+              </a:cxn>
+              <a:cxn ang="0">
+                <a:pos x="csX33" y="csY33"/>
+              </a:cxn>
+              <a:cxn ang="0">
+                <a:pos x="csX34" y="csY34"/>
+              </a:cxn>
+              <a:cxn ang="0">
+                <a:pos x="csX35" y="csY35"/>
+              </a:cxn>
+            </a:cxnLst>
+            <a:rect l="l" t="t" r="r" b="b"/>
+            <a:pathLst>
+              <a:path w="10853928" h="18288" fill="none" extrusionOk="0">
+                <a:moveTo>
+                  <a:pt x="0" y="0"/>
+                </a:moveTo>
+                <a:cubicBezTo>
+                  <a:pt x="146993" y="-19076"/>
+                  <a:pt x="347684" y="-4790"/>
+                  <a:pt x="461292" y="0"/>
+                </a:cubicBezTo>
+                <a:cubicBezTo>
+                  <a:pt x="574900" y="4790"/>
+                  <a:pt x="808367" y="19821"/>
+                  <a:pt x="1139662" y="0"/>
+                </a:cubicBezTo>
+                <a:cubicBezTo>
+                  <a:pt x="1470957" y="-19821"/>
+                  <a:pt x="1627405" y="5721"/>
+                  <a:pt x="1926572" y="0"/>
+                </a:cubicBezTo>
+                <a:cubicBezTo>
+                  <a:pt x="2225739" y="-5721"/>
+                  <a:pt x="2137730" y="-3235"/>
+                  <a:pt x="2279325" y="0"/>
+                </a:cubicBezTo>
+                <a:cubicBezTo>
+                  <a:pt x="2420920" y="3235"/>
+                  <a:pt x="2456518" y="9685"/>
+                  <a:pt x="2632078" y="0"/>
+                </a:cubicBezTo>
+                <a:cubicBezTo>
+                  <a:pt x="2807638" y="-9685"/>
+                  <a:pt x="3211516" y="-43007"/>
+                  <a:pt x="3527527" y="0"/>
+                </a:cubicBezTo>
+                <a:cubicBezTo>
+                  <a:pt x="3843538" y="43007"/>
+                  <a:pt x="4058833" y="22042"/>
+                  <a:pt x="4205897" y="0"/>
+                </a:cubicBezTo>
+                <a:cubicBezTo>
+                  <a:pt x="4352961" y="-22042"/>
+                  <a:pt x="4474805" y="-11846"/>
+                  <a:pt x="4558650" y="0"/>
+                </a:cubicBezTo>
+                <a:cubicBezTo>
+                  <a:pt x="4642495" y="11846"/>
+                  <a:pt x="5041928" y="-6069"/>
+                  <a:pt x="5237020" y="0"/>
+                </a:cubicBezTo>
+                <a:cubicBezTo>
+                  <a:pt x="5432112" y="6069"/>
+                  <a:pt x="5943266" y="-17479"/>
+                  <a:pt x="6132469" y="0"/>
+                </a:cubicBezTo>
+                <a:cubicBezTo>
+                  <a:pt x="6321672" y="17479"/>
+                  <a:pt x="6483872" y="26234"/>
+                  <a:pt x="6702301" y="0"/>
+                </a:cubicBezTo>
+                <a:cubicBezTo>
+                  <a:pt x="6920730" y="-26234"/>
+                  <a:pt x="6991194" y="-15156"/>
+                  <a:pt x="7272132" y="0"/>
+                </a:cubicBezTo>
+                <a:cubicBezTo>
+                  <a:pt x="7553070" y="15156"/>
+                  <a:pt x="7684444" y="-32961"/>
+                  <a:pt x="7950502" y="0"/>
+                </a:cubicBezTo>
+                <a:cubicBezTo>
+                  <a:pt x="8216560" y="32961"/>
+                  <a:pt x="8493290" y="-10491"/>
+                  <a:pt x="8737412" y="0"/>
+                </a:cubicBezTo>
+                <a:cubicBezTo>
+                  <a:pt x="8981534" y="10491"/>
+                  <a:pt x="9191586" y="-13899"/>
+                  <a:pt x="9524322" y="0"/>
+                </a:cubicBezTo>
+                <a:cubicBezTo>
+                  <a:pt x="9857058" y="13899"/>
+                  <a:pt x="10297509" y="7485"/>
+                  <a:pt x="10853928" y="0"/>
+                </a:cubicBezTo>
+                <a:cubicBezTo>
+                  <a:pt x="10854574" y="4451"/>
+                  <a:pt x="10854418" y="9226"/>
+                  <a:pt x="10853928" y="18288"/>
+                </a:cubicBezTo>
+                <a:cubicBezTo>
+                  <a:pt x="10691638" y="28522"/>
+                  <a:pt x="10574319" y="29578"/>
+                  <a:pt x="10392636" y="18288"/>
+                </a:cubicBezTo>
+                <a:cubicBezTo>
+                  <a:pt x="10210953" y="6998"/>
+                  <a:pt x="9836277" y="-16742"/>
+                  <a:pt x="9497187" y="18288"/>
+                </a:cubicBezTo>
+                <a:cubicBezTo>
+                  <a:pt x="9158097" y="53318"/>
+                  <a:pt x="9119479" y="30714"/>
+                  <a:pt x="8818817" y="18288"/>
+                </a:cubicBezTo>
+                <a:cubicBezTo>
+                  <a:pt x="8518155" y="5863"/>
+                  <a:pt x="8640037" y="6483"/>
+                  <a:pt x="8466064" y="18288"/>
+                </a:cubicBezTo>
+                <a:cubicBezTo>
+                  <a:pt x="8292091" y="30093"/>
+                  <a:pt x="7997656" y="18914"/>
+                  <a:pt x="7787693" y="18288"/>
+                </a:cubicBezTo>
+                <a:cubicBezTo>
+                  <a:pt x="7577730" y="17662"/>
+                  <a:pt x="7412468" y="21416"/>
+                  <a:pt x="7217862" y="18288"/>
+                </a:cubicBezTo>
+                <a:cubicBezTo>
+                  <a:pt x="7023256" y="15160"/>
+                  <a:pt x="6898018" y="14824"/>
+                  <a:pt x="6648031" y="18288"/>
+                </a:cubicBezTo>
+                <a:cubicBezTo>
+                  <a:pt x="6398044" y="21752"/>
+                  <a:pt x="6254402" y="38625"/>
+                  <a:pt x="6078200" y="18288"/>
+                </a:cubicBezTo>
+                <a:cubicBezTo>
+                  <a:pt x="5901998" y="-2049"/>
+                  <a:pt x="5622886" y="3213"/>
+                  <a:pt x="5508368" y="18288"/>
+                </a:cubicBezTo>
+                <a:cubicBezTo>
+                  <a:pt x="5393850" y="33363"/>
+                  <a:pt x="5036260" y="26830"/>
+                  <a:pt x="4721459" y="18288"/>
+                </a:cubicBezTo>
+                <a:cubicBezTo>
+                  <a:pt x="4406658" y="9746"/>
+                  <a:pt x="4239221" y="41551"/>
+                  <a:pt x="4043088" y="18288"/>
+                </a:cubicBezTo>
+                <a:cubicBezTo>
+                  <a:pt x="3846955" y="-4975"/>
+                  <a:pt x="3818802" y="34658"/>
+                  <a:pt x="3690336" y="18288"/>
+                </a:cubicBezTo>
+                <a:cubicBezTo>
+                  <a:pt x="3561870" y="1918"/>
+                  <a:pt x="3265491" y="42194"/>
+                  <a:pt x="3120504" y="18288"/>
+                </a:cubicBezTo>
+                <a:cubicBezTo>
+                  <a:pt x="2975517" y="-5618"/>
+                  <a:pt x="2720254" y="36673"/>
+                  <a:pt x="2333595" y="18288"/>
+                </a:cubicBezTo>
+                <a:cubicBezTo>
+                  <a:pt x="1946936" y="-97"/>
+                  <a:pt x="2097241" y="5776"/>
+                  <a:pt x="1872303" y="18288"/>
+                </a:cubicBezTo>
+                <a:cubicBezTo>
+                  <a:pt x="1647365" y="30800"/>
+                  <a:pt x="1282708" y="45380"/>
+                  <a:pt x="976854" y="18288"/>
+                </a:cubicBezTo>
+                <a:cubicBezTo>
+                  <a:pt x="671000" y="-8804"/>
+                  <a:pt x="408401" y="-12775"/>
+                  <a:pt x="0" y="18288"/>
+                </a:cubicBezTo>
+                <a:cubicBezTo>
+                  <a:pt x="-213" y="9468"/>
+                  <a:pt x="187" y="4459"/>
+                  <a:pt x="0" y="0"/>
+                </a:cubicBezTo>
+                <a:close/>
+              </a:path>
+              <a:path w="10853928" h="18288" stroke="0" extrusionOk="0">
+                <a:moveTo>
+                  <a:pt x="0" y="0"/>
+                </a:moveTo>
+                <a:cubicBezTo>
+                  <a:pt x="267322" y="15284"/>
+                  <a:pt x="415388" y="-21048"/>
+                  <a:pt x="569831" y="0"/>
+                </a:cubicBezTo>
+                <a:cubicBezTo>
+                  <a:pt x="724274" y="21048"/>
+                  <a:pt x="769333" y="-2353"/>
+                  <a:pt x="922584" y="0"/>
+                </a:cubicBezTo>
+                <a:cubicBezTo>
+                  <a:pt x="1075835" y="2353"/>
+                  <a:pt x="1399490" y="-145"/>
+                  <a:pt x="1818033" y="0"/>
+                </a:cubicBezTo>
+                <a:cubicBezTo>
+                  <a:pt x="2236576" y="145"/>
+                  <a:pt x="2145330" y="5482"/>
+                  <a:pt x="2387864" y="0"/>
+                </a:cubicBezTo>
+                <a:cubicBezTo>
+                  <a:pt x="2630398" y="-5482"/>
+                  <a:pt x="2793207" y="18487"/>
+                  <a:pt x="2957695" y="0"/>
+                </a:cubicBezTo>
+                <a:cubicBezTo>
+                  <a:pt x="3122183" y="-18487"/>
+                  <a:pt x="3579141" y="19003"/>
+                  <a:pt x="3853144" y="0"/>
+                </a:cubicBezTo>
+                <a:cubicBezTo>
+                  <a:pt x="4127147" y="-19003"/>
+                  <a:pt x="4209857" y="12211"/>
+                  <a:pt x="4314436" y="0"/>
+                </a:cubicBezTo>
+                <a:cubicBezTo>
+                  <a:pt x="4419015" y="-12211"/>
+                  <a:pt x="4762459" y="-17220"/>
+                  <a:pt x="5209885" y="0"/>
+                </a:cubicBezTo>
+                <a:cubicBezTo>
+                  <a:pt x="5657311" y="17220"/>
+                  <a:pt x="5692663" y="-3290"/>
+                  <a:pt x="6105335" y="0"/>
+                </a:cubicBezTo>
+                <a:cubicBezTo>
+                  <a:pt x="6518007" y="3290"/>
+                  <a:pt x="6455516" y="-5124"/>
+                  <a:pt x="6783705" y="0"/>
+                </a:cubicBezTo>
+                <a:cubicBezTo>
+                  <a:pt x="7111894" y="5124"/>
+                  <a:pt x="7441941" y="-17829"/>
+                  <a:pt x="7679154" y="0"/>
+                </a:cubicBezTo>
+                <a:cubicBezTo>
+                  <a:pt x="7916367" y="17829"/>
+                  <a:pt x="8102967" y="-24363"/>
+                  <a:pt x="8248985" y="0"/>
+                </a:cubicBezTo>
+                <a:cubicBezTo>
+                  <a:pt x="8395003" y="24363"/>
+                  <a:pt x="8552393" y="25505"/>
+                  <a:pt x="8818817" y="0"/>
+                </a:cubicBezTo>
+                <a:cubicBezTo>
+                  <a:pt x="9085241" y="-25505"/>
+                  <a:pt x="9411308" y="38000"/>
+                  <a:pt x="9605726" y="0"/>
+                </a:cubicBezTo>
+                <a:cubicBezTo>
+                  <a:pt x="9800144" y="-38000"/>
+                  <a:pt x="10006468" y="-25741"/>
+                  <a:pt x="10175558" y="0"/>
+                </a:cubicBezTo>
+                <a:cubicBezTo>
+                  <a:pt x="10344648" y="25741"/>
+                  <a:pt x="10696282" y="695"/>
+                  <a:pt x="10853928" y="0"/>
+                </a:cubicBezTo>
+                <a:cubicBezTo>
+                  <a:pt x="10853521" y="8690"/>
+                  <a:pt x="10853774" y="14141"/>
+                  <a:pt x="10853928" y="18288"/>
+                </a:cubicBezTo>
+                <a:cubicBezTo>
+                  <a:pt x="10608124" y="24255"/>
+                  <a:pt x="10343415" y="22307"/>
+                  <a:pt x="10067018" y="18288"/>
+                </a:cubicBezTo>
+                <a:cubicBezTo>
+                  <a:pt x="9790621" y="14270"/>
+                  <a:pt x="9843266" y="3564"/>
+                  <a:pt x="9714266" y="18288"/>
+                </a:cubicBezTo>
+                <a:cubicBezTo>
+                  <a:pt x="9585266" y="33012"/>
+                  <a:pt x="9379484" y="1875"/>
+                  <a:pt x="9252974" y="18288"/>
+                </a:cubicBezTo>
+                <a:cubicBezTo>
+                  <a:pt x="9126464" y="34701"/>
+                  <a:pt x="8580678" y="-4904"/>
+                  <a:pt x="8357525" y="18288"/>
+                </a:cubicBezTo>
+                <a:cubicBezTo>
+                  <a:pt x="8134372" y="41480"/>
+                  <a:pt x="7903199" y="26458"/>
+                  <a:pt x="7679154" y="18288"/>
+                </a:cubicBezTo>
+                <a:cubicBezTo>
+                  <a:pt x="7455109" y="10118"/>
+                  <a:pt x="7435944" y="27109"/>
+                  <a:pt x="7217862" y="18288"/>
+                </a:cubicBezTo>
+                <a:cubicBezTo>
+                  <a:pt x="6999780" y="9467"/>
+                  <a:pt x="6680409" y="18985"/>
+                  <a:pt x="6539492" y="18288"/>
+                </a:cubicBezTo>
+                <a:cubicBezTo>
+                  <a:pt x="6398575" y="17592"/>
+                  <a:pt x="6312077" y="33018"/>
+                  <a:pt x="6186739" y="18288"/>
+                </a:cubicBezTo>
+                <a:cubicBezTo>
+                  <a:pt x="6061401" y="3558"/>
+                  <a:pt x="5947033" y="12075"/>
+                  <a:pt x="5833986" y="18288"/>
+                </a:cubicBezTo>
+                <a:cubicBezTo>
+                  <a:pt x="5720939" y="24501"/>
+                  <a:pt x="5482226" y="8586"/>
+                  <a:pt x="5155616" y="18288"/>
+                </a:cubicBezTo>
+                <a:cubicBezTo>
+                  <a:pt x="4829006" y="27991"/>
+                  <a:pt x="4841274" y="29316"/>
+                  <a:pt x="4694324" y="18288"/>
+                </a:cubicBezTo>
+                <a:cubicBezTo>
+                  <a:pt x="4547374" y="7260"/>
+                  <a:pt x="4077675" y="7013"/>
+                  <a:pt x="3907414" y="18288"/>
+                </a:cubicBezTo>
+                <a:cubicBezTo>
+                  <a:pt x="3737153" y="29564"/>
+                  <a:pt x="3538393" y="21630"/>
+                  <a:pt x="3446122" y="18288"/>
+                </a:cubicBezTo>
+                <a:cubicBezTo>
+                  <a:pt x="3353851" y="14946"/>
+                  <a:pt x="2990320" y="-8091"/>
+                  <a:pt x="2659212" y="18288"/>
+                </a:cubicBezTo>
+                <a:cubicBezTo>
+                  <a:pt x="2328104" y="44667"/>
+                  <a:pt x="2427653" y="9607"/>
+                  <a:pt x="2306460" y="18288"/>
+                </a:cubicBezTo>
+                <a:cubicBezTo>
+                  <a:pt x="2185267" y="26969"/>
+                  <a:pt x="1719763" y="3717"/>
+                  <a:pt x="1519550" y="18288"/>
+                </a:cubicBezTo>
+                <a:cubicBezTo>
+                  <a:pt x="1319337" y="32860"/>
+                  <a:pt x="1167371" y="17040"/>
+                  <a:pt x="1058258" y="18288"/>
+                </a:cubicBezTo>
+                <a:cubicBezTo>
+                  <a:pt x="949145" y="19536"/>
+                  <a:pt x="780234" y="31447"/>
+                  <a:pt x="705505" y="18288"/>
+                </a:cubicBezTo>
+                <a:cubicBezTo>
+                  <a:pt x="630776" y="5129"/>
+                  <a:pt x="215796" y="30056"/>
+                  <a:pt x="0" y="18288"/>
+                </a:cubicBezTo>
+                <a:cubicBezTo>
+                  <a:pt x="-53" y="11301"/>
+                  <a:pt x="-649" y="7756"/>
+                  <a:pt x="0" y="0"/>
+                </a:cubicBezTo>
+                <a:close/>
+              </a:path>
+            </a:pathLst>
+          </a:custGeom>
+          <a:solidFill>
+            <a:schemeClr val="accent2"/>
+          </a:solidFill>
+          <a:ln w="41275" cap="rnd">
+            <a:solidFill>
+              <a:schemeClr val="accent2"/>
+            </a:solidFill>
+            <a:round/>
+            <a:extLst>
+              <a:ext uri="{C807C97D-BFC1-408E-A445-0C87EB9F89A2}">
+                <ask:lineSketchStyleProps xmlns:ask="http://schemas.microsoft.com/office/drawing/2018/sketchyshapes" sd="1219033472">
+                  <a:prstGeom prst="rect">
+                    <a:avLst/>
+                  </a:prstGeom>
+                  <ask:type>
+                    <ask:lineSketchFreehand/>
+                  </ask:type>
+                </ask:lineSketchStyleProps>
+              </a:ext>
+            </a:extLst>
+          </a:ln>
+        </p:spPr>
+        <p:style>
+          <a:lnRef idx="2">
+            <a:schemeClr val="accent1">
+              <a:shade val="50000"/>
+            </a:schemeClr>
+          </a:lnRef>
+          <a:fillRef idx="1">
+            <a:schemeClr val="accent1"/>
+          </a:fillRef>
+          <a:effectRef idx="0">
+            <a:schemeClr val="accent1"/>
+          </a:effectRef>
+          <a:fontRef idx="minor">
+            <a:schemeClr val="lt1"/>
+          </a:fontRef>
+        </p:style>
+        <p:txBody>
+          <a:bodyPr rtlCol="0" anchor="ctr"/>
+          <a:lstStyle/>
+          <a:p>
+            <a:pPr marL="0" marR="0" lvl="0" indent="0" algn="ctr" defTabSz="914400" rtl="0" eaLnBrk="1" fontAlgn="auto" latinLnBrk="0" hangingPunct="1">
+              <a:lnSpc>
+                <a:spcPct val="100000"/>
+              </a:lnSpc>
+              <a:spcBef>
+                <a:spcPts val="0"/>
+              </a:spcBef>
+              <a:spcAft>
+                <a:spcPts val="0"/>
+              </a:spcAft>
+              <a:buClrTx/>
+              <a:buSzTx/>
+              <a:buFontTx/>
+              <a:buNone/>
+              <a:tabLst/>
+              <a:defRPr/>
+            </a:pPr>
+            <a:endParaRPr kumimoji="0" lang="en-US" sz="1800" b="0" i="0" u="none" strike="noStrike" kern="1200" cap="none" spc="0" normalizeH="0" baseline="0" noProof="0">
+              <a:ln>
+                <a:noFill/>
+              </a:ln>
+              <a:solidFill>
+                <a:prstClr val="white"/>
+              </a:solidFill>
+              <a:effectLst/>
+              <a:uLnTx/>
+              <a:uFillTx/>
+              <a:latin typeface="Aptos" panose="02110004020202020204"/>
+              <a:ea typeface="+mn-ea"/>
+              <a:cs typeface="+mn-cs"/>
+            </a:endParaRPr>
+          </a:p>
+        </p:txBody>
+      </p:sp>
+      <p:graphicFrame>
+        <p:nvGraphicFramePr>
+          <p:cNvPr id="3" name="Table 2">
+            <a:extLst>
+              <a:ext uri="{FF2B5EF4-FFF2-40B4-BE49-F238E27FC236}">
+                <a16:creationId xmlns:a16="http://schemas.microsoft.com/office/drawing/2014/main" id="{FA4DFEF2-EF5D-D783-89ED-1DFE5F269631}"/>
+              </a:ext>
+            </a:extLst>
+          </p:cNvPr>
+          <p:cNvGraphicFramePr>
+            <a:graphicFrameLocks noGrp="1"/>
+          </p:cNvGraphicFramePr>
+          <p:nvPr>
+            <p:extLst>
+              <p:ext uri="{D42A27DB-BD31-4B8C-83A1-F6EECF244321}">
+                <p14:modId xmlns:p14="http://schemas.microsoft.com/office/powerpoint/2010/main" val="3847169754"/>
+              </p:ext>
+            </p:extLst>
+          </p:nvPr>
+        </p:nvGraphicFramePr>
+        <p:xfrm>
+          <a:off x="669036" y="1870267"/>
+          <a:ext cx="11264347" cy="4862216"/>
+        </p:xfrm>
+        <a:graphic>
+          <a:graphicData uri="http://schemas.openxmlformats.org/drawingml/2006/table">
+            <a:tbl>
+              <a:tblPr/>
+              <a:tblGrid>
+                <a:gridCol w="1450118">
+                  <a:extLst>
+                    <a:ext uri="{9D8B030D-6E8A-4147-A177-3AD203B41FA5}">
+                      <a16:colId xmlns:a16="http://schemas.microsoft.com/office/drawing/2014/main" val="4027913663"/>
+                    </a:ext>
+                  </a:extLst>
+                </a:gridCol>
+                <a:gridCol w="1780924">
+                  <a:extLst>
+                    <a:ext uri="{9D8B030D-6E8A-4147-A177-3AD203B41FA5}">
+                      <a16:colId xmlns:a16="http://schemas.microsoft.com/office/drawing/2014/main" val="3319238817"/>
+                    </a:ext>
+                  </a:extLst>
+                </a:gridCol>
+                <a:gridCol w="1869971">
+                  <a:extLst>
+                    <a:ext uri="{9D8B030D-6E8A-4147-A177-3AD203B41FA5}">
+                      <a16:colId xmlns:a16="http://schemas.microsoft.com/office/drawing/2014/main" val="523601427"/>
+                    </a:ext>
+                  </a:extLst>
+                </a:gridCol>
+                <a:gridCol w="2048063">
+                  <a:extLst>
+                    <a:ext uri="{9D8B030D-6E8A-4147-A177-3AD203B41FA5}">
+                      <a16:colId xmlns:a16="http://schemas.microsoft.com/office/drawing/2014/main" val="2803417807"/>
+                    </a:ext>
+                  </a:extLst>
+                </a:gridCol>
+                <a:gridCol w="2295413">
+                  <a:extLst>
+                    <a:ext uri="{9D8B030D-6E8A-4147-A177-3AD203B41FA5}">
+                      <a16:colId xmlns:a16="http://schemas.microsoft.com/office/drawing/2014/main" val="3463660722"/>
+                    </a:ext>
+                  </a:extLst>
+                </a:gridCol>
+                <a:gridCol w="1819858">
+                  <a:extLst>
+                    <a:ext uri="{9D8B030D-6E8A-4147-A177-3AD203B41FA5}">
+                      <a16:colId xmlns:a16="http://schemas.microsoft.com/office/drawing/2014/main" val="348353217"/>
+                    </a:ext>
+                  </a:extLst>
+                </a:gridCol>
+              </a:tblGrid>
+              <a:tr h="347861">
+                <a:tc>
+                  <a:txBody>
+                    <a:bodyPr/>
+                    <a:lstStyle/>
+                    <a:p>
+                      <a:pPr algn="l" fontAlgn="t">
+                        <a:buNone/>
+                      </a:pPr>
+                      <a:r>
+                        <a:rPr lang="en-US" sz="1800" b="1">
+                          <a:effectLst/>
+                        </a:rPr>
+                        <a:t>Network policy engine</a:t>
+                      </a:r>
+                    </a:p>
+                  </a:txBody>
+                  <a:tcPr marL="49694" marR="49694" marT="24847" marB="24847">
+                    <a:lnL w="10582" cap="flat" cmpd="sng" algn="ctr">
+                      <a:solidFill>
+                        <a:srgbClr val="D1D1D1"/>
+                      </a:solidFill>
+                      <a:prstDash val="solid"/>
+                      <a:round/>
+                      <a:headEnd type="none" w="med" len="med"/>
+                      <a:tailEnd type="none" w="med" len="med"/>
+                    </a:lnL>
+                    <a:lnR w="10582" cap="flat" cmpd="sng" algn="ctr">
+                      <a:solidFill>
+                        <a:srgbClr val="D1D1D1"/>
+                      </a:solidFill>
+                      <a:prstDash val="solid"/>
+                      <a:round/>
+                      <a:headEnd type="none" w="med" len="med"/>
+                      <a:tailEnd type="none" w="med" len="med"/>
+                    </a:lnR>
+                    <a:lnT w="10582" cap="flat" cmpd="sng" algn="ctr">
+                      <a:solidFill>
+                        <a:srgbClr val="D1D1D1"/>
+                      </a:solidFill>
+                      <a:prstDash val="solid"/>
+                      <a:round/>
+                      <a:headEnd type="none" w="med" len="med"/>
+                      <a:tailEnd type="none" w="med" len="med"/>
+                    </a:lnT>
+                    <a:lnB w="10582" cap="flat" cmpd="sng" algn="ctr">
+                      <a:solidFill>
+                        <a:srgbClr val="D1D1D1"/>
+                      </a:solidFill>
+                      <a:prstDash val="solid"/>
+                      <a:round/>
+                      <a:headEnd type="none" w="med" len="med"/>
+                      <a:tailEnd type="none" w="med" len="med"/>
+                    </a:lnB>
+                    <a:solidFill>
+                      <a:srgbClr val="FFFFFF"/>
+                    </a:solidFill>
+                  </a:tcPr>
+                </a:tc>
+                <a:tc>
+                  <a:txBody>
+                    <a:bodyPr/>
+                    <a:lstStyle/>
+                    <a:p>
+                      <a:pPr algn="l" fontAlgn="t">
+                        <a:buNone/>
+                      </a:pPr>
+                      <a:r>
+                        <a:rPr lang="en-US" sz="1800" b="1">
+                          <a:effectLst/>
+                        </a:rPr>
+                        <a:t>Supported platforms</a:t>
+                      </a:r>
+                    </a:p>
+                  </a:txBody>
+                  <a:tcPr marL="49694" marR="49694" marT="24847" marB="24847">
+                    <a:lnL w="10582" cap="flat" cmpd="sng" algn="ctr">
+                      <a:solidFill>
+                        <a:srgbClr val="D1D1D1"/>
+                      </a:solidFill>
+                      <a:prstDash val="solid"/>
+                      <a:round/>
+                      <a:headEnd type="none" w="med" len="med"/>
+                      <a:tailEnd type="none" w="med" len="med"/>
+                    </a:lnL>
+                    <a:lnR w="10582" cap="flat" cmpd="sng" algn="ctr">
+                      <a:solidFill>
+                        <a:srgbClr val="D1D1D1"/>
+                      </a:solidFill>
+                      <a:prstDash val="solid"/>
+                      <a:round/>
+                      <a:headEnd type="none" w="med" len="med"/>
+                      <a:tailEnd type="none" w="med" len="med"/>
+                    </a:lnR>
+                    <a:lnT w="10582" cap="flat" cmpd="sng" algn="ctr">
+                      <a:solidFill>
+                        <a:srgbClr val="D1D1D1"/>
+                      </a:solidFill>
+                      <a:prstDash val="solid"/>
+                      <a:round/>
+                      <a:headEnd type="none" w="med" len="med"/>
+                      <a:tailEnd type="none" w="med" len="med"/>
+                    </a:lnT>
+                    <a:lnB w="10582" cap="flat" cmpd="sng" algn="ctr">
+                      <a:solidFill>
+                        <a:srgbClr val="D1D1D1"/>
+                      </a:solidFill>
+                      <a:prstDash val="solid"/>
+                      <a:round/>
+                      <a:headEnd type="none" w="med" len="med"/>
+                      <a:tailEnd type="none" w="med" len="med"/>
+                    </a:lnB>
+                    <a:solidFill>
+                      <a:srgbClr val="FFFFFF"/>
+                    </a:solidFill>
+                  </a:tcPr>
+                </a:tc>
+                <a:tc>
+                  <a:txBody>
+                    <a:bodyPr/>
+                    <a:lstStyle/>
+                    <a:p>
+                      <a:pPr algn="l" fontAlgn="t">
+                        <a:buNone/>
+                      </a:pPr>
+                      <a:r>
+                        <a:rPr lang="en-US" sz="1800" b="1">
+                          <a:effectLst/>
+                        </a:rPr>
+                        <a:t>Supported networking options</a:t>
+                      </a:r>
+                    </a:p>
+                  </a:txBody>
+                  <a:tcPr marL="49694" marR="49694" marT="24847" marB="24847">
+                    <a:lnL w="10582" cap="flat" cmpd="sng" algn="ctr">
+                      <a:solidFill>
+                        <a:srgbClr val="D1D1D1"/>
+                      </a:solidFill>
+                      <a:prstDash val="solid"/>
+                      <a:round/>
+                      <a:headEnd type="none" w="med" len="med"/>
+                      <a:tailEnd type="none" w="med" len="med"/>
+                    </a:lnL>
+                    <a:lnR w="10582" cap="flat" cmpd="sng" algn="ctr">
+                      <a:solidFill>
+                        <a:srgbClr val="D1D1D1"/>
+                      </a:solidFill>
+                      <a:prstDash val="solid"/>
+                      <a:round/>
+                      <a:headEnd type="none" w="med" len="med"/>
+                      <a:tailEnd type="none" w="med" len="med"/>
+                    </a:lnR>
+                    <a:lnT w="10582" cap="flat" cmpd="sng" algn="ctr">
+                      <a:solidFill>
+                        <a:srgbClr val="D1D1D1"/>
+                      </a:solidFill>
+                      <a:prstDash val="solid"/>
+                      <a:round/>
+                      <a:headEnd type="none" w="med" len="med"/>
+                      <a:tailEnd type="none" w="med" len="med"/>
+                    </a:lnT>
+                    <a:lnB w="10582" cap="flat" cmpd="sng" algn="ctr">
+                      <a:solidFill>
+                        <a:srgbClr val="D1D1D1"/>
+                      </a:solidFill>
+                      <a:prstDash val="solid"/>
+                      <a:round/>
+                      <a:headEnd type="none" w="med" len="med"/>
+                      <a:tailEnd type="none" w="med" len="med"/>
+                    </a:lnB>
+                    <a:solidFill>
+                      <a:srgbClr val="FFFFFF"/>
+                    </a:solidFill>
+                  </a:tcPr>
+                </a:tc>
+                <a:tc>
+                  <a:txBody>
+                    <a:bodyPr/>
+                    <a:lstStyle/>
+                    <a:p>
+                      <a:pPr algn="l" fontAlgn="t">
+                        <a:buNone/>
+                      </a:pPr>
+                      <a:r>
+                        <a:rPr lang="en-US" sz="1800" b="1">
+                          <a:effectLst/>
+                        </a:rPr>
+                        <a:t>Kubernetes specification compliance</a:t>
+                      </a:r>
+                    </a:p>
+                  </a:txBody>
+                  <a:tcPr marL="49694" marR="49694" marT="24847" marB="24847">
+                    <a:lnL w="10582" cap="flat" cmpd="sng" algn="ctr">
+                      <a:solidFill>
+                        <a:srgbClr val="D1D1D1"/>
+                      </a:solidFill>
+                      <a:prstDash val="solid"/>
+                      <a:round/>
+                      <a:headEnd type="none" w="med" len="med"/>
+                      <a:tailEnd type="none" w="med" len="med"/>
+                    </a:lnL>
+                    <a:lnR w="10582" cap="flat" cmpd="sng" algn="ctr">
+                      <a:solidFill>
+                        <a:srgbClr val="D1D1D1"/>
+                      </a:solidFill>
+                      <a:prstDash val="solid"/>
+                      <a:round/>
+                      <a:headEnd type="none" w="med" len="med"/>
+                      <a:tailEnd type="none" w="med" len="med"/>
+                    </a:lnR>
+                    <a:lnT w="10582" cap="flat" cmpd="sng" algn="ctr">
+                      <a:solidFill>
+                        <a:srgbClr val="D1D1D1"/>
+                      </a:solidFill>
+                      <a:prstDash val="solid"/>
+                      <a:round/>
+                      <a:headEnd type="none" w="med" len="med"/>
+                      <a:tailEnd type="none" w="med" len="med"/>
+                    </a:lnT>
+                    <a:lnB w="10582" cap="flat" cmpd="sng" algn="ctr">
+                      <a:solidFill>
+                        <a:srgbClr val="D1D1D1"/>
+                      </a:solidFill>
+                      <a:prstDash val="solid"/>
+                      <a:round/>
+                      <a:headEnd type="none" w="med" len="med"/>
+                      <a:tailEnd type="none" w="med" len="med"/>
+                    </a:lnB>
+                    <a:solidFill>
+                      <a:srgbClr val="FFFFFF"/>
+                    </a:solidFill>
+                  </a:tcPr>
+                </a:tc>
+                <a:tc>
+                  <a:txBody>
+                    <a:bodyPr/>
+                    <a:lstStyle/>
+                    <a:p>
+                      <a:pPr algn="l" fontAlgn="t">
+                        <a:buNone/>
+                      </a:pPr>
+                      <a:r>
+                        <a:rPr lang="en-US" sz="1800" b="1">
+                          <a:effectLst/>
+                        </a:rPr>
+                        <a:t>Other features</a:t>
+                      </a:r>
+                    </a:p>
+                  </a:txBody>
+                  <a:tcPr marL="49694" marR="49694" marT="24847" marB="24847">
+                    <a:lnL w="10582" cap="flat" cmpd="sng" algn="ctr">
+                      <a:solidFill>
+                        <a:srgbClr val="D1D1D1"/>
+                      </a:solidFill>
+                      <a:prstDash val="solid"/>
+                      <a:round/>
+                      <a:headEnd type="none" w="med" len="med"/>
+                      <a:tailEnd type="none" w="med" len="med"/>
+                    </a:lnL>
+                    <a:lnR w="10582" cap="flat" cmpd="sng" algn="ctr">
+                      <a:solidFill>
+                        <a:srgbClr val="D1D1D1"/>
+                      </a:solidFill>
+                      <a:prstDash val="solid"/>
+                      <a:round/>
+                      <a:headEnd type="none" w="med" len="med"/>
+                      <a:tailEnd type="none" w="med" len="med"/>
+                    </a:lnR>
+                    <a:lnT w="10582" cap="flat" cmpd="sng" algn="ctr">
+                      <a:solidFill>
+                        <a:srgbClr val="D1D1D1"/>
+                      </a:solidFill>
+                      <a:prstDash val="solid"/>
+                      <a:round/>
+                      <a:headEnd type="none" w="med" len="med"/>
+                      <a:tailEnd type="none" w="med" len="med"/>
+                    </a:lnT>
+                    <a:lnB w="10582" cap="flat" cmpd="sng" algn="ctr">
+                      <a:solidFill>
+                        <a:srgbClr val="D1D1D1"/>
+                      </a:solidFill>
+                      <a:prstDash val="solid"/>
+                      <a:round/>
+                      <a:headEnd type="none" w="med" len="med"/>
+                      <a:tailEnd type="none" w="med" len="med"/>
+                    </a:lnB>
+                    <a:solidFill>
+                      <a:srgbClr val="FFFFFF"/>
+                    </a:solidFill>
+                  </a:tcPr>
+                </a:tc>
+                <a:tc>
+                  <a:txBody>
+                    <a:bodyPr/>
+                    <a:lstStyle/>
+                    <a:p>
+                      <a:pPr algn="l" fontAlgn="t">
+                        <a:buNone/>
+                      </a:pPr>
+                      <a:r>
+                        <a:rPr lang="en-US" sz="1800" b="1" dirty="0">
+                          <a:effectLst/>
+                        </a:rPr>
+                        <a:t>Support</a:t>
+                      </a:r>
+                    </a:p>
+                  </a:txBody>
+                  <a:tcPr marL="49694" marR="49694" marT="24847" marB="24847">
+                    <a:lnL w="10582" cap="flat" cmpd="sng" algn="ctr">
+                      <a:solidFill>
+                        <a:srgbClr val="D1D1D1"/>
+                      </a:solidFill>
+                      <a:prstDash val="solid"/>
+                      <a:round/>
+                      <a:headEnd type="none" w="med" len="med"/>
+                      <a:tailEnd type="none" w="med" len="med"/>
+                    </a:lnL>
+                    <a:lnR w="10582" cap="flat" cmpd="sng" algn="ctr">
+                      <a:solidFill>
+                        <a:srgbClr val="D1D1D1"/>
+                      </a:solidFill>
+                      <a:prstDash val="solid"/>
+                      <a:round/>
+                      <a:headEnd type="none" w="med" len="med"/>
+                      <a:tailEnd type="none" w="med" len="med"/>
+                    </a:lnR>
+                    <a:lnT w="10582" cap="flat" cmpd="sng" algn="ctr">
+                      <a:solidFill>
+                        <a:srgbClr val="D1D1D1"/>
+                      </a:solidFill>
+                      <a:prstDash val="solid"/>
+                      <a:round/>
+                      <a:headEnd type="none" w="med" len="med"/>
+                      <a:tailEnd type="none" w="med" len="med"/>
+                    </a:lnT>
+                    <a:lnB w="10582" cap="flat" cmpd="sng" algn="ctr">
+                      <a:solidFill>
+                        <a:srgbClr val="D1D1D1"/>
+                      </a:solidFill>
+                      <a:prstDash val="solid"/>
+                      <a:round/>
+                      <a:headEnd type="none" w="med" len="med"/>
+                      <a:tailEnd type="none" w="med" len="med"/>
+                    </a:lnB>
+                    <a:solidFill>
+                      <a:srgbClr val="FFFFFF"/>
+                    </a:solidFill>
+                  </a:tcPr>
+                </a:tc>
+                <a:extLst>
+                  <a:ext uri="{0D108BD9-81ED-4DB2-BD59-A6C34878D82A}">
+                    <a16:rowId xmlns:a16="http://schemas.microsoft.com/office/drawing/2014/main" val="1036579789"/>
+                  </a:ext>
+                </a:extLst>
+              </a:tr>
+              <a:tr h="347861">
+                <a:tc>
+                  <a:txBody>
+                    <a:bodyPr/>
+                    <a:lstStyle/>
+                    <a:p>
+                      <a:pPr algn="l" fontAlgn="t">
+                        <a:buNone/>
+                      </a:pPr>
+                      <a:r>
+                        <a:rPr lang="en-US" sz="1800">
+                          <a:effectLst/>
+                        </a:rPr>
+                        <a:t>Cilium</a:t>
+                      </a:r>
+                    </a:p>
+                  </a:txBody>
+                  <a:tcPr marL="49694" marR="49694" marT="24847" marB="24847">
+                    <a:lnL w="10582" cap="flat" cmpd="sng" algn="ctr">
+                      <a:solidFill>
+                        <a:srgbClr val="D1D1D1"/>
+                      </a:solidFill>
+                      <a:prstDash val="solid"/>
+                      <a:round/>
+                      <a:headEnd type="none" w="med" len="med"/>
+                      <a:tailEnd type="none" w="med" len="med"/>
+                    </a:lnL>
+                    <a:lnR w="10582" cap="flat" cmpd="sng" algn="ctr">
+                      <a:solidFill>
+                        <a:srgbClr val="D1D1D1"/>
+                      </a:solidFill>
+                      <a:prstDash val="solid"/>
+                      <a:round/>
+                      <a:headEnd type="none" w="med" len="med"/>
+                      <a:tailEnd type="none" w="med" len="med"/>
+                    </a:lnR>
+                    <a:lnT w="10582" cap="flat" cmpd="sng" algn="ctr">
+                      <a:solidFill>
+                        <a:srgbClr val="D1D1D1"/>
+                      </a:solidFill>
+                      <a:prstDash val="solid"/>
+                      <a:round/>
+                      <a:headEnd type="none" w="med" len="med"/>
+                      <a:tailEnd type="none" w="med" len="med"/>
+                    </a:lnT>
+                    <a:lnB w="10582" cap="flat" cmpd="sng" algn="ctr">
+                      <a:solidFill>
+                        <a:srgbClr val="D1D1D1"/>
+                      </a:solidFill>
+                      <a:prstDash val="solid"/>
+                      <a:round/>
+                      <a:headEnd type="none" w="med" len="med"/>
+                      <a:tailEnd type="none" w="med" len="med"/>
+                    </a:lnB>
+                    <a:solidFill>
+                      <a:srgbClr val="FFFFFF"/>
+                    </a:solidFill>
+                  </a:tcPr>
+                </a:tc>
+                <a:tc>
+                  <a:txBody>
+                    <a:bodyPr/>
+                    <a:lstStyle/>
+                    <a:p>
+                      <a:pPr algn="l" fontAlgn="t">
+                        <a:buNone/>
+                      </a:pPr>
+                      <a:r>
+                        <a:rPr lang="en-US" sz="1800">
+                          <a:effectLst/>
+                        </a:rPr>
+                        <a:t>Linux</a:t>
+                      </a:r>
+                    </a:p>
+                  </a:txBody>
+                  <a:tcPr marL="49694" marR="49694" marT="24847" marB="24847">
+                    <a:lnL w="10582" cap="flat" cmpd="sng" algn="ctr">
+                      <a:solidFill>
+                        <a:srgbClr val="D1D1D1"/>
+                      </a:solidFill>
+                      <a:prstDash val="solid"/>
+                      <a:round/>
+                      <a:headEnd type="none" w="med" len="med"/>
+                      <a:tailEnd type="none" w="med" len="med"/>
+                    </a:lnL>
+                    <a:lnR w="10582" cap="flat" cmpd="sng" algn="ctr">
+                      <a:solidFill>
+                        <a:srgbClr val="D1D1D1"/>
+                      </a:solidFill>
+                      <a:prstDash val="solid"/>
+                      <a:round/>
+                      <a:headEnd type="none" w="med" len="med"/>
+                      <a:tailEnd type="none" w="med" len="med"/>
+                    </a:lnR>
+                    <a:lnT w="10582" cap="flat" cmpd="sng" algn="ctr">
+                      <a:solidFill>
+                        <a:srgbClr val="D1D1D1"/>
+                      </a:solidFill>
+                      <a:prstDash val="solid"/>
+                      <a:round/>
+                      <a:headEnd type="none" w="med" len="med"/>
+                      <a:tailEnd type="none" w="med" len="med"/>
+                    </a:lnT>
+                    <a:lnB w="10582" cap="flat" cmpd="sng" algn="ctr">
+                      <a:solidFill>
+                        <a:srgbClr val="D1D1D1"/>
+                      </a:solidFill>
+                      <a:prstDash val="solid"/>
+                      <a:round/>
+                      <a:headEnd type="none" w="med" len="med"/>
+                      <a:tailEnd type="none" w="med" len="med"/>
+                    </a:lnB>
+                    <a:solidFill>
+                      <a:srgbClr val="FFFFFF"/>
+                    </a:solidFill>
+                  </a:tcPr>
+                </a:tc>
+                <a:tc>
+                  <a:txBody>
+                    <a:bodyPr/>
+                    <a:lstStyle/>
+                    <a:p>
+                      <a:pPr algn="l" fontAlgn="t">
+                        <a:buNone/>
+                      </a:pPr>
+                      <a:r>
+                        <a:rPr lang="en-US" sz="1800">
+                          <a:effectLst/>
+                        </a:rPr>
+                        <a:t>Azure CNI</a:t>
+                      </a:r>
+                    </a:p>
+                  </a:txBody>
+                  <a:tcPr marL="49694" marR="49694" marT="24847" marB="24847">
+                    <a:lnL w="10582" cap="flat" cmpd="sng" algn="ctr">
+                      <a:solidFill>
+                        <a:srgbClr val="D1D1D1"/>
+                      </a:solidFill>
+                      <a:prstDash val="solid"/>
+                      <a:round/>
+                      <a:headEnd type="none" w="med" len="med"/>
+                      <a:tailEnd type="none" w="med" len="med"/>
+                    </a:lnL>
+                    <a:lnR w="10582" cap="flat" cmpd="sng" algn="ctr">
+                      <a:solidFill>
+                        <a:srgbClr val="D1D1D1"/>
+                      </a:solidFill>
+                      <a:prstDash val="solid"/>
+                      <a:round/>
+                      <a:headEnd type="none" w="med" len="med"/>
+                      <a:tailEnd type="none" w="med" len="med"/>
+                    </a:lnR>
+                    <a:lnT w="10582" cap="flat" cmpd="sng" algn="ctr">
+                      <a:solidFill>
+                        <a:srgbClr val="D1D1D1"/>
+                      </a:solidFill>
+                      <a:prstDash val="solid"/>
+                      <a:round/>
+                      <a:headEnd type="none" w="med" len="med"/>
+                      <a:tailEnd type="none" w="med" len="med"/>
+                    </a:lnT>
+                    <a:lnB w="10582" cap="flat" cmpd="sng" algn="ctr">
+                      <a:solidFill>
+                        <a:srgbClr val="D1D1D1"/>
+                      </a:solidFill>
+                      <a:prstDash val="solid"/>
+                      <a:round/>
+                      <a:headEnd type="none" w="med" len="med"/>
+                      <a:tailEnd type="none" w="med" len="med"/>
+                    </a:lnB>
+                    <a:solidFill>
+                      <a:srgbClr val="FFFFFF"/>
+                    </a:solidFill>
+                  </a:tcPr>
+                </a:tc>
+                <a:tc>
+                  <a:txBody>
+                    <a:bodyPr/>
+                    <a:lstStyle/>
+                    <a:p>
+                      <a:pPr algn="l" fontAlgn="t">
+                        <a:buNone/>
+                      </a:pPr>
+                      <a:r>
+                        <a:rPr lang="en-US" sz="1800">
+                          <a:effectLst/>
+                        </a:rPr>
+                        <a:t>Supports all policy types</a:t>
+                      </a:r>
+                    </a:p>
+                  </a:txBody>
+                  <a:tcPr marL="49694" marR="49694" marT="24847" marB="24847">
+                    <a:lnL w="10582" cap="flat" cmpd="sng" algn="ctr">
+                      <a:solidFill>
+                        <a:srgbClr val="D1D1D1"/>
+                      </a:solidFill>
+                      <a:prstDash val="solid"/>
+                      <a:round/>
+                      <a:headEnd type="none" w="med" len="med"/>
+                      <a:tailEnd type="none" w="med" len="med"/>
+                    </a:lnL>
+                    <a:lnR w="10582" cap="flat" cmpd="sng" algn="ctr">
+                      <a:solidFill>
+                        <a:srgbClr val="D1D1D1"/>
+                      </a:solidFill>
+                      <a:prstDash val="solid"/>
+                      <a:round/>
+                      <a:headEnd type="none" w="med" len="med"/>
+                      <a:tailEnd type="none" w="med" len="med"/>
+                    </a:lnR>
+                    <a:lnT w="10582" cap="flat" cmpd="sng" algn="ctr">
+                      <a:solidFill>
+                        <a:srgbClr val="D1D1D1"/>
+                      </a:solidFill>
+                      <a:prstDash val="solid"/>
+                      <a:round/>
+                      <a:headEnd type="none" w="med" len="med"/>
+                      <a:tailEnd type="none" w="med" len="med"/>
+                    </a:lnT>
+                    <a:lnB w="10582" cap="flat" cmpd="sng" algn="ctr">
+                      <a:solidFill>
+                        <a:srgbClr val="D1D1D1"/>
+                      </a:solidFill>
+                      <a:prstDash val="solid"/>
+                      <a:round/>
+                      <a:headEnd type="none" w="med" len="med"/>
+                      <a:tailEnd type="none" w="med" len="med"/>
+                    </a:lnB>
+                    <a:solidFill>
+                      <a:srgbClr val="FFFFFF"/>
+                    </a:solidFill>
+                  </a:tcPr>
+                </a:tc>
+                <a:tc>
+                  <a:txBody>
+                    <a:bodyPr/>
+                    <a:lstStyle/>
+                    <a:p>
+                      <a:pPr algn="l" fontAlgn="t">
+                        <a:buNone/>
+                      </a:pPr>
+                      <a:r>
+                        <a:rPr lang="en-US" sz="1800" u="none" strike="noStrike">
+                          <a:solidFill>
+                            <a:srgbClr val="0065B3"/>
+                          </a:solidFill>
+                          <a:effectLst/>
+                          <a:hlinkClick r:id="rId3"/>
+                        </a:rPr>
+                        <a:t>FQDN</a:t>
+                      </a:r>
+                      <a:r>
+                        <a:rPr lang="en-US" sz="1800">
+                          <a:effectLst/>
+                        </a:rPr>
+                        <a:t>, L3/4, </a:t>
+                      </a:r>
+                      <a:r>
+                        <a:rPr lang="en-US" sz="1800" u="none" strike="noStrike">
+                          <a:solidFill>
+                            <a:srgbClr val="0065B3"/>
+                          </a:solidFill>
+                          <a:effectLst/>
+                          <a:hlinkClick r:id="rId4"/>
+                        </a:rPr>
+                        <a:t>L7</a:t>
+                      </a:r>
+                      <a:endParaRPr lang="en-US" sz="1800">
+                        <a:effectLst/>
+                      </a:endParaRPr>
+                    </a:p>
+                  </a:txBody>
+                  <a:tcPr marL="49694" marR="49694" marT="24847" marB="24847">
+                    <a:lnL w="10582" cap="flat" cmpd="sng" algn="ctr">
+                      <a:solidFill>
+                        <a:srgbClr val="D1D1D1"/>
+                      </a:solidFill>
+                      <a:prstDash val="solid"/>
+                      <a:round/>
+                      <a:headEnd type="none" w="med" len="med"/>
+                      <a:tailEnd type="none" w="med" len="med"/>
+                    </a:lnL>
+                    <a:lnR w="10582" cap="flat" cmpd="sng" algn="ctr">
+                      <a:solidFill>
+                        <a:srgbClr val="D1D1D1"/>
+                      </a:solidFill>
+                      <a:prstDash val="solid"/>
+                      <a:round/>
+                      <a:headEnd type="none" w="med" len="med"/>
+                      <a:tailEnd type="none" w="med" len="med"/>
+                    </a:lnR>
+                    <a:lnT w="10582" cap="flat" cmpd="sng" algn="ctr">
+                      <a:solidFill>
+                        <a:srgbClr val="D1D1D1"/>
+                      </a:solidFill>
+                      <a:prstDash val="solid"/>
+                      <a:round/>
+                      <a:headEnd type="none" w="med" len="med"/>
+                      <a:tailEnd type="none" w="med" len="med"/>
+                    </a:lnT>
+                    <a:lnB w="10582" cap="flat" cmpd="sng" algn="ctr">
+                      <a:solidFill>
+                        <a:srgbClr val="D1D1D1"/>
+                      </a:solidFill>
+                      <a:prstDash val="solid"/>
+                      <a:round/>
+                      <a:headEnd type="none" w="med" len="med"/>
+                      <a:tailEnd type="none" w="med" len="med"/>
+                    </a:lnB>
+                    <a:solidFill>
+                      <a:srgbClr val="FFFFFF"/>
+                    </a:solidFill>
+                  </a:tcPr>
+                </a:tc>
+                <a:tc>
+                  <a:txBody>
+                    <a:bodyPr/>
+                    <a:lstStyle/>
+                    <a:p>
+                      <a:pPr algn="l" fontAlgn="t">
+                        <a:buNone/>
+                      </a:pPr>
+                      <a:r>
+                        <a:rPr lang="en-US" sz="1800" dirty="0">
+                          <a:effectLst/>
+                        </a:rPr>
+                        <a:t>Azure support and engineering team</a:t>
+                      </a:r>
+                    </a:p>
+                  </a:txBody>
+                  <a:tcPr marL="49694" marR="49694" marT="24847" marB="24847">
+                    <a:lnL w="10582" cap="flat" cmpd="sng" algn="ctr">
+                      <a:solidFill>
+                        <a:srgbClr val="D1D1D1"/>
+                      </a:solidFill>
+                      <a:prstDash val="solid"/>
+                      <a:round/>
+                      <a:headEnd type="none" w="med" len="med"/>
+                      <a:tailEnd type="none" w="med" len="med"/>
+                    </a:lnL>
+                    <a:lnR w="10582" cap="flat" cmpd="sng" algn="ctr">
+                      <a:solidFill>
+                        <a:srgbClr val="D1D1D1"/>
+                      </a:solidFill>
+                      <a:prstDash val="solid"/>
+                      <a:round/>
+                      <a:headEnd type="none" w="med" len="med"/>
+                      <a:tailEnd type="none" w="med" len="med"/>
+                    </a:lnR>
+                    <a:lnT w="10582" cap="flat" cmpd="sng" algn="ctr">
+                      <a:solidFill>
+                        <a:srgbClr val="D1D1D1"/>
+                      </a:solidFill>
+                      <a:prstDash val="solid"/>
+                      <a:round/>
+                      <a:headEnd type="none" w="med" len="med"/>
+                      <a:tailEnd type="none" w="med" len="med"/>
+                    </a:lnT>
+                    <a:lnB w="10582" cap="flat" cmpd="sng" algn="ctr">
+                      <a:solidFill>
+                        <a:srgbClr val="D1D1D1"/>
+                      </a:solidFill>
+                      <a:prstDash val="solid"/>
+                      <a:round/>
+                      <a:headEnd type="none" w="med" len="med"/>
+                      <a:tailEnd type="none" w="med" len="med"/>
+                    </a:lnB>
+                    <a:solidFill>
+                      <a:srgbClr val="FFFFFF"/>
+                    </a:solidFill>
+                  </a:tcPr>
+                </a:tc>
+                <a:extLst>
+                  <a:ext uri="{0D108BD9-81ED-4DB2-BD59-A6C34878D82A}">
+                    <a16:rowId xmlns:a16="http://schemas.microsoft.com/office/drawing/2014/main" val="1024281862"/>
+                  </a:ext>
+                </a:extLst>
+              </a:tr>
+              <a:tr h="347861">
+                <a:tc>
+                  <a:txBody>
+                    <a:bodyPr/>
+                    <a:lstStyle/>
+                    <a:p>
+                      <a:pPr algn="l" fontAlgn="t">
+                        <a:buNone/>
+                      </a:pPr>
+                      <a:r>
+                        <a:rPr lang="en-US" sz="1800">
+                          <a:effectLst/>
+                        </a:rPr>
+                        <a:t>Azure NPM</a:t>
+                      </a:r>
+                    </a:p>
+                  </a:txBody>
+                  <a:tcPr marL="49694" marR="49694" marT="24847" marB="24847">
+                    <a:lnL w="10582" cap="flat" cmpd="sng" algn="ctr">
+                      <a:solidFill>
+                        <a:srgbClr val="D1D1D1"/>
+                      </a:solidFill>
+                      <a:prstDash val="solid"/>
+                      <a:round/>
+                      <a:headEnd type="none" w="med" len="med"/>
+                      <a:tailEnd type="none" w="med" len="med"/>
+                    </a:lnL>
+                    <a:lnR w="10582" cap="flat" cmpd="sng" algn="ctr">
+                      <a:solidFill>
+                        <a:srgbClr val="D1D1D1"/>
+                      </a:solidFill>
+                      <a:prstDash val="solid"/>
+                      <a:round/>
+                      <a:headEnd type="none" w="med" len="med"/>
+                      <a:tailEnd type="none" w="med" len="med"/>
+                    </a:lnR>
+                    <a:lnT w="10582" cap="flat" cmpd="sng" algn="ctr">
+                      <a:solidFill>
+                        <a:srgbClr val="D1D1D1"/>
+                      </a:solidFill>
+                      <a:prstDash val="solid"/>
+                      <a:round/>
+                      <a:headEnd type="none" w="med" len="med"/>
+                      <a:tailEnd type="none" w="med" len="med"/>
+                    </a:lnT>
+                    <a:lnB w="10582" cap="flat" cmpd="sng" algn="ctr">
+                      <a:solidFill>
+                        <a:srgbClr val="D1D1D1"/>
+                      </a:solidFill>
+                      <a:prstDash val="solid"/>
+                      <a:round/>
+                      <a:headEnd type="none" w="med" len="med"/>
+                      <a:tailEnd type="none" w="med" len="med"/>
+                    </a:lnB>
+                    <a:solidFill>
+                      <a:srgbClr val="FFFFFF"/>
+                    </a:solidFill>
+                  </a:tcPr>
+                </a:tc>
+                <a:tc>
+                  <a:txBody>
+                    <a:bodyPr/>
+                    <a:lstStyle/>
+                    <a:p>
+                      <a:pPr algn="l" fontAlgn="t">
+                        <a:buNone/>
+                      </a:pPr>
+                      <a:r>
+                        <a:rPr lang="en-US" sz="1800">
+                          <a:effectLst/>
+                        </a:rPr>
+                        <a:t>Linux, Windows Server 2022</a:t>
+                      </a:r>
+                    </a:p>
+                  </a:txBody>
+                  <a:tcPr marL="49694" marR="49694" marT="24847" marB="24847">
+                    <a:lnL w="10582" cap="flat" cmpd="sng" algn="ctr">
+                      <a:solidFill>
+                        <a:srgbClr val="D1D1D1"/>
+                      </a:solidFill>
+                      <a:prstDash val="solid"/>
+                      <a:round/>
+                      <a:headEnd type="none" w="med" len="med"/>
+                      <a:tailEnd type="none" w="med" len="med"/>
+                    </a:lnL>
+                    <a:lnR w="10582" cap="flat" cmpd="sng" algn="ctr">
+                      <a:solidFill>
+                        <a:srgbClr val="D1D1D1"/>
+                      </a:solidFill>
+                      <a:prstDash val="solid"/>
+                      <a:round/>
+                      <a:headEnd type="none" w="med" len="med"/>
+                      <a:tailEnd type="none" w="med" len="med"/>
+                    </a:lnR>
+                    <a:lnT w="10582" cap="flat" cmpd="sng" algn="ctr">
+                      <a:solidFill>
+                        <a:srgbClr val="D1D1D1"/>
+                      </a:solidFill>
+                      <a:prstDash val="solid"/>
+                      <a:round/>
+                      <a:headEnd type="none" w="med" len="med"/>
+                      <a:tailEnd type="none" w="med" len="med"/>
+                    </a:lnT>
+                    <a:lnB w="10582" cap="flat" cmpd="sng" algn="ctr">
+                      <a:solidFill>
+                        <a:srgbClr val="D1D1D1"/>
+                      </a:solidFill>
+                      <a:prstDash val="solid"/>
+                      <a:round/>
+                      <a:headEnd type="none" w="med" len="med"/>
+                      <a:tailEnd type="none" w="med" len="med"/>
+                    </a:lnB>
+                    <a:solidFill>
+                      <a:srgbClr val="FFFFFF"/>
+                    </a:solidFill>
+                  </a:tcPr>
+                </a:tc>
+                <a:tc>
+                  <a:txBody>
+                    <a:bodyPr/>
+                    <a:lstStyle/>
+                    <a:p>
+                      <a:pPr algn="l" fontAlgn="t">
+                        <a:buNone/>
+                      </a:pPr>
+                      <a:r>
+                        <a:rPr lang="en-US" sz="1800">
+                          <a:effectLst/>
+                        </a:rPr>
+                        <a:t>Azure CNI</a:t>
+                      </a:r>
+                    </a:p>
+                  </a:txBody>
+                  <a:tcPr marL="49694" marR="49694" marT="24847" marB="24847">
+                    <a:lnL w="10582" cap="flat" cmpd="sng" algn="ctr">
+                      <a:solidFill>
+                        <a:srgbClr val="D1D1D1"/>
+                      </a:solidFill>
+                      <a:prstDash val="solid"/>
+                      <a:round/>
+                      <a:headEnd type="none" w="med" len="med"/>
+                      <a:tailEnd type="none" w="med" len="med"/>
+                    </a:lnL>
+                    <a:lnR w="10582" cap="flat" cmpd="sng" algn="ctr">
+                      <a:solidFill>
+                        <a:srgbClr val="D1D1D1"/>
+                      </a:solidFill>
+                      <a:prstDash val="solid"/>
+                      <a:round/>
+                      <a:headEnd type="none" w="med" len="med"/>
+                      <a:tailEnd type="none" w="med" len="med"/>
+                    </a:lnR>
+                    <a:lnT w="10582" cap="flat" cmpd="sng" algn="ctr">
+                      <a:solidFill>
+                        <a:srgbClr val="D1D1D1"/>
+                      </a:solidFill>
+                      <a:prstDash val="solid"/>
+                      <a:round/>
+                      <a:headEnd type="none" w="med" len="med"/>
+                      <a:tailEnd type="none" w="med" len="med"/>
+                    </a:lnT>
+                    <a:lnB w="10582" cap="flat" cmpd="sng" algn="ctr">
+                      <a:solidFill>
+                        <a:srgbClr val="D1D1D1"/>
+                      </a:solidFill>
+                      <a:prstDash val="solid"/>
+                      <a:round/>
+                      <a:headEnd type="none" w="med" len="med"/>
+                      <a:tailEnd type="none" w="med" len="med"/>
+                    </a:lnB>
+                    <a:solidFill>
+                      <a:srgbClr val="FFFFFF"/>
+                    </a:solidFill>
+                  </a:tcPr>
+                </a:tc>
+                <a:tc>
+                  <a:txBody>
+                    <a:bodyPr/>
+                    <a:lstStyle/>
+                    <a:p>
+                      <a:pPr algn="l" fontAlgn="t">
+                        <a:buNone/>
+                      </a:pPr>
+                      <a:r>
+                        <a:rPr lang="en-US" sz="1800">
+                          <a:effectLst/>
+                        </a:rPr>
+                        <a:t>Supports all policy types</a:t>
+                      </a:r>
+                    </a:p>
+                  </a:txBody>
+                  <a:tcPr marL="49694" marR="49694" marT="24847" marB="24847">
+                    <a:lnL w="10582" cap="flat" cmpd="sng" algn="ctr">
+                      <a:solidFill>
+                        <a:srgbClr val="D1D1D1"/>
+                      </a:solidFill>
+                      <a:prstDash val="solid"/>
+                      <a:round/>
+                      <a:headEnd type="none" w="med" len="med"/>
+                      <a:tailEnd type="none" w="med" len="med"/>
+                    </a:lnL>
+                    <a:lnR w="10582" cap="flat" cmpd="sng" algn="ctr">
+                      <a:solidFill>
+                        <a:srgbClr val="D1D1D1"/>
+                      </a:solidFill>
+                      <a:prstDash val="solid"/>
+                      <a:round/>
+                      <a:headEnd type="none" w="med" len="med"/>
+                      <a:tailEnd type="none" w="med" len="med"/>
+                    </a:lnR>
+                    <a:lnT w="10582" cap="flat" cmpd="sng" algn="ctr">
+                      <a:solidFill>
+                        <a:srgbClr val="D1D1D1"/>
+                      </a:solidFill>
+                      <a:prstDash val="solid"/>
+                      <a:round/>
+                      <a:headEnd type="none" w="med" len="med"/>
+                      <a:tailEnd type="none" w="med" len="med"/>
+                    </a:lnT>
+                    <a:lnB w="10582" cap="flat" cmpd="sng" algn="ctr">
+                      <a:solidFill>
+                        <a:srgbClr val="D1D1D1"/>
+                      </a:solidFill>
+                      <a:prstDash val="solid"/>
+                      <a:round/>
+                      <a:headEnd type="none" w="med" len="med"/>
+                      <a:tailEnd type="none" w="med" len="med"/>
+                    </a:lnB>
+                    <a:solidFill>
+                      <a:srgbClr val="FFFFFF"/>
+                    </a:solidFill>
+                  </a:tcPr>
+                </a:tc>
+                <a:tc>
+                  <a:txBody>
+                    <a:bodyPr/>
+                    <a:lstStyle/>
+                    <a:p>
+                      <a:pPr algn="l" fontAlgn="t">
+                        <a:buNone/>
+                      </a:pPr>
+                      <a:r>
+                        <a:rPr lang="en-US" sz="1800">
+                          <a:effectLst/>
+                        </a:rPr>
+                        <a:t>N/A</a:t>
+                      </a:r>
+                    </a:p>
+                  </a:txBody>
+                  <a:tcPr marL="49694" marR="49694" marT="24847" marB="24847">
+                    <a:lnL w="10582" cap="flat" cmpd="sng" algn="ctr">
+                      <a:solidFill>
+                        <a:srgbClr val="D1D1D1"/>
+                      </a:solidFill>
+                      <a:prstDash val="solid"/>
+                      <a:round/>
+                      <a:headEnd type="none" w="med" len="med"/>
+                      <a:tailEnd type="none" w="med" len="med"/>
+                    </a:lnL>
+                    <a:lnR w="10582" cap="flat" cmpd="sng" algn="ctr">
+                      <a:solidFill>
+                        <a:srgbClr val="D1D1D1"/>
+                      </a:solidFill>
+                      <a:prstDash val="solid"/>
+                      <a:round/>
+                      <a:headEnd type="none" w="med" len="med"/>
+                      <a:tailEnd type="none" w="med" len="med"/>
+                    </a:lnR>
+                    <a:lnT w="10582" cap="flat" cmpd="sng" algn="ctr">
+                      <a:solidFill>
+                        <a:srgbClr val="D1D1D1"/>
+                      </a:solidFill>
+                      <a:prstDash val="solid"/>
+                      <a:round/>
+                      <a:headEnd type="none" w="med" len="med"/>
+                      <a:tailEnd type="none" w="med" len="med"/>
+                    </a:lnT>
+                    <a:lnB w="10582" cap="flat" cmpd="sng" algn="ctr">
+                      <a:solidFill>
+                        <a:srgbClr val="D1D1D1"/>
+                      </a:solidFill>
+                      <a:prstDash val="solid"/>
+                      <a:round/>
+                      <a:headEnd type="none" w="med" len="med"/>
+                      <a:tailEnd type="none" w="med" len="med"/>
+                    </a:lnB>
+                    <a:solidFill>
+                      <a:srgbClr val="FFFFFF"/>
+                    </a:solidFill>
+                  </a:tcPr>
+                </a:tc>
+                <a:tc>
+                  <a:txBody>
+                    <a:bodyPr/>
+                    <a:lstStyle/>
+                    <a:p>
+                      <a:pPr algn="l" fontAlgn="t">
+                        <a:buNone/>
+                      </a:pPr>
+                      <a:r>
+                        <a:rPr lang="en-US" sz="1800" dirty="0">
+                          <a:effectLst/>
+                        </a:rPr>
+                        <a:t>Azure support and engineering team</a:t>
+                      </a:r>
+                    </a:p>
+                  </a:txBody>
+                  <a:tcPr marL="49694" marR="49694" marT="24847" marB="24847">
+                    <a:lnL w="10582" cap="flat" cmpd="sng" algn="ctr">
+                      <a:solidFill>
+                        <a:srgbClr val="D1D1D1"/>
+                      </a:solidFill>
+                      <a:prstDash val="solid"/>
+                      <a:round/>
+                      <a:headEnd type="none" w="med" len="med"/>
+                      <a:tailEnd type="none" w="med" len="med"/>
+                    </a:lnL>
+                    <a:lnR w="10582" cap="flat" cmpd="sng" algn="ctr">
+                      <a:solidFill>
+                        <a:srgbClr val="D1D1D1"/>
+                      </a:solidFill>
+                      <a:prstDash val="solid"/>
+                      <a:round/>
+                      <a:headEnd type="none" w="med" len="med"/>
+                      <a:tailEnd type="none" w="med" len="med"/>
+                    </a:lnR>
+                    <a:lnT w="10582" cap="flat" cmpd="sng" algn="ctr">
+                      <a:solidFill>
+                        <a:srgbClr val="D1D1D1"/>
+                      </a:solidFill>
+                      <a:prstDash val="solid"/>
+                      <a:round/>
+                      <a:headEnd type="none" w="med" len="med"/>
+                      <a:tailEnd type="none" w="med" len="med"/>
+                    </a:lnT>
+                    <a:lnB w="10582" cap="flat" cmpd="sng" algn="ctr">
+                      <a:solidFill>
+                        <a:srgbClr val="D1D1D1"/>
+                      </a:solidFill>
+                      <a:prstDash val="solid"/>
+                      <a:round/>
+                      <a:headEnd type="none" w="med" len="med"/>
+                      <a:tailEnd type="none" w="med" len="med"/>
+                    </a:lnB>
+                    <a:solidFill>
+                      <a:srgbClr val="FFFFFF"/>
+                    </a:solidFill>
+                  </a:tcPr>
+                </a:tc>
+                <a:extLst>
+                  <a:ext uri="{0D108BD9-81ED-4DB2-BD59-A6C34878D82A}">
+                    <a16:rowId xmlns:a16="http://schemas.microsoft.com/office/drawing/2014/main" val="3362670783"/>
+                  </a:ext>
+                </a:extLst>
+              </a:tr>
+              <a:tr h="944194">
+                <a:tc>
+                  <a:txBody>
+                    <a:bodyPr/>
+                    <a:lstStyle/>
+                    <a:p>
+                      <a:pPr algn="l" fontAlgn="t">
+                        <a:buNone/>
+                      </a:pPr>
+                      <a:r>
+                        <a:rPr lang="en-US" sz="1800">
+                          <a:effectLst/>
+                        </a:rPr>
+                        <a:t>Calico</a:t>
+                      </a:r>
+                    </a:p>
+                  </a:txBody>
+                  <a:tcPr marL="49694" marR="49694" marT="24847" marB="24847">
+                    <a:lnL w="10582" cap="flat" cmpd="sng" algn="ctr">
+                      <a:solidFill>
+                        <a:srgbClr val="D1D1D1"/>
+                      </a:solidFill>
+                      <a:prstDash val="solid"/>
+                      <a:round/>
+                      <a:headEnd type="none" w="med" len="med"/>
+                      <a:tailEnd type="none" w="med" len="med"/>
+                    </a:lnL>
+                    <a:lnR w="10582" cap="flat" cmpd="sng" algn="ctr">
+                      <a:solidFill>
+                        <a:srgbClr val="D1D1D1"/>
+                      </a:solidFill>
+                      <a:prstDash val="solid"/>
+                      <a:round/>
+                      <a:headEnd type="none" w="med" len="med"/>
+                      <a:tailEnd type="none" w="med" len="med"/>
+                    </a:lnR>
+                    <a:lnT w="10582" cap="flat" cmpd="sng" algn="ctr">
+                      <a:solidFill>
+                        <a:srgbClr val="D1D1D1"/>
+                      </a:solidFill>
+                      <a:prstDash val="solid"/>
+                      <a:round/>
+                      <a:headEnd type="none" w="med" len="med"/>
+                      <a:tailEnd type="none" w="med" len="med"/>
+                    </a:lnT>
+                    <a:lnB w="10582" cap="flat" cmpd="sng" algn="ctr">
+                      <a:solidFill>
+                        <a:srgbClr val="D1D1D1"/>
+                      </a:solidFill>
+                      <a:prstDash val="solid"/>
+                      <a:round/>
+                      <a:headEnd type="none" w="med" len="med"/>
+                      <a:tailEnd type="none" w="med" len="med"/>
+                    </a:lnB>
+                    <a:solidFill>
+                      <a:srgbClr val="FFFFFF"/>
+                    </a:solidFill>
+                  </a:tcPr>
+                </a:tc>
+                <a:tc>
+                  <a:txBody>
+                    <a:bodyPr/>
+                    <a:lstStyle/>
+                    <a:p>
+                      <a:pPr algn="l" fontAlgn="t">
+                        <a:buNone/>
+                      </a:pPr>
+                      <a:r>
+                        <a:rPr lang="en-US" sz="1800">
+                          <a:effectLst/>
+                        </a:rPr>
+                        <a:t>Linux, Windows Server 2019, Windows Server 2022</a:t>
+                      </a:r>
+                    </a:p>
+                  </a:txBody>
+                  <a:tcPr marL="49694" marR="49694" marT="24847" marB="24847">
+                    <a:lnL w="10582" cap="flat" cmpd="sng" algn="ctr">
+                      <a:solidFill>
+                        <a:srgbClr val="D1D1D1"/>
+                      </a:solidFill>
+                      <a:prstDash val="solid"/>
+                      <a:round/>
+                      <a:headEnd type="none" w="med" len="med"/>
+                      <a:tailEnd type="none" w="med" len="med"/>
+                    </a:lnL>
+                    <a:lnR w="10582" cap="flat" cmpd="sng" algn="ctr">
+                      <a:solidFill>
+                        <a:srgbClr val="D1D1D1"/>
+                      </a:solidFill>
+                      <a:prstDash val="solid"/>
+                      <a:round/>
+                      <a:headEnd type="none" w="med" len="med"/>
+                      <a:tailEnd type="none" w="med" len="med"/>
+                    </a:lnR>
+                    <a:lnT w="10582" cap="flat" cmpd="sng" algn="ctr">
+                      <a:solidFill>
+                        <a:srgbClr val="D1D1D1"/>
+                      </a:solidFill>
+                      <a:prstDash val="solid"/>
+                      <a:round/>
+                      <a:headEnd type="none" w="med" len="med"/>
+                      <a:tailEnd type="none" w="med" len="med"/>
+                    </a:lnT>
+                    <a:lnB w="10582" cap="flat" cmpd="sng" algn="ctr">
+                      <a:solidFill>
+                        <a:srgbClr val="D1D1D1"/>
+                      </a:solidFill>
+                      <a:prstDash val="solid"/>
+                      <a:round/>
+                      <a:headEnd type="none" w="med" len="med"/>
+                      <a:tailEnd type="none" w="med" len="med"/>
+                    </a:lnB>
+                    <a:solidFill>
+                      <a:srgbClr val="FFFFFF"/>
+                    </a:solidFill>
+                  </a:tcPr>
+                </a:tc>
+                <a:tc>
+                  <a:txBody>
+                    <a:bodyPr/>
+                    <a:lstStyle/>
+                    <a:p>
+                      <a:pPr algn="l" fontAlgn="t">
+                        <a:buNone/>
+                      </a:pPr>
+                      <a:r>
+                        <a:rPr lang="en-US" sz="1800">
+                          <a:effectLst/>
+                        </a:rPr>
+                        <a:t>Azure CNI (Linux, Windows Server 2019, Windows Server 2022) and kubenet (Linux)</a:t>
+                      </a:r>
+                    </a:p>
+                  </a:txBody>
+                  <a:tcPr marL="49694" marR="49694" marT="24847" marB="24847">
+                    <a:lnL w="10582" cap="flat" cmpd="sng" algn="ctr">
+                      <a:solidFill>
+                        <a:srgbClr val="D1D1D1"/>
+                      </a:solidFill>
+                      <a:prstDash val="solid"/>
+                      <a:round/>
+                      <a:headEnd type="none" w="med" len="med"/>
+                      <a:tailEnd type="none" w="med" len="med"/>
+                    </a:lnL>
+                    <a:lnR w="10582" cap="flat" cmpd="sng" algn="ctr">
+                      <a:solidFill>
+                        <a:srgbClr val="D1D1D1"/>
+                      </a:solidFill>
+                      <a:prstDash val="solid"/>
+                      <a:round/>
+                      <a:headEnd type="none" w="med" len="med"/>
+                      <a:tailEnd type="none" w="med" len="med"/>
+                    </a:lnR>
+                    <a:lnT w="10582" cap="flat" cmpd="sng" algn="ctr">
+                      <a:solidFill>
+                        <a:srgbClr val="D1D1D1"/>
+                      </a:solidFill>
+                      <a:prstDash val="solid"/>
+                      <a:round/>
+                      <a:headEnd type="none" w="med" len="med"/>
+                      <a:tailEnd type="none" w="med" len="med"/>
+                    </a:lnT>
+                    <a:lnB w="10582" cap="flat" cmpd="sng" algn="ctr">
+                      <a:solidFill>
+                        <a:srgbClr val="D1D1D1"/>
+                      </a:solidFill>
+                      <a:prstDash val="solid"/>
+                      <a:round/>
+                      <a:headEnd type="none" w="med" len="med"/>
+                      <a:tailEnd type="none" w="med" len="med"/>
+                    </a:lnB>
+                    <a:solidFill>
+                      <a:srgbClr val="FFFFFF"/>
+                    </a:solidFill>
+                  </a:tcPr>
+                </a:tc>
+                <a:tc>
+                  <a:txBody>
+                    <a:bodyPr/>
+                    <a:lstStyle/>
+                    <a:p>
+                      <a:pPr algn="l" fontAlgn="t">
+                        <a:buNone/>
+                      </a:pPr>
+                      <a:r>
+                        <a:rPr lang="en-US" sz="1800">
+                          <a:effectLst/>
+                        </a:rPr>
+                        <a:t>Supports all policy types</a:t>
+                      </a:r>
+                    </a:p>
+                  </a:txBody>
+                  <a:tcPr marL="49694" marR="49694" marT="24847" marB="24847">
+                    <a:lnL w="10582" cap="flat" cmpd="sng" algn="ctr">
+                      <a:solidFill>
+                        <a:srgbClr val="D1D1D1"/>
+                      </a:solidFill>
+                      <a:prstDash val="solid"/>
+                      <a:round/>
+                      <a:headEnd type="none" w="med" len="med"/>
+                      <a:tailEnd type="none" w="med" len="med"/>
+                    </a:lnL>
+                    <a:lnR w="10582" cap="flat" cmpd="sng" algn="ctr">
+                      <a:solidFill>
+                        <a:srgbClr val="D1D1D1"/>
+                      </a:solidFill>
+                      <a:prstDash val="solid"/>
+                      <a:round/>
+                      <a:headEnd type="none" w="med" len="med"/>
+                      <a:tailEnd type="none" w="med" len="med"/>
+                    </a:lnR>
+                    <a:lnT w="10582" cap="flat" cmpd="sng" algn="ctr">
+                      <a:solidFill>
+                        <a:srgbClr val="D1D1D1"/>
+                      </a:solidFill>
+                      <a:prstDash val="solid"/>
+                      <a:round/>
+                      <a:headEnd type="none" w="med" len="med"/>
+                      <a:tailEnd type="none" w="med" len="med"/>
+                    </a:lnT>
+                    <a:lnB w="10582" cap="flat" cmpd="sng" algn="ctr">
+                      <a:solidFill>
+                        <a:srgbClr val="D1D1D1"/>
+                      </a:solidFill>
+                      <a:prstDash val="solid"/>
+                      <a:round/>
+                      <a:headEnd type="none" w="med" len="med"/>
+                      <a:tailEnd type="none" w="med" len="med"/>
+                    </a:lnB>
+                    <a:solidFill>
+                      <a:srgbClr val="FFFFFF"/>
+                    </a:solidFill>
+                  </a:tcPr>
+                </a:tc>
+                <a:tc>
+                  <a:txBody>
+                    <a:bodyPr/>
+                    <a:lstStyle/>
+                    <a:p>
+                      <a:pPr algn="l" fontAlgn="t">
+                        <a:buNone/>
+                      </a:pPr>
+                      <a:r>
+                        <a:rPr lang="en-US" sz="1800">
+                          <a:effectLst/>
+                        </a:rPr>
+                        <a:t>While Calico has many features that AKS doesn't block, AKS doesn't test or support them. For more information, see </a:t>
+                      </a:r>
+                      <a:r>
+                        <a:rPr lang="en-US" sz="1800" u="none" strike="noStrike">
+                          <a:solidFill>
+                            <a:srgbClr val="0065B3"/>
+                          </a:solidFill>
+                          <a:effectLst/>
+                          <a:hlinkClick r:id="rId5"/>
+                        </a:rPr>
+                        <a:t>Calico Network Policy issue</a:t>
+                      </a:r>
+                      <a:r>
+                        <a:rPr lang="en-US" sz="1800">
+                          <a:effectLst/>
+                        </a:rPr>
+                        <a:t>.</a:t>
+                      </a:r>
+                    </a:p>
+                  </a:txBody>
+                  <a:tcPr marL="49694" marR="49694" marT="24847" marB="24847">
+                    <a:lnL w="10582" cap="flat" cmpd="sng" algn="ctr">
+                      <a:solidFill>
+                        <a:srgbClr val="D1D1D1"/>
+                      </a:solidFill>
+                      <a:prstDash val="solid"/>
+                      <a:round/>
+                      <a:headEnd type="none" w="med" len="med"/>
+                      <a:tailEnd type="none" w="med" len="med"/>
+                    </a:lnL>
+                    <a:lnR w="10582" cap="flat" cmpd="sng" algn="ctr">
+                      <a:solidFill>
+                        <a:srgbClr val="D1D1D1"/>
+                      </a:solidFill>
+                      <a:prstDash val="solid"/>
+                      <a:round/>
+                      <a:headEnd type="none" w="med" len="med"/>
+                      <a:tailEnd type="none" w="med" len="med"/>
+                    </a:lnR>
+                    <a:lnT w="10582" cap="flat" cmpd="sng" algn="ctr">
+                      <a:solidFill>
+                        <a:srgbClr val="D1D1D1"/>
+                      </a:solidFill>
+                      <a:prstDash val="solid"/>
+                      <a:round/>
+                      <a:headEnd type="none" w="med" len="med"/>
+                      <a:tailEnd type="none" w="med" len="med"/>
+                    </a:lnT>
+                    <a:lnB w="10582" cap="flat" cmpd="sng" algn="ctr">
+                      <a:solidFill>
+                        <a:srgbClr val="D1D1D1"/>
+                      </a:solidFill>
+                      <a:prstDash val="solid"/>
+                      <a:round/>
+                      <a:headEnd type="none" w="med" len="med"/>
+                      <a:tailEnd type="none" w="med" len="med"/>
+                    </a:lnB>
+                    <a:solidFill>
+                      <a:srgbClr val="FFFFFF"/>
+                    </a:solidFill>
+                  </a:tcPr>
+                </a:tc>
+                <a:tc>
+                  <a:txBody>
+                    <a:bodyPr/>
+                    <a:lstStyle/>
+                    <a:p>
+                      <a:pPr algn="l" fontAlgn="t">
+                        <a:buNone/>
+                      </a:pPr>
+                      <a:r>
+                        <a:rPr lang="en-US" sz="1800" dirty="0">
+                          <a:effectLst/>
+                        </a:rPr>
+                        <a:t>Azure support and engineering team</a:t>
+                      </a:r>
+                    </a:p>
+                  </a:txBody>
+                  <a:tcPr marL="49694" marR="49694" marT="24847" marB="24847">
+                    <a:lnL w="10582" cap="flat" cmpd="sng" algn="ctr">
+                      <a:solidFill>
+                        <a:srgbClr val="D1D1D1"/>
+                      </a:solidFill>
+                      <a:prstDash val="solid"/>
+                      <a:round/>
+                      <a:headEnd type="none" w="med" len="med"/>
+                      <a:tailEnd type="none" w="med" len="med"/>
+                    </a:lnL>
+                    <a:lnR w="10582" cap="flat" cmpd="sng" algn="ctr">
+                      <a:solidFill>
+                        <a:srgbClr val="D1D1D1"/>
+                      </a:solidFill>
+                      <a:prstDash val="solid"/>
+                      <a:round/>
+                      <a:headEnd type="none" w="med" len="med"/>
+                      <a:tailEnd type="none" w="med" len="med"/>
+                    </a:lnR>
+                    <a:lnT w="10582" cap="flat" cmpd="sng" algn="ctr">
+                      <a:solidFill>
+                        <a:srgbClr val="D1D1D1"/>
+                      </a:solidFill>
+                      <a:prstDash val="solid"/>
+                      <a:round/>
+                      <a:headEnd type="none" w="med" len="med"/>
+                      <a:tailEnd type="none" w="med" len="med"/>
+                    </a:lnT>
+                    <a:lnB w="10582" cap="flat" cmpd="sng" algn="ctr">
+                      <a:solidFill>
+                        <a:srgbClr val="D1D1D1"/>
+                      </a:solidFill>
+                      <a:prstDash val="solid"/>
+                      <a:round/>
+                      <a:headEnd type="none" w="med" len="med"/>
+                      <a:tailEnd type="none" w="med" len="med"/>
+                    </a:lnB>
+                    <a:solidFill>
+                      <a:srgbClr val="FFFFFF"/>
+                    </a:solidFill>
+                  </a:tcPr>
+                </a:tc>
+                <a:extLst>
+                  <a:ext uri="{0D108BD9-81ED-4DB2-BD59-A6C34878D82A}">
+                    <a16:rowId xmlns:a16="http://schemas.microsoft.com/office/drawing/2014/main" val="3225108245"/>
+                  </a:ext>
+                </a:extLst>
+              </a:tr>
+            </a:tbl>
+          </a:graphicData>
+        </a:graphic>
+      </p:graphicFrame>
+    </p:spTree>
+    <p:extLst>
+      <p:ext uri="{BB962C8B-B14F-4D97-AF65-F5344CB8AC3E}">
+        <p14:creationId xmlns:p14="http://schemas.microsoft.com/office/powerpoint/2010/main" val="4108619422"/>
+      </p:ext>
+    </p:extLst>
+  </p:cSld>
+  <p:clrMapOvr>
+    <a:masterClrMapping/>
+  </p:clrMapOvr>
+</p:sld>
+</file>
+
+<file path=ppt/slides/slide47.xml><?xml version="1.0" encoding="utf-8"?>
+<p:sld xmlns:a="http://schemas.openxmlformats.org/drawingml/2006/main" xmlns:r="http://schemas.openxmlformats.org/officeDocument/2006/relationships" xmlns:p="http://schemas.openxmlformats.org/presentationml/2006/main">
+  <p:cSld>
+    <p:bg>
+      <p:bgPr>
+        <a:solidFill>
+          <a:schemeClr val="bg1"/>
+        </a:solidFill>
+        <a:effectLst/>
+      </p:bgPr>
+    </p:bg>
+    <p:spTree>
+      <p:nvGrpSpPr>
+        <p:cNvPr id="1" name="">
+          <a:extLst>
+            <a:ext uri="{FF2B5EF4-FFF2-40B4-BE49-F238E27FC236}">
+              <a16:creationId xmlns:a16="http://schemas.microsoft.com/office/drawing/2014/main" id="{A4D6CF36-9193-8F05-C35B-447DA5F8EEDE}"/>
+            </a:ext>
+          </a:extLst>
+        </p:cNvPr>
+        <p:cNvGrpSpPr/>
+        <p:nvPr/>
+      </p:nvGrpSpPr>
+      <p:grpSpPr>
+        <a:xfrm>
+          <a:off x="0" y="0"/>
+          <a:ext cx="0" cy="0"/>
+          <a:chOff x="0" y="0"/>
+          <a:chExt cx="0" cy="0"/>
+        </a:xfrm>
+      </p:grpSpPr>
+      <p:sp useBgFill="1">
+        <p:nvSpPr>
+          <p:cNvPr id="12" name="Rectangle 11">
+            <a:extLst>
+              <a:ext uri="{FF2B5EF4-FFF2-40B4-BE49-F238E27FC236}">
+                <a16:creationId xmlns:a16="http://schemas.microsoft.com/office/drawing/2014/main" id="{2F252346-E6B2-B70E-3EDD-05B265407C98}"/>
+              </a:ext>
+              <a:ext uri="{C183D7F6-B498-43B3-948B-1728B52AA6E4}">
+                <adec:decorative xmlns:adec="http://schemas.microsoft.com/office/drawing/2017/decorative" val="1"/>
+              </a:ext>
+            </a:extLst>
+          </p:cNvPr>
+          <p:cNvSpPr>
+            <a:spLocks noGrp="1" noRot="1" noChangeAspect="1" noMove="1" noResize="1" noEditPoints="1" noAdjustHandles="1" noChangeArrowheads="1" noChangeShapeType="1" noTextEdit="1"/>
+          </p:cNvSpPr>
+          <p:nvPr>
+            <p:extLst>
+              <p:ext uri="{386F3935-93C4-4BCD-93E2-E3B085C9AB24}">
+                <p16:designElem xmlns:p16="http://schemas.microsoft.com/office/powerpoint/2015/main" val="1"/>
+              </p:ext>
+            </p:extLst>
+          </p:nvPr>
+        </p:nvSpPr>
+        <p:spPr>
+          <a:xfrm>
+            <a:off x="0" y="0"/>
+            <a:ext cx="12188952" cy="6858000"/>
+          </a:xfrm>
+          <a:prstGeom prst="rect">
+            <a:avLst/>
+          </a:prstGeom>
+          <a:ln>
+            <a:noFill/>
+          </a:ln>
+        </p:spPr>
+        <p:style>
+          <a:lnRef idx="2">
+            <a:schemeClr val="accent1">
+              <a:shade val="50000"/>
+            </a:schemeClr>
+          </a:lnRef>
+          <a:fillRef idx="1">
+            <a:schemeClr val="accent1"/>
+          </a:fillRef>
+          <a:effectRef idx="0">
+            <a:schemeClr val="accent1"/>
+          </a:effectRef>
+          <a:fontRef idx="minor">
+            <a:schemeClr val="lt1"/>
+          </a:fontRef>
+        </p:style>
+        <p:txBody>
+          <a:bodyPr rtlCol="0" anchor="ctr"/>
+          <a:lstStyle/>
+          <a:p>
+            <a:pPr marL="0" marR="0" lvl="0" indent="0" algn="ctr" defTabSz="914400" rtl="0" eaLnBrk="1" fontAlgn="auto" latinLnBrk="0" hangingPunct="1">
+              <a:lnSpc>
+                <a:spcPct val="100000"/>
+              </a:lnSpc>
+              <a:spcBef>
+                <a:spcPts val="0"/>
+              </a:spcBef>
+              <a:spcAft>
+                <a:spcPts val="0"/>
+              </a:spcAft>
+              <a:buClrTx/>
+              <a:buSzTx/>
+              <a:buFontTx/>
+              <a:buNone/>
+              <a:tabLst/>
+              <a:defRPr/>
+            </a:pPr>
+            <a:endParaRPr kumimoji="0" lang="en-US" sz="1800" b="0" i="0" u="none" strike="noStrike" kern="1200" cap="none" spc="0" normalizeH="0" baseline="0" noProof="0">
+              <a:ln>
+                <a:noFill/>
+              </a:ln>
+              <a:solidFill>
+                <a:prstClr val="white"/>
+              </a:solidFill>
+              <a:effectLst/>
+              <a:uLnTx/>
+              <a:uFillTx/>
+              <a:latin typeface="Aptos" panose="02110004020202020204"/>
+              <a:ea typeface="+mn-ea"/>
+              <a:cs typeface="+mn-cs"/>
+            </a:endParaRPr>
+          </a:p>
+        </p:txBody>
+      </p:sp>
+      <p:sp>
+        <p:nvSpPr>
+          <p:cNvPr id="2" name="Title 1">
+            <a:extLst>
+              <a:ext uri="{FF2B5EF4-FFF2-40B4-BE49-F238E27FC236}">
+                <a16:creationId xmlns:a16="http://schemas.microsoft.com/office/drawing/2014/main" id="{0808A107-7ECB-F82A-0B78-CDFEB50FBB06}"/>
+              </a:ext>
+            </a:extLst>
+          </p:cNvPr>
+          <p:cNvSpPr>
+            <a:spLocks noGrp="1"/>
+          </p:cNvSpPr>
+          <p:nvPr>
+            <p:ph type="title"/>
+          </p:nvPr>
+        </p:nvSpPr>
+        <p:spPr>
+          <a:xfrm>
+            <a:off x="838200" y="365125"/>
+            <a:ext cx="10515600" cy="1325563"/>
+          </a:xfrm>
+        </p:spPr>
+        <p:txBody>
+          <a:bodyPr>
+            <a:normAutofit/>
+          </a:bodyPr>
+          <a:lstStyle/>
+          <a:p>
+            <a:r>
+              <a:rPr lang="en-US" sz="5400" dirty="0"/>
+              <a:t>Network policy options in AKS</a:t>
+            </a:r>
+          </a:p>
+        </p:txBody>
+      </p:sp>
+      <p:sp>
+        <p:nvSpPr>
+          <p:cNvPr id="13" name="sketch line">
+            <a:extLst>
+              <a:ext uri="{FF2B5EF4-FFF2-40B4-BE49-F238E27FC236}">
+                <a16:creationId xmlns:a16="http://schemas.microsoft.com/office/drawing/2014/main" id="{5CDF8FE6-870D-11DC-9E17-8FD5B71B2D6F}"/>
+              </a:ext>
+              <a:ext uri="{C183D7F6-B498-43B3-948B-1728B52AA6E4}">
+                <adec:decorative xmlns:adec="http://schemas.microsoft.com/office/drawing/2017/decorative" val="1"/>
+              </a:ext>
+            </a:extLst>
+          </p:cNvPr>
+          <p:cNvSpPr>
+            <a:spLocks noGrp="1" noRot="1" noChangeAspect="1" noMove="1" noResize="1" noEditPoints="1" noAdjustHandles="1" noChangeArrowheads="1" noChangeShapeType="1" noTextEdit="1"/>
+          </p:cNvSpPr>
+          <p:nvPr>
+            <p:extLst>
+              <p:ext uri="{386F3935-93C4-4BCD-93E2-E3B085C9AB24}">
+                <p16:designElem xmlns:p16="http://schemas.microsoft.com/office/powerpoint/2015/main" val="1"/>
+              </p:ext>
+            </p:extLst>
+          </p:nvPr>
+        </p:nvSpPr>
+        <p:spPr>
+          <a:xfrm>
+            <a:off x="669036" y="1677373"/>
+            <a:ext cx="10853928" cy="18288"/>
+          </a:xfrm>
+          <a:custGeom>
+            <a:avLst/>
+            <a:gdLst>
+              <a:gd name="csX0" fmla="*/ 0 w 10853928"/>
+              <a:gd name="csY0" fmla="*/ 0 h 18288"/>
+              <a:gd name="csX1" fmla="*/ 461292 w 10853928"/>
+              <a:gd name="csY1" fmla="*/ 0 h 18288"/>
+              <a:gd name="csX2" fmla="*/ 1139662 w 10853928"/>
+              <a:gd name="csY2" fmla="*/ 0 h 18288"/>
+              <a:gd name="csX3" fmla="*/ 1926572 w 10853928"/>
+              <a:gd name="csY3" fmla="*/ 0 h 18288"/>
+              <a:gd name="csX4" fmla="*/ 2279325 w 10853928"/>
+              <a:gd name="csY4" fmla="*/ 0 h 18288"/>
+              <a:gd name="csX5" fmla="*/ 2632078 w 10853928"/>
+              <a:gd name="csY5" fmla="*/ 0 h 18288"/>
+              <a:gd name="csX6" fmla="*/ 3527527 w 10853928"/>
+              <a:gd name="csY6" fmla="*/ 0 h 18288"/>
+              <a:gd name="csX7" fmla="*/ 4205897 w 10853928"/>
+              <a:gd name="csY7" fmla="*/ 0 h 18288"/>
+              <a:gd name="csX8" fmla="*/ 4558650 w 10853928"/>
+              <a:gd name="csY8" fmla="*/ 0 h 18288"/>
+              <a:gd name="csX9" fmla="*/ 5237020 w 10853928"/>
+              <a:gd name="csY9" fmla="*/ 0 h 18288"/>
+              <a:gd name="csX10" fmla="*/ 6132469 w 10853928"/>
+              <a:gd name="csY10" fmla="*/ 0 h 18288"/>
+              <a:gd name="csX11" fmla="*/ 6702301 w 10853928"/>
+              <a:gd name="csY11" fmla="*/ 0 h 18288"/>
+              <a:gd name="csX12" fmla="*/ 7272132 w 10853928"/>
+              <a:gd name="csY12" fmla="*/ 0 h 18288"/>
+              <a:gd name="csX13" fmla="*/ 7950502 w 10853928"/>
+              <a:gd name="csY13" fmla="*/ 0 h 18288"/>
+              <a:gd name="csX14" fmla="*/ 8737412 w 10853928"/>
+              <a:gd name="csY14" fmla="*/ 0 h 18288"/>
+              <a:gd name="csX15" fmla="*/ 9524322 w 10853928"/>
+              <a:gd name="csY15" fmla="*/ 0 h 18288"/>
+              <a:gd name="csX16" fmla="*/ 10853928 w 10853928"/>
+              <a:gd name="csY16" fmla="*/ 0 h 18288"/>
+              <a:gd name="csX17" fmla="*/ 10853928 w 10853928"/>
+              <a:gd name="csY17" fmla="*/ 18288 h 18288"/>
+              <a:gd name="csX18" fmla="*/ 10392636 w 10853928"/>
+              <a:gd name="csY18" fmla="*/ 18288 h 18288"/>
+              <a:gd name="csX19" fmla="*/ 9497187 w 10853928"/>
+              <a:gd name="csY19" fmla="*/ 18288 h 18288"/>
+              <a:gd name="csX20" fmla="*/ 8818817 w 10853928"/>
+              <a:gd name="csY20" fmla="*/ 18288 h 18288"/>
+              <a:gd name="csX21" fmla="*/ 8466064 w 10853928"/>
+              <a:gd name="csY21" fmla="*/ 18288 h 18288"/>
+              <a:gd name="csX22" fmla="*/ 7787693 w 10853928"/>
+              <a:gd name="csY22" fmla="*/ 18288 h 18288"/>
+              <a:gd name="csX23" fmla="*/ 7217862 w 10853928"/>
+              <a:gd name="csY23" fmla="*/ 18288 h 18288"/>
+              <a:gd name="csX24" fmla="*/ 6648031 w 10853928"/>
+              <a:gd name="csY24" fmla="*/ 18288 h 18288"/>
+              <a:gd name="csX25" fmla="*/ 6078200 w 10853928"/>
+              <a:gd name="csY25" fmla="*/ 18288 h 18288"/>
+              <a:gd name="csX26" fmla="*/ 5508368 w 10853928"/>
+              <a:gd name="csY26" fmla="*/ 18288 h 18288"/>
+              <a:gd name="csX27" fmla="*/ 4721459 w 10853928"/>
+              <a:gd name="csY27" fmla="*/ 18288 h 18288"/>
+              <a:gd name="csX28" fmla="*/ 4043088 w 10853928"/>
+              <a:gd name="csY28" fmla="*/ 18288 h 18288"/>
+              <a:gd name="csX29" fmla="*/ 3690336 w 10853928"/>
+              <a:gd name="csY29" fmla="*/ 18288 h 18288"/>
+              <a:gd name="csX30" fmla="*/ 3120504 w 10853928"/>
+              <a:gd name="csY30" fmla="*/ 18288 h 18288"/>
+              <a:gd name="csX31" fmla="*/ 2333595 w 10853928"/>
+              <a:gd name="csY31" fmla="*/ 18288 h 18288"/>
+              <a:gd name="csX32" fmla="*/ 1872303 w 10853928"/>
+              <a:gd name="csY32" fmla="*/ 18288 h 18288"/>
+              <a:gd name="csX33" fmla="*/ 976854 w 10853928"/>
+              <a:gd name="csY33" fmla="*/ 18288 h 18288"/>
+              <a:gd name="csX34" fmla="*/ 0 w 10853928"/>
+              <a:gd name="csY34" fmla="*/ 18288 h 18288"/>
+              <a:gd name="csX35" fmla="*/ 0 w 10853928"/>
+              <a:gd name="csY35" fmla="*/ 0 h 18288"/>
+            </a:gdLst>
+            <a:ahLst/>
+            <a:cxnLst>
+              <a:cxn ang="0">
+                <a:pos x="csX0" y="csY0"/>
+              </a:cxn>
+              <a:cxn ang="0">
+                <a:pos x="csX1" y="csY1"/>
+              </a:cxn>
+              <a:cxn ang="0">
+                <a:pos x="csX2" y="csY2"/>
+              </a:cxn>
+              <a:cxn ang="0">
+                <a:pos x="csX3" y="csY3"/>
+              </a:cxn>
+              <a:cxn ang="0">
+                <a:pos x="csX4" y="csY4"/>
+              </a:cxn>
+              <a:cxn ang="0">
+                <a:pos x="csX5" y="csY5"/>
+              </a:cxn>
+              <a:cxn ang="0">
+                <a:pos x="csX6" y="csY6"/>
+              </a:cxn>
+              <a:cxn ang="0">
+                <a:pos x="csX7" y="csY7"/>
+              </a:cxn>
+              <a:cxn ang="0">
+                <a:pos x="csX8" y="csY8"/>
+              </a:cxn>
+              <a:cxn ang="0">
+                <a:pos x="csX9" y="csY9"/>
+              </a:cxn>
+              <a:cxn ang="0">
+                <a:pos x="csX10" y="csY10"/>
+              </a:cxn>
+              <a:cxn ang="0">
+                <a:pos x="csX11" y="csY11"/>
+              </a:cxn>
+              <a:cxn ang="0">
+                <a:pos x="csX12" y="csY12"/>
+              </a:cxn>
+              <a:cxn ang="0">
+                <a:pos x="csX13" y="csY13"/>
+              </a:cxn>
+              <a:cxn ang="0">
+                <a:pos x="csX14" y="csY14"/>
+              </a:cxn>
+              <a:cxn ang="0">
+                <a:pos x="csX15" y="csY15"/>
+              </a:cxn>
+              <a:cxn ang="0">
+                <a:pos x="csX16" y="csY16"/>
+              </a:cxn>
+              <a:cxn ang="0">
+                <a:pos x="csX17" y="csY17"/>
+              </a:cxn>
+              <a:cxn ang="0">
+                <a:pos x="csX18" y="csY18"/>
+              </a:cxn>
+              <a:cxn ang="0">
+                <a:pos x="csX19" y="csY19"/>
+              </a:cxn>
+              <a:cxn ang="0">
+                <a:pos x="csX20" y="csY20"/>
+              </a:cxn>
+              <a:cxn ang="0">
+                <a:pos x="csX21" y="csY21"/>
+              </a:cxn>
+              <a:cxn ang="0">
+                <a:pos x="csX22" y="csY22"/>
+              </a:cxn>
+              <a:cxn ang="0">
+                <a:pos x="csX23" y="csY23"/>
+              </a:cxn>
+              <a:cxn ang="0">
+                <a:pos x="csX24" y="csY24"/>
+              </a:cxn>
+              <a:cxn ang="0">
+                <a:pos x="csX25" y="csY25"/>
+              </a:cxn>
+              <a:cxn ang="0">
+                <a:pos x="csX26" y="csY26"/>
+              </a:cxn>
+              <a:cxn ang="0">
+                <a:pos x="csX27" y="csY27"/>
+              </a:cxn>
+              <a:cxn ang="0">
+                <a:pos x="csX28" y="csY28"/>
+              </a:cxn>
+              <a:cxn ang="0">
+                <a:pos x="csX29" y="csY29"/>
+              </a:cxn>
+              <a:cxn ang="0">
+                <a:pos x="csX30" y="csY30"/>
+              </a:cxn>
+              <a:cxn ang="0">
+                <a:pos x="csX31" y="csY31"/>
+              </a:cxn>
+              <a:cxn ang="0">
+                <a:pos x="csX32" y="csY32"/>
+              </a:cxn>
+              <a:cxn ang="0">
+                <a:pos x="csX33" y="csY33"/>
+              </a:cxn>
+              <a:cxn ang="0">
+                <a:pos x="csX34" y="csY34"/>
+              </a:cxn>
+              <a:cxn ang="0">
+                <a:pos x="csX35" y="csY35"/>
+              </a:cxn>
+            </a:cxnLst>
+            <a:rect l="l" t="t" r="r" b="b"/>
+            <a:pathLst>
+              <a:path w="10853928" h="18288" fill="none" extrusionOk="0">
+                <a:moveTo>
+                  <a:pt x="0" y="0"/>
+                </a:moveTo>
+                <a:cubicBezTo>
+                  <a:pt x="146993" y="-19076"/>
+                  <a:pt x="347684" y="-4790"/>
+                  <a:pt x="461292" y="0"/>
+                </a:cubicBezTo>
+                <a:cubicBezTo>
+                  <a:pt x="574900" y="4790"/>
+                  <a:pt x="808367" y="19821"/>
+                  <a:pt x="1139662" y="0"/>
+                </a:cubicBezTo>
+                <a:cubicBezTo>
+                  <a:pt x="1470957" y="-19821"/>
+                  <a:pt x="1627405" y="5721"/>
+                  <a:pt x="1926572" y="0"/>
+                </a:cubicBezTo>
+                <a:cubicBezTo>
+                  <a:pt x="2225739" y="-5721"/>
+                  <a:pt x="2137730" y="-3235"/>
+                  <a:pt x="2279325" y="0"/>
+                </a:cubicBezTo>
+                <a:cubicBezTo>
+                  <a:pt x="2420920" y="3235"/>
+                  <a:pt x="2456518" y="9685"/>
+                  <a:pt x="2632078" y="0"/>
+                </a:cubicBezTo>
+                <a:cubicBezTo>
+                  <a:pt x="2807638" y="-9685"/>
+                  <a:pt x="3211516" y="-43007"/>
+                  <a:pt x="3527527" y="0"/>
+                </a:cubicBezTo>
+                <a:cubicBezTo>
+                  <a:pt x="3843538" y="43007"/>
+                  <a:pt x="4058833" y="22042"/>
+                  <a:pt x="4205897" y="0"/>
+                </a:cubicBezTo>
+                <a:cubicBezTo>
+                  <a:pt x="4352961" y="-22042"/>
+                  <a:pt x="4474805" y="-11846"/>
+                  <a:pt x="4558650" y="0"/>
+                </a:cubicBezTo>
+                <a:cubicBezTo>
+                  <a:pt x="4642495" y="11846"/>
+                  <a:pt x="5041928" y="-6069"/>
+                  <a:pt x="5237020" y="0"/>
+                </a:cubicBezTo>
+                <a:cubicBezTo>
+                  <a:pt x="5432112" y="6069"/>
+                  <a:pt x="5943266" y="-17479"/>
+                  <a:pt x="6132469" y="0"/>
+                </a:cubicBezTo>
+                <a:cubicBezTo>
+                  <a:pt x="6321672" y="17479"/>
+                  <a:pt x="6483872" y="26234"/>
+                  <a:pt x="6702301" y="0"/>
+                </a:cubicBezTo>
+                <a:cubicBezTo>
+                  <a:pt x="6920730" y="-26234"/>
+                  <a:pt x="6991194" y="-15156"/>
+                  <a:pt x="7272132" y="0"/>
+                </a:cubicBezTo>
+                <a:cubicBezTo>
+                  <a:pt x="7553070" y="15156"/>
+                  <a:pt x="7684444" y="-32961"/>
+                  <a:pt x="7950502" y="0"/>
+                </a:cubicBezTo>
+                <a:cubicBezTo>
+                  <a:pt x="8216560" y="32961"/>
+                  <a:pt x="8493290" y="-10491"/>
+                  <a:pt x="8737412" y="0"/>
+                </a:cubicBezTo>
+                <a:cubicBezTo>
+                  <a:pt x="8981534" y="10491"/>
+                  <a:pt x="9191586" y="-13899"/>
+                  <a:pt x="9524322" y="0"/>
+                </a:cubicBezTo>
+                <a:cubicBezTo>
+                  <a:pt x="9857058" y="13899"/>
+                  <a:pt x="10297509" y="7485"/>
+                  <a:pt x="10853928" y="0"/>
+                </a:cubicBezTo>
+                <a:cubicBezTo>
+                  <a:pt x="10854574" y="4451"/>
+                  <a:pt x="10854418" y="9226"/>
+                  <a:pt x="10853928" y="18288"/>
+                </a:cubicBezTo>
+                <a:cubicBezTo>
+                  <a:pt x="10691638" y="28522"/>
+                  <a:pt x="10574319" y="29578"/>
+                  <a:pt x="10392636" y="18288"/>
+                </a:cubicBezTo>
+                <a:cubicBezTo>
+                  <a:pt x="10210953" y="6998"/>
+                  <a:pt x="9836277" y="-16742"/>
+                  <a:pt x="9497187" y="18288"/>
+                </a:cubicBezTo>
+                <a:cubicBezTo>
+                  <a:pt x="9158097" y="53318"/>
+                  <a:pt x="9119479" y="30714"/>
+                  <a:pt x="8818817" y="18288"/>
+                </a:cubicBezTo>
+                <a:cubicBezTo>
+                  <a:pt x="8518155" y="5863"/>
+                  <a:pt x="8640037" y="6483"/>
+                  <a:pt x="8466064" y="18288"/>
+                </a:cubicBezTo>
+                <a:cubicBezTo>
+                  <a:pt x="8292091" y="30093"/>
+                  <a:pt x="7997656" y="18914"/>
+                  <a:pt x="7787693" y="18288"/>
+                </a:cubicBezTo>
+                <a:cubicBezTo>
+                  <a:pt x="7577730" y="17662"/>
+                  <a:pt x="7412468" y="21416"/>
+                  <a:pt x="7217862" y="18288"/>
+                </a:cubicBezTo>
+                <a:cubicBezTo>
+                  <a:pt x="7023256" y="15160"/>
+                  <a:pt x="6898018" y="14824"/>
+                  <a:pt x="6648031" y="18288"/>
+                </a:cubicBezTo>
+                <a:cubicBezTo>
+                  <a:pt x="6398044" y="21752"/>
+                  <a:pt x="6254402" y="38625"/>
+                  <a:pt x="6078200" y="18288"/>
+                </a:cubicBezTo>
+                <a:cubicBezTo>
+                  <a:pt x="5901998" y="-2049"/>
+                  <a:pt x="5622886" y="3213"/>
+                  <a:pt x="5508368" y="18288"/>
+                </a:cubicBezTo>
+                <a:cubicBezTo>
+                  <a:pt x="5393850" y="33363"/>
+                  <a:pt x="5036260" y="26830"/>
+                  <a:pt x="4721459" y="18288"/>
+                </a:cubicBezTo>
+                <a:cubicBezTo>
+                  <a:pt x="4406658" y="9746"/>
+                  <a:pt x="4239221" y="41551"/>
+                  <a:pt x="4043088" y="18288"/>
+                </a:cubicBezTo>
+                <a:cubicBezTo>
+                  <a:pt x="3846955" y="-4975"/>
+                  <a:pt x="3818802" y="34658"/>
+                  <a:pt x="3690336" y="18288"/>
+                </a:cubicBezTo>
+                <a:cubicBezTo>
+                  <a:pt x="3561870" y="1918"/>
+                  <a:pt x="3265491" y="42194"/>
+                  <a:pt x="3120504" y="18288"/>
+                </a:cubicBezTo>
+                <a:cubicBezTo>
+                  <a:pt x="2975517" y="-5618"/>
+                  <a:pt x="2720254" y="36673"/>
+                  <a:pt x="2333595" y="18288"/>
+                </a:cubicBezTo>
+                <a:cubicBezTo>
+                  <a:pt x="1946936" y="-97"/>
+                  <a:pt x="2097241" y="5776"/>
+                  <a:pt x="1872303" y="18288"/>
+                </a:cubicBezTo>
+                <a:cubicBezTo>
+                  <a:pt x="1647365" y="30800"/>
+                  <a:pt x="1282708" y="45380"/>
+                  <a:pt x="976854" y="18288"/>
+                </a:cubicBezTo>
+                <a:cubicBezTo>
+                  <a:pt x="671000" y="-8804"/>
+                  <a:pt x="408401" y="-12775"/>
+                  <a:pt x="0" y="18288"/>
+                </a:cubicBezTo>
+                <a:cubicBezTo>
+                  <a:pt x="-213" y="9468"/>
+                  <a:pt x="187" y="4459"/>
+                  <a:pt x="0" y="0"/>
+                </a:cubicBezTo>
+                <a:close/>
+              </a:path>
+              <a:path w="10853928" h="18288" stroke="0" extrusionOk="0">
+                <a:moveTo>
+                  <a:pt x="0" y="0"/>
+                </a:moveTo>
+                <a:cubicBezTo>
+                  <a:pt x="267322" y="15284"/>
+                  <a:pt x="415388" y="-21048"/>
+                  <a:pt x="569831" y="0"/>
+                </a:cubicBezTo>
+                <a:cubicBezTo>
+                  <a:pt x="724274" y="21048"/>
+                  <a:pt x="769333" y="-2353"/>
+                  <a:pt x="922584" y="0"/>
+                </a:cubicBezTo>
+                <a:cubicBezTo>
+                  <a:pt x="1075835" y="2353"/>
+                  <a:pt x="1399490" y="-145"/>
+                  <a:pt x="1818033" y="0"/>
+                </a:cubicBezTo>
+                <a:cubicBezTo>
+                  <a:pt x="2236576" y="145"/>
+                  <a:pt x="2145330" y="5482"/>
+                  <a:pt x="2387864" y="0"/>
+                </a:cubicBezTo>
+                <a:cubicBezTo>
+                  <a:pt x="2630398" y="-5482"/>
+                  <a:pt x="2793207" y="18487"/>
+                  <a:pt x="2957695" y="0"/>
+                </a:cubicBezTo>
+                <a:cubicBezTo>
+                  <a:pt x="3122183" y="-18487"/>
+                  <a:pt x="3579141" y="19003"/>
+                  <a:pt x="3853144" y="0"/>
+                </a:cubicBezTo>
+                <a:cubicBezTo>
+                  <a:pt x="4127147" y="-19003"/>
+                  <a:pt x="4209857" y="12211"/>
+                  <a:pt x="4314436" y="0"/>
+                </a:cubicBezTo>
+                <a:cubicBezTo>
+                  <a:pt x="4419015" y="-12211"/>
+                  <a:pt x="4762459" y="-17220"/>
+                  <a:pt x="5209885" y="0"/>
+                </a:cubicBezTo>
+                <a:cubicBezTo>
+                  <a:pt x="5657311" y="17220"/>
+                  <a:pt x="5692663" y="-3290"/>
+                  <a:pt x="6105335" y="0"/>
+                </a:cubicBezTo>
+                <a:cubicBezTo>
+                  <a:pt x="6518007" y="3290"/>
+                  <a:pt x="6455516" y="-5124"/>
+                  <a:pt x="6783705" y="0"/>
+                </a:cubicBezTo>
+                <a:cubicBezTo>
+                  <a:pt x="7111894" y="5124"/>
+                  <a:pt x="7441941" y="-17829"/>
+                  <a:pt x="7679154" y="0"/>
+                </a:cubicBezTo>
+                <a:cubicBezTo>
+                  <a:pt x="7916367" y="17829"/>
+                  <a:pt x="8102967" y="-24363"/>
+                  <a:pt x="8248985" y="0"/>
+                </a:cubicBezTo>
+                <a:cubicBezTo>
+                  <a:pt x="8395003" y="24363"/>
+                  <a:pt x="8552393" y="25505"/>
+                  <a:pt x="8818817" y="0"/>
+                </a:cubicBezTo>
+                <a:cubicBezTo>
+                  <a:pt x="9085241" y="-25505"/>
+                  <a:pt x="9411308" y="38000"/>
+                  <a:pt x="9605726" y="0"/>
+                </a:cubicBezTo>
+                <a:cubicBezTo>
+                  <a:pt x="9800144" y="-38000"/>
+                  <a:pt x="10006468" y="-25741"/>
+                  <a:pt x="10175558" y="0"/>
+                </a:cubicBezTo>
+                <a:cubicBezTo>
+                  <a:pt x="10344648" y="25741"/>
+                  <a:pt x="10696282" y="695"/>
+                  <a:pt x="10853928" y="0"/>
+                </a:cubicBezTo>
+                <a:cubicBezTo>
+                  <a:pt x="10853521" y="8690"/>
+                  <a:pt x="10853774" y="14141"/>
+                  <a:pt x="10853928" y="18288"/>
+                </a:cubicBezTo>
+                <a:cubicBezTo>
+                  <a:pt x="10608124" y="24255"/>
+                  <a:pt x="10343415" y="22307"/>
+                  <a:pt x="10067018" y="18288"/>
+                </a:cubicBezTo>
+                <a:cubicBezTo>
+                  <a:pt x="9790621" y="14270"/>
+                  <a:pt x="9843266" y="3564"/>
+                  <a:pt x="9714266" y="18288"/>
+                </a:cubicBezTo>
+                <a:cubicBezTo>
+                  <a:pt x="9585266" y="33012"/>
+                  <a:pt x="9379484" y="1875"/>
+                  <a:pt x="9252974" y="18288"/>
+                </a:cubicBezTo>
+                <a:cubicBezTo>
+                  <a:pt x="9126464" y="34701"/>
+                  <a:pt x="8580678" y="-4904"/>
+                  <a:pt x="8357525" y="18288"/>
+                </a:cubicBezTo>
+                <a:cubicBezTo>
+                  <a:pt x="8134372" y="41480"/>
+                  <a:pt x="7903199" y="26458"/>
+                  <a:pt x="7679154" y="18288"/>
+                </a:cubicBezTo>
+                <a:cubicBezTo>
+                  <a:pt x="7455109" y="10118"/>
+                  <a:pt x="7435944" y="27109"/>
+                  <a:pt x="7217862" y="18288"/>
+                </a:cubicBezTo>
+                <a:cubicBezTo>
+                  <a:pt x="6999780" y="9467"/>
+                  <a:pt x="6680409" y="18985"/>
+                  <a:pt x="6539492" y="18288"/>
+                </a:cubicBezTo>
+                <a:cubicBezTo>
+                  <a:pt x="6398575" y="17592"/>
+                  <a:pt x="6312077" y="33018"/>
+                  <a:pt x="6186739" y="18288"/>
+                </a:cubicBezTo>
+                <a:cubicBezTo>
+                  <a:pt x="6061401" y="3558"/>
+                  <a:pt x="5947033" y="12075"/>
+                  <a:pt x="5833986" y="18288"/>
+                </a:cubicBezTo>
+                <a:cubicBezTo>
+                  <a:pt x="5720939" y="24501"/>
+                  <a:pt x="5482226" y="8586"/>
+                  <a:pt x="5155616" y="18288"/>
+                </a:cubicBezTo>
+                <a:cubicBezTo>
+                  <a:pt x="4829006" y="27991"/>
+                  <a:pt x="4841274" y="29316"/>
+                  <a:pt x="4694324" y="18288"/>
+                </a:cubicBezTo>
+                <a:cubicBezTo>
+                  <a:pt x="4547374" y="7260"/>
+                  <a:pt x="4077675" y="7013"/>
+                  <a:pt x="3907414" y="18288"/>
+                </a:cubicBezTo>
+                <a:cubicBezTo>
+                  <a:pt x="3737153" y="29564"/>
+                  <a:pt x="3538393" y="21630"/>
+                  <a:pt x="3446122" y="18288"/>
+                </a:cubicBezTo>
+                <a:cubicBezTo>
+                  <a:pt x="3353851" y="14946"/>
+                  <a:pt x="2990320" y="-8091"/>
+                  <a:pt x="2659212" y="18288"/>
+                </a:cubicBezTo>
+                <a:cubicBezTo>
+                  <a:pt x="2328104" y="44667"/>
+                  <a:pt x="2427653" y="9607"/>
+                  <a:pt x="2306460" y="18288"/>
+                </a:cubicBezTo>
+                <a:cubicBezTo>
+                  <a:pt x="2185267" y="26969"/>
+                  <a:pt x="1719763" y="3717"/>
+                  <a:pt x="1519550" y="18288"/>
+                </a:cubicBezTo>
+                <a:cubicBezTo>
+                  <a:pt x="1319337" y="32860"/>
+                  <a:pt x="1167371" y="17040"/>
+                  <a:pt x="1058258" y="18288"/>
+                </a:cubicBezTo>
+                <a:cubicBezTo>
+                  <a:pt x="949145" y="19536"/>
+                  <a:pt x="780234" y="31447"/>
+                  <a:pt x="705505" y="18288"/>
+                </a:cubicBezTo>
+                <a:cubicBezTo>
+                  <a:pt x="630776" y="5129"/>
+                  <a:pt x="215796" y="30056"/>
+                  <a:pt x="0" y="18288"/>
+                </a:cubicBezTo>
+                <a:cubicBezTo>
+                  <a:pt x="-53" y="11301"/>
+                  <a:pt x="-649" y="7756"/>
+                  <a:pt x="0" y="0"/>
+                </a:cubicBezTo>
+                <a:close/>
+              </a:path>
+            </a:pathLst>
+          </a:custGeom>
+          <a:solidFill>
+            <a:schemeClr val="accent2"/>
+          </a:solidFill>
+          <a:ln w="41275" cap="rnd">
+            <a:solidFill>
+              <a:schemeClr val="accent2"/>
+            </a:solidFill>
+            <a:round/>
+            <a:extLst>
+              <a:ext uri="{C807C97D-BFC1-408E-A445-0C87EB9F89A2}">
+                <ask:lineSketchStyleProps xmlns:ask="http://schemas.microsoft.com/office/drawing/2018/sketchyshapes" sd="1219033472">
+                  <a:prstGeom prst="rect">
+                    <a:avLst/>
+                  </a:prstGeom>
+                  <ask:type>
+                    <ask:lineSketchFreehand/>
+                  </ask:type>
+                </ask:lineSketchStyleProps>
+              </a:ext>
+            </a:extLst>
+          </a:ln>
+        </p:spPr>
+        <p:style>
+          <a:lnRef idx="2">
+            <a:schemeClr val="accent1">
+              <a:shade val="50000"/>
+            </a:schemeClr>
+          </a:lnRef>
+          <a:fillRef idx="1">
+            <a:schemeClr val="accent1"/>
+          </a:fillRef>
+          <a:effectRef idx="0">
+            <a:schemeClr val="accent1"/>
+          </a:effectRef>
+          <a:fontRef idx="minor">
+            <a:schemeClr val="lt1"/>
+          </a:fontRef>
+        </p:style>
+        <p:txBody>
+          <a:bodyPr rtlCol="0" anchor="ctr"/>
+          <a:lstStyle/>
+          <a:p>
+            <a:pPr marL="0" marR="0" lvl="0" indent="0" algn="ctr" defTabSz="914400" rtl="0" eaLnBrk="1" fontAlgn="auto" latinLnBrk="0" hangingPunct="1">
+              <a:lnSpc>
+                <a:spcPct val="100000"/>
+              </a:lnSpc>
+              <a:spcBef>
+                <a:spcPts val="0"/>
+              </a:spcBef>
+              <a:spcAft>
+                <a:spcPts val="0"/>
+              </a:spcAft>
+              <a:buClrTx/>
+              <a:buSzTx/>
+              <a:buFontTx/>
+              <a:buNone/>
+              <a:tabLst/>
+              <a:defRPr/>
+            </a:pPr>
+            <a:endParaRPr kumimoji="0" lang="en-US" sz="1800" b="0" i="0" u="none" strike="noStrike" kern="1200" cap="none" spc="0" normalizeH="0" baseline="0" noProof="0">
+              <a:ln>
+                <a:noFill/>
+              </a:ln>
+              <a:solidFill>
+                <a:prstClr val="white"/>
+              </a:solidFill>
+              <a:effectLst/>
+              <a:uLnTx/>
+              <a:uFillTx/>
+              <a:latin typeface="Aptos" panose="02110004020202020204"/>
+              <a:ea typeface="+mn-ea"/>
+              <a:cs typeface="+mn-cs"/>
+            </a:endParaRPr>
+          </a:p>
+        </p:txBody>
+      </p:sp>
+      <p:pic>
+        <p:nvPicPr>
+          <p:cNvPr id="5" name="Picture 4">
+            <a:extLst>
+              <a:ext uri="{FF2B5EF4-FFF2-40B4-BE49-F238E27FC236}">
+                <a16:creationId xmlns:a16="http://schemas.microsoft.com/office/drawing/2014/main" id="{2424B2CF-A14A-FA6D-9B5B-E016D9C9C3D3}"/>
+              </a:ext>
+            </a:extLst>
+          </p:cNvPr>
+          <p:cNvPicPr>
+            <a:picLocks noChangeAspect="1"/>
+          </p:cNvPicPr>
+          <p:nvPr/>
+        </p:nvPicPr>
+        <p:blipFill>
+          <a:blip r:embed="rId3"/>
+          <a:stretch>
+            <a:fillRect/>
+          </a:stretch>
+        </p:blipFill>
+        <p:spPr>
+          <a:xfrm>
+            <a:off x="1726398" y="1907495"/>
+            <a:ext cx="8304291" cy="4637461"/>
+          </a:xfrm>
+          <a:prstGeom prst="rect">
+            <a:avLst/>
+          </a:prstGeom>
+        </p:spPr>
+      </p:pic>
+    </p:spTree>
+    <p:extLst>
+      <p:ext uri="{BB962C8B-B14F-4D97-AF65-F5344CB8AC3E}">
+        <p14:creationId xmlns:p14="http://schemas.microsoft.com/office/powerpoint/2010/main" val="4102811203"/>
+      </p:ext>
+    </p:extLst>
+  </p:cSld>
+  <p:clrMapOvr>
+    <a:masterClrMapping/>
+  </p:clrMapOvr>
+</p:sld>
+</file>
+
+<file path=ppt/slides/slide48.xml><?xml version="1.0" encoding="utf-8"?>
+<p:sld xmlns:a="http://schemas.openxmlformats.org/drawingml/2006/main" xmlns:r="http://schemas.openxmlformats.org/officeDocument/2006/relationships" xmlns:p="http://schemas.openxmlformats.org/presentationml/2006/main">
+  <p:cSld>
+    <p:bg>
+      <p:bgPr>
+        <a:solidFill>
+          <a:schemeClr val="bg1"/>
+        </a:solidFill>
+        <a:effectLst/>
+      </p:bgPr>
+    </p:bg>
+    <p:spTree>
+      <p:nvGrpSpPr>
+        <p:cNvPr id="1" name="">
+          <a:extLst>
+            <a:ext uri="{FF2B5EF4-FFF2-40B4-BE49-F238E27FC236}">
+              <a16:creationId xmlns:a16="http://schemas.microsoft.com/office/drawing/2014/main" id="{F3DE916B-7905-BAD3-E256-96A78899EB4C}"/>
+            </a:ext>
+          </a:extLst>
+        </p:cNvPr>
+        <p:cNvGrpSpPr/>
+        <p:nvPr/>
+      </p:nvGrpSpPr>
+      <p:grpSpPr>
+        <a:xfrm>
+          <a:off x="0" y="0"/>
+          <a:ext cx="0" cy="0"/>
+          <a:chOff x="0" y="0"/>
+          <a:chExt cx="0" cy="0"/>
+        </a:xfrm>
+      </p:grpSpPr>
+      <p:sp useBgFill="1">
+        <p:nvSpPr>
+          <p:cNvPr id="12" name="Rectangle 11">
+            <a:extLst>
+              <a:ext uri="{FF2B5EF4-FFF2-40B4-BE49-F238E27FC236}">
+                <a16:creationId xmlns:a16="http://schemas.microsoft.com/office/drawing/2014/main" id="{D11F0C2E-4F15-926F-1DEF-05DBF996DB5A}"/>
+              </a:ext>
+              <a:ext uri="{C183D7F6-B498-43B3-948B-1728B52AA6E4}">
+                <adec:decorative xmlns:adec="http://schemas.microsoft.com/office/drawing/2017/decorative" val="1"/>
+              </a:ext>
+            </a:extLst>
+          </p:cNvPr>
+          <p:cNvSpPr>
+            <a:spLocks noGrp="1" noRot="1" noChangeAspect="1" noMove="1" noResize="1" noEditPoints="1" noAdjustHandles="1" noChangeArrowheads="1" noChangeShapeType="1" noTextEdit="1"/>
+          </p:cNvSpPr>
+          <p:nvPr>
+            <p:extLst>
+              <p:ext uri="{386F3935-93C4-4BCD-93E2-E3B085C9AB24}">
+                <p16:designElem xmlns:p16="http://schemas.microsoft.com/office/powerpoint/2015/main" val="1"/>
+              </p:ext>
+            </p:extLst>
+          </p:nvPr>
+        </p:nvSpPr>
+        <p:spPr>
+          <a:xfrm>
+            <a:off x="0" y="0"/>
+            <a:ext cx="12188952" cy="6858000"/>
+          </a:xfrm>
+          <a:prstGeom prst="rect">
+            <a:avLst/>
+          </a:prstGeom>
+          <a:ln>
+            <a:noFill/>
+          </a:ln>
+        </p:spPr>
+        <p:style>
+          <a:lnRef idx="2">
+            <a:schemeClr val="accent1">
+              <a:shade val="50000"/>
+            </a:schemeClr>
+          </a:lnRef>
+          <a:fillRef idx="1">
+            <a:schemeClr val="accent1"/>
+          </a:fillRef>
+          <a:effectRef idx="0">
+            <a:schemeClr val="accent1"/>
+          </a:effectRef>
+          <a:fontRef idx="minor">
+            <a:schemeClr val="lt1"/>
+          </a:fontRef>
+        </p:style>
+        <p:txBody>
+          <a:bodyPr rtlCol="0" anchor="ctr"/>
+          <a:lstStyle/>
+          <a:p>
+            <a:pPr marL="0" marR="0" lvl="0" indent="0" algn="ctr" defTabSz="914400" rtl="0" eaLnBrk="1" fontAlgn="auto" latinLnBrk="0" hangingPunct="1">
+              <a:lnSpc>
+                <a:spcPct val="100000"/>
+              </a:lnSpc>
+              <a:spcBef>
+                <a:spcPts val="0"/>
+              </a:spcBef>
+              <a:spcAft>
+                <a:spcPts val="0"/>
+              </a:spcAft>
+              <a:buClrTx/>
+              <a:buSzTx/>
+              <a:buFontTx/>
+              <a:buNone/>
+              <a:tabLst/>
+              <a:defRPr/>
+            </a:pPr>
+            <a:endParaRPr kumimoji="0" lang="en-US" sz="1800" b="0" i="0" u="none" strike="noStrike" kern="1200" cap="none" spc="0" normalizeH="0" baseline="0" noProof="0">
+              <a:ln>
+                <a:noFill/>
+              </a:ln>
+              <a:solidFill>
+                <a:prstClr val="white"/>
+              </a:solidFill>
+              <a:effectLst/>
+              <a:uLnTx/>
+              <a:uFillTx/>
+              <a:latin typeface="Aptos" panose="02110004020202020204"/>
+              <a:ea typeface="+mn-ea"/>
+              <a:cs typeface="+mn-cs"/>
+            </a:endParaRPr>
+          </a:p>
+        </p:txBody>
+      </p:sp>
+      <p:sp>
+        <p:nvSpPr>
+          <p:cNvPr id="2" name="Title 1">
+            <a:extLst>
+              <a:ext uri="{FF2B5EF4-FFF2-40B4-BE49-F238E27FC236}">
+                <a16:creationId xmlns:a16="http://schemas.microsoft.com/office/drawing/2014/main" id="{E4E8325F-BDB3-0641-9AE3-58AC56B5CBC9}"/>
+              </a:ext>
+            </a:extLst>
+          </p:cNvPr>
+          <p:cNvSpPr>
+            <a:spLocks noGrp="1"/>
+          </p:cNvSpPr>
+          <p:nvPr>
+            <p:ph type="title"/>
+          </p:nvPr>
+        </p:nvSpPr>
+        <p:spPr>
+          <a:xfrm>
+            <a:off x="838200" y="365125"/>
+            <a:ext cx="10515600" cy="1325563"/>
+          </a:xfrm>
+        </p:spPr>
+        <p:txBody>
+          <a:bodyPr>
+            <a:normAutofit/>
+          </a:bodyPr>
+          <a:lstStyle/>
+          <a:p>
+            <a:r>
+              <a:rPr lang="en-US" sz="5400" dirty="0"/>
+              <a:t>Network policy options in AKS</a:t>
+            </a:r>
+          </a:p>
+        </p:txBody>
+      </p:sp>
+      <p:sp>
+        <p:nvSpPr>
+          <p:cNvPr id="13" name="sketch line">
+            <a:extLst>
+              <a:ext uri="{FF2B5EF4-FFF2-40B4-BE49-F238E27FC236}">
+                <a16:creationId xmlns:a16="http://schemas.microsoft.com/office/drawing/2014/main" id="{4776670F-3000-6D5D-3784-6764F8930C8B}"/>
+              </a:ext>
+              <a:ext uri="{C183D7F6-B498-43B3-948B-1728B52AA6E4}">
+                <adec:decorative xmlns:adec="http://schemas.microsoft.com/office/drawing/2017/decorative" val="1"/>
+              </a:ext>
+            </a:extLst>
+          </p:cNvPr>
+          <p:cNvSpPr>
+            <a:spLocks noGrp="1" noRot="1" noChangeAspect="1" noMove="1" noResize="1" noEditPoints="1" noAdjustHandles="1" noChangeArrowheads="1" noChangeShapeType="1" noTextEdit="1"/>
+          </p:cNvSpPr>
+          <p:nvPr>
+            <p:extLst>
+              <p:ext uri="{386F3935-93C4-4BCD-93E2-E3B085C9AB24}">
+                <p16:designElem xmlns:p16="http://schemas.microsoft.com/office/powerpoint/2015/main" val="1"/>
+              </p:ext>
+            </p:extLst>
+          </p:nvPr>
+        </p:nvSpPr>
+        <p:spPr>
+          <a:xfrm>
+            <a:off x="669036" y="1677373"/>
+            <a:ext cx="10853928" cy="18288"/>
+          </a:xfrm>
+          <a:custGeom>
+            <a:avLst/>
+            <a:gdLst>
+              <a:gd name="csX0" fmla="*/ 0 w 10853928"/>
+              <a:gd name="csY0" fmla="*/ 0 h 18288"/>
+              <a:gd name="csX1" fmla="*/ 461292 w 10853928"/>
+              <a:gd name="csY1" fmla="*/ 0 h 18288"/>
+              <a:gd name="csX2" fmla="*/ 1139662 w 10853928"/>
+              <a:gd name="csY2" fmla="*/ 0 h 18288"/>
+              <a:gd name="csX3" fmla="*/ 1926572 w 10853928"/>
+              <a:gd name="csY3" fmla="*/ 0 h 18288"/>
+              <a:gd name="csX4" fmla="*/ 2279325 w 10853928"/>
+              <a:gd name="csY4" fmla="*/ 0 h 18288"/>
+              <a:gd name="csX5" fmla="*/ 2632078 w 10853928"/>
+              <a:gd name="csY5" fmla="*/ 0 h 18288"/>
+              <a:gd name="csX6" fmla="*/ 3527527 w 10853928"/>
+              <a:gd name="csY6" fmla="*/ 0 h 18288"/>
+              <a:gd name="csX7" fmla="*/ 4205897 w 10853928"/>
+              <a:gd name="csY7" fmla="*/ 0 h 18288"/>
+              <a:gd name="csX8" fmla="*/ 4558650 w 10853928"/>
+              <a:gd name="csY8" fmla="*/ 0 h 18288"/>
+              <a:gd name="csX9" fmla="*/ 5237020 w 10853928"/>
+              <a:gd name="csY9" fmla="*/ 0 h 18288"/>
+              <a:gd name="csX10" fmla="*/ 6132469 w 10853928"/>
+              <a:gd name="csY10" fmla="*/ 0 h 18288"/>
+              <a:gd name="csX11" fmla="*/ 6702301 w 10853928"/>
+              <a:gd name="csY11" fmla="*/ 0 h 18288"/>
+              <a:gd name="csX12" fmla="*/ 7272132 w 10853928"/>
+              <a:gd name="csY12" fmla="*/ 0 h 18288"/>
+              <a:gd name="csX13" fmla="*/ 7950502 w 10853928"/>
+              <a:gd name="csY13" fmla="*/ 0 h 18288"/>
+              <a:gd name="csX14" fmla="*/ 8737412 w 10853928"/>
+              <a:gd name="csY14" fmla="*/ 0 h 18288"/>
+              <a:gd name="csX15" fmla="*/ 9524322 w 10853928"/>
+              <a:gd name="csY15" fmla="*/ 0 h 18288"/>
+              <a:gd name="csX16" fmla="*/ 10853928 w 10853928"/>
+              <a:gd name="csY16" fmla="*/ 0 h 18288"/>
+              <a:gd name="csX17" fmla="*/ 10853928 w 10853928"/>
+              <a:gd name="csY17" fmla="*/ 18288 h 18288"/>
+              <a:gd name="csX18" fmla="*/ 10392636 w 10853928"/>
+              <a:gd name="csY18" fmla="*/ 18288 h 18288"/>
+              <a:gd name="csX19" fmla="*/ 9497187 w 10853928"/>
+              <a:gd name="csY19" fmla="*/ 18288 h 18288"/>
+              <a:gd name="csX20" fmla="*/ 8818817 w 10853928"/>
+              <a:gd name="csY20" fmla="*/ 18288 h 18288"/>
+              <a:gd name="csX21" fmla="*/ 8466064 w 10853928"/>
+              <a:gd name="csY21" fmla="*/ 18288 h 18288"/>
+              <a:gd name="csX22" fmla="*/ 7787693 w 10853928"/>
+              <a:gd name="csY22" fmla="*/ 18288 h 18288"/>
+              <a:gd name="csX23" fmla="*/ 7217862 w 10853928"/>
+              <a:gd name="csY23" fmla="*/ 18288 h 18288"/>
+              <a:gd name="csX24" fmla="*/ 6648031 w 10853928"/>
+              <a:gd name="csY24" fmla="*/ 18288 h 18288"/>
+              <a:gd name="csX25" fmla="*/ 6078200 w 10853928"/>
+              <a:gd name="csY25" fmla="*/ 18288 h 18288"/>
+              <a:gd name="csX26" fmla="*/ 5508368 w 10853928"/>
+              <a:gd name="csY26" fmla="*/ 18288 h 18288"/>
+              <a:gd name="csX27" fmla="*/ 4721459 w 10853928"/>
+              <a:gd name="csY27" fmla="*/ 18288 h 18288"/>
+              <a:gd name="csX28" fmla="*/ 4043088 w 10853928"/>
+              <a:gd name="csY28" fmla="*/ 18288 h 18288"/>
+              <a:gd name="csX29" fmla="*/ 3690336 w 10853928"/>
+              <a:gd name="csY29" fmla="*/ 18288 h 18288"/>
+              <a:gd name="csX30" fmla="*/ 3120504 w 10853928"/>
+              <a:gd name="csY30" fmla="*/ 18288 h 18288"/>
+              <a:gd name="csX31" fmla="*/ 2333595 w 10853928"/>
+              <a:gd name="csY31" fmla="*/ 18288 h 18288"/>
+              <a:gd name="csX32" fmla="*/ 1872303 w 10853928"/>
+              <a:gd name="csY32" fmla="*/ 18288 h 18288"/>
+              <a:gd name="csX33" fmla="*/ 976854 w 10853928"/>
+              <a:gd name="csY33" fmla="*/ 18288 h 18288"/>
+              <a:gd name="csX34" fmla="*/ 0 w 10853928"/>
+              <a:gd name="csY34" fmla="*/ 18288 h 18288"/>
+              <a:gd name="csX35" fmla="*/ 0 w 10853928"/>
+              <a:gd name="csY35" fmla="*/ 0 h 18288"/>
+            </a:gdLst>
+            <a:ahLst/>
+            <a:cxnLst>
+              <a:cxn ang="0">
+                <a:pos x="csX0" y="csY0"/>
+              </a:cxn>
+              <a:cxn ang="0">
+                <a:pos x="csX1" y="csY1"/>
+              </a:cxn>
+              <a:cxn ang="0">
+                <a:pos x="csX2" y="csY2"/>
+              </a:cxn>
+              <a:cxn ang="0">
+                <a:pos x="csX3" y="csY3"/>
+              </a:cxn>
+              <a:cxn ang="0">
+                <a:pos x="csX4" y="csY4"/>
+              </a:cxn>
+              <a:cxn ang="0">
+                <a:pos x="csX5" y="csY5"/>
+              </a:cxn>
+              <a:cxn ang="0">
+                <a:pos x="csX6" y="csY6"/>
+              </a:cxn>
+              <a:cxn ang="0">
+                <a:pos x="csX7" y="csY7"/>
+              </a:cxn>
+              <a:cxn ang="0">
+                <a:pos x="csX8" y="csY8"/>
+              </a:cxn>
+              <a:cxn ang="0">
+                <a:pos x="csX9" y="csY9"/>
+              </a:cxn>
+              <a:cxn ang="0">
+                <a:pos x="csX10" y="csY10"/>
+              </a:cxn>
+              <a:cxn ang="0">
+                <a:pos x="csX11" y="csY11"/>
+              </a:cxn>
+              <a:cxn ang="0">
+                <a:pos x="csX12" y="csY12"/>
+              </a:cxn>
+              <a:cxn ang="0">
+                <a:pos x="csX13" y="csY13"/>
+              </a:cxn>
+              <a:cxn ang="0">
+                <a:pos x="csX14" y="csY14"/>
+              </a:cxn>
+              <a:cxn ang="0">
+                <a:pos x="csX15" y="csY15"/>
+              </a:cxn>
+              <a:cxn ang="0">
+                <a:pos x="csX16" y="csY16"/>
+              </a:cxn>
+              <a:cxn ang="0">
+                <a:pos x="csX17" y="csY17"/>
+              </a:cxn>
+              <a:cxn ang="0">
+                <a:pos x="csX18" y="csY18"/>
+              </a:cxn>
+              <a:cxn ang="0">
+                <a:pos x="csX19" y="csY19"/>
+              </a:cxn>
+              <a:cxn ang="0">
+                <a:pos x="csX20" y="csY20"/>
+              </a:cxn>
+              <a:cxn ang="0">
+                <a:pos x="csX21" y="csY21"/>
+              </a:cxn>
+              <a:cxn ang="0">
+                <a:pos x="csX22" y="csY22"/>
+              </a:cxn>
+              <a:cxn ang="0">
+                <a:pos x="csX23" y="csY23"/>
+              </a:cxn>
+              <a:cxn ang="0">
+                <a:pos x="csX24" y="csY24"/>
+              </a:cxn>
+              <a:cxn ang="0">
+                <a:pos x="csX25" y="csY25"/>
+              </a:cxn>
+              <a:cxn ang="0">
+                <a:pos x="csX26" y="csY26"/>
+              </a:cxn>
+              <a:cxn ang="0">
+                <a:pos x="csX27" y="csY27"/>
+              </a:cxn>
+              <a:cxn ang="0">
+                <a:pos x="csX28" y="csY28"/>
+              </a:cxn>
+              <a:cxn ang="0">
+                <a:pos x="csX29" y="csY29"/>
+              </a:cxn>
+              <a:cxn ang="0">
+                <a:pos x="csX30" y="csY30"/>
+              </a:cxn>
+              <a:cxn ang="0">
+                <a:pos x="csX31" y="csY31"/>
+              </a:cxn>
+              <a:cxn ang="0">
+                <a:pos x="csX32" y="csY32"/>
+              </a:cxn>
+              <a:cxn ang="0">
+                <a:pos x="csX33" y="csY33"/>
+              </a:cxn>
+              <a:cxn ang="0">
+                <a:pos x="csX34" y="csY34"/>
+              </a:cxn>
+              <a:cxn ang="0">
+                <a:pos x="csX35" y="csY35"/>
+              </a:cxn>
+            </a:cxnLst>
+            <a:rect l="l" t="t" r="r" b="b"/>
+            <a:pathLst>
+              <a:path w="10853928" h="18288" fill="none" extrusionOk="0">
+                <a:moveTo>
+                  <a:pt x="0" y="0"/>
+                </a:moveTo>
+                <a:cubicBezTo>
+                  <a:pt x="146993" y="-19076"/>
+                  <a:pt x="347684" y="-4790"/>
+                  <a:pt x="461292" y="0"/>
+                </a:cubicBezTo>
+                <a:cubicBezTo>
+                  <a:pt x="574900" y="4790"/>
+                  <a:pt x="808367" y="19821"/>
+                  <a:pt x="1139662" y="0"/>
+                </a:cubicBezTo>
+                <a:cubicBezTo>
+                  <a:pt x="1470957" y="-19821"/>
+                  <a:pt x="1627405" y="5721"/>
+                  <a:pt x="1926572" y="0"/>
+                </a:cubicBezTo>
+                <a:cubicBezTo>
+                  <a:pt x="2225739" y="-5721"/>
+                  <a:pt x="2137730" y="-3235"/>
+                  <a:pt x="2279325" y="0"/>
+                </a:cubicBezTo>
+                <a:cubicBezTo>
+                  <a:pt x="2420920" y="3235"/>
+                  <a:pt x="2456518" y="9685"/>
+                  <a:pt x="2632078" y="0"/>
+                </a:cubicBezTo>
+                <a:cubicBezTo>
+                  <a:pt x="2807638" y="-9685"/>
+                  <a:pt x="3211516" y="-43007"/>
+                  <a:pt x="3527527" y="0"/>
+                </a:cubicBezTo>
+                <a:cubicBezTo>
+                  <a:pt x="3843538" y="43007"/>
+                  <a:pt x="4058833" y="22042"/>
+                  <a:pt x="4205897" y="0"/>
+                </a:cubicBezTo>
+                <a:cubicBezTo>
+                  <a:pt x="4352961" y="-22042"/>
+                  <a:pt x="4474805" y="-11846"/>
+                  <a:pt x="4558650" y="0"/>
+                </a:cubicBezTo>
+                <a:cubicBezTo>
+                  <a:pt x="4642495" y="11846"/>
+                  <a:pt x="5041928" y="-6069"/>
+                  <a:pt x="5237020" y="0"/>
+                </a:cubicBezTo>
+                <a:cubicBezTo>
+                  <a:pt x="5432112" y="6069"/>
+                  <a:pt x="5943266" y="-17479"/>
+                  <a:pt x="6132469" y="0"/>
+                </a:cubicBezTo>
+                <a:cubicBezTo>
+                  <a:pt x="6321672" y="17479"/>
+                  <a:pt x="6483872" y="26234"/>
+                  <a:pt x="6702301" y="0"/>
+                </a:cubicBezTo>
+                <a:cubicBezTo>
+                  <a:pt x="6920730" y="-26234"/>
+                  <a:pt x="6991194" y="-15156"/>
+                  <a:pt x="7272132" y="0"/>
+                </a:cubicBezTo>
+                <a:cubicBezTo>
+                  <a:pt x="7553070" y="15156"/>
+                  <a:pt x="7684444" y="-32961"/>
+                  <a:pt x="7950502" y="0"/>
+                </a:cubicBezTo>
+                <a:cubicBezTo>
+                  <a:pt x="8216560" y="32961"/>
+                  <a:pt x="8493290" y="-10491"/>
+                  <a:pt x="8737412" y="0"/>
+                </a:cubicBezTo>
+                <a:cubicBezTo>
+                  <a:pt x="8981534" y="10491"/>
+                  <a:pt x="9191586" y="-13899"/>
+                  <a:pt x="9524322" y="0"/>
+                </a:cubicBezTo>
+                <a:cubicBezTo>
+                  <a:pt x="9857058" y="13899"/>
+                  <a:pt x="10297509" y="7485"/>
+                  <a:pt x="10853928" y="0"/>
+                </a:cubicBezTo>
+                <a:cubicBezTo>
+                  <a:pt x="10854574" y="4451"/>
+                  <a:pt x="10854418" y="9226"/>
+                  <a:pt x="10853928" y="18288"/>
+                </a:cubicBezTo>
+                <a:cubicBezTo>
+                  <a:pt x="10691638" y="28522"/>
+                  <a:pt x="10574319" y="29578"/>
+                  <a:pt x="10392636" y="18288"/>
+                </a:cubicBezTo>
+                <a:cubicBezTo>
+                  <a:pt x="10210953" y="6998"/>
+                  <a:pt x="9836277" y="-16742"/>
+                  <a:pt x="9497187" y="18288"/>
+                </a:cubicBezTo>
+                <a:cubicBezTo>
+                  <a:pt x="9158097" y="53318"/>
+                  <a:pt x="9119479" y="30714"/>
+                  <a:pt x="8818817" y="18288"/>
+                </a:cubicBezTo>
+                <a:cubicBezTo>
+                  <a:pt x="8518155" y="5863"/>
+                  <a:pt x="8640037" y="6483"/>
+                  <a:pt x="8466064" y="18288"/>
+                </a:cubicBezTo>
+                <a:cubicBezTo>
+                  <a:pt x="8292091" y="30093"/>
+                  <a:pt x="7997656" y="18914"/>
+                  <a:pt x="7787693" y="18288"/>
+                </a:cubicBezTo>
+                <a:cubicBezTo>
+                  <a:pt x="7577730" y="17662"/>
+                  <a:pt x="7412468" y="21416"/>
+                  <a:pt x="7217862" y="18288"/>
+                </a:cubicBezTo>
+                <a:cubicBezTo>
+                  <a:pt x="7023256" y="15160"/>
+                  <a:pt x="6898018" y="14824"/>
+                  <a:pt x="6648031" y="18288"/>
+                </a:cubicBezTo>
+                <a:cubicBezTo>
+                  <a:pt x="6398044" y="21752"/>
+                  <a:pt x="6254402" y="38625"/>
+                  <a:pt x="6078200" y="18288"/>
+                </a:cubicBezTo>
+                <a:cubicBezTo>
+                  <a:pt x="5901998" y="-2049"/>
+                  <a:pt x="5622886" y="3213"/>
+                  <a:pt x="5508368" y="18288"/>
+                </a:cubicBezTo>
+                <a:cubicBezTo>
+                  <a:pt x="5393850" y="33363"/>
+                  <a:pt x="5036260" y="26830"/>
+                  <a:pt x="4721459" y="18288"/>
+                </a:cubicBezTo>
+                <a:cubicBezTo>
+                  <a:pt x="4406658" y="9746"/>
+                  <a:pt x="4239221" y="41551"/>
+                  <a:pt x="4043088" y="18288"/>
+                </a:cubicBezTo>
+                <a:cubicBezTo>
+                  <a:pt x="3846955" y="-4975"/>
+                  <a:pt x="3818802" y="34658"/>
+                  <a:pt x="3690336" y="18288"/>
+                </a:cubicBezTo>
+                <a:cubicBezTo>
+                  <a:pt x="3561870" y="1918"/>
+                  <a:pt x="3265491" y="42194"/>
+                  <a:pt x="3120504" y="18288"/>
+                </a:cubicBezTo>
+                <a:cubicBezTo>
+                  <a:pt x="2975517" y="-5618"/>
+                  <a:pt x="2720254" y="36673"/>
+                  <a:pt x="2333595" y="18288"/>
+                </a:cubicBezTo>
+                <a:cubicBezTo>
+                  <a:pt x="1946936" y="-97"/>
+                  <a:pt x="2097241" y="5776"/>
+                  <a:pt x="1872303" y="18288"/>
+                </a:cubicBezTo>
+                <a:cubicBezTo>
+                  <a:pt x="1647365" y="30800"/>
+                  <a:pt x="1282708" y="45380"/>
+                  <a:pt x="976854" y="18288"/>
+                </a:cubicBezTo>
+                <a:cubicBezTo>
+                  <a:pt x="671000" y="-8804"/>
+                  <a:pt x="408401" y="-12775"/>
+                  <a:pt x="0" y="18288"/>
+                </a:cubicBezTo>
+                <a:cubicBezTo>
+                  <a:pt x="-213" y="9468"/>
+                  <a:pt x="187" y="4459"/>
+                  <a:pt x="0" y="0"/>
+                </a:cubicBezTo>
+                <a:close/>
+              </a:path>
+              <a:path w="10853928" h="18288" stroke="0" extrusionOk="0">
+                <a:moveTo>
+                  <a:pt x="0" y="0"/>
+                </a:moveTo>
+                <a:cubicBezTo>
+                  <a:pt x="267322" y="15284"/>
+                  <a:pt x="415388" y="-21048"/>
+                  <a:pt x="569831" y="0"/>
+                </a:cubicBezTo>
+                <a:cubicBezTo>
+                  <a:pt x="724274" y="21048"/>
+                  <a:pt x="769333" y="-2353"/>
+                  <a:pt x="922584" y="0"/>
+                </a:cubicBezTo>
+                <a:cubicBezTo>
+                  <a:pt x="1075835" y="2353"/>
+                  <a:pt x="1399490" y="-145"/>
+                  <a:pt x="1818033" y="0"/>
+                </a:cubicBezTo>
+                <a:cubicBezTo>
+                  <a:pt x="2236576" y="145"/>
+                  <a:pt x="2145330" y="5482"/>
+                  <a:pt x="2387864" y="0"/>
+                </a:cubicBezTo>
+                <a:cubicBezTo>
+                  <a:pt x="2630398" y="-5482"/>
+                  <a:pt x="2793207" y="18487"/>
+                  <a:pt x="2957695" y="0"/>
+                </a:cubicBezTo>
+                <a:cubicBezTo>
+                  <a:pt x="3122183" y="-18487"/>
+                  <a:pt x="3579141" y="19003"/>
+                  <a:pt x="3853144" y="0"/>
+                </a:cubicBezTo>
+                <a:cubicBezTo>
+                  <a:pt x="4127147" y="-19003"/>
+                  <a:pt x="4209857" y="12211"/>
+                  <a:pt x="4314436" y="0"/>
+                </a:cubicBezTo>
+                <a:cubicBezTo>
+                  <a:pt x="4419015" y="-12211"/>
+                  <a:pt x="4762459" y="-17220"/>
+                  <a:pt x="5209885" y="0"/>
+                </a:cubicBezTo>
+                <a:cubicBezTo>
+                  <a:pt x="5657311" y="17220"/>
+                  <a:pt x="5692663" y="-3290"/>
+                  <a:pt x="6105335" y="0"/>
+                </a:cubicBezTo>
+                <a:cubicBezTo>
+                  <a:pt x="6518007" y="3290"/>
+                  <a:pt x="6455516" y="-5124"/>
+                  <a:pt x="6783705" y="0"/>
+                </a:cubicBezTo>
+                <a:cubicBezTo>
+                  <a:pt x="7111894" y="5124"/>
+                  <a:pt x="7441941" y="-17829"/>
+                  <a:pt x="7679154" y="0"/>
+                </a:cubicBezTo>
+                <a:cubicBezTo>
+                  <a:pt x="7916367" y="17829"/>
+                  <a:pt x="8102967" y="-24363"/>
+                  <a:pt x="8248985" y="0"/>
+                </a:cubicBezTo>
+                <a:cubicBezTo>
+                  <a:pt x="8395003" y="24363"/>
+                  <a:pt x="8552393" y="25505"/>
+                  <a:pt x="8818817" y="0"/>
+                </a:cubicBezTo>
+                <a:cubicBezTo>
+                  <a:pt x="9085241" y="-25505"/>
+                  <a:pt x="9411308" y="38000"/>
+                  <a:pt x="9605726" y="0"/>
+                </a:cubicBezTo>
+                <a:cubicBezTo>
+                  <a:pt x="9800144" y="-38000"/>
+                  <a:pt x="10006468" y="-25741"/>
+                  <a:pt x="10175558" y="0"/>
+                </a:cubicBezTo>
+                <a:cubicBezTo>
+                  <a:pt x="10344648" y="25741"/>
+                  <a:pt x="10696282" y="695"/>
+                  <a:pt x="10853928" y="0"/>
+                </a:cubicBezTo>
+                <a:cubicBezTo>
+                  <a:pt x="10853521" y="8690"/>
+                  <a:pt x="10853774" y="14141"/>
+                  <a:pt x="10853928" y="18288"/>
+                </a:cubicBezTo>
+                <a:cubicBezTo>
+                  <a:pt x="10608124" y="24255"/>
+                  <a:pt x="10343415" y="22307"/>
+                  <a:pt x="10067018" y="18288"/>
+                </a:cubicBezTo>
+                <a:cubicBezTo>
+                  <a:pt x="9790621" y="14270"/>
+                  <a:pt x="9843266" y="3564"/>
+                  <a:pt x="9714266" y="18288"/>
+                </a:cubicBezTo>
+                <a:cubicBezTo>
+                  <a:pt x="9585266" y="33012"/>
+                  <a:pt x="9379484" y="1875"/>
+                  <a:pt x="9252974" y="18288"/>
+                </a:cubicBezTo>
+                <a:cubicBezTo>
+                  <a:pt x="9126464" y="34701"/>
+                  <a:pt x="8580678" y="-4904"/>
+                  <a:pt x="8357525" y="18288"/>
+                </a:cubicBezTo>
+                <a:cubicBezTo>
+                  <a:pt x="8134372" y="41480"/>
+                  <a:pt x="7903199" y="26458"/>
+                  <a:pt x="7679154" y="18288"/>
+                </a:cubicBezTo>
+                <a:cubicBezTo>
+                  <a:pt x="7455109" y="10118"/>
+                  <a:pt x="7435944" y="27109"/>
+                  <a:pt x="7217862" y="18288"/>
+                </a:cubicBezTo>
+                <a:cubicBezTo>
+                  <a:pt x="6999780" y="9467"/>
+                  <a:pt x="6680409" y="18985"/>
+                  <a:pt x="6539492" y="18288"/>
+                </a:cubicBezTo>
+                <a:cubicBezTo>
+                  <a:pt x="6398575" y="17592"/>
+                  <a:pt x="6312077" y="33018"/>
+                  <a:pt x="6186739" y="18288"/>
+                </a:cubicBezTo>
+                <a:cubicBezTo>
+                  <a:pt x="6061401" y="3558"/>
+                  <a:pt x="5947033" y="12075"/>
+                  <a:pt x="5833986" y="18288"/>
+                </a:cubicBezTo>
+                <a:cubicBezTo>
+                  <a:pt x="5720939" y="24501"/>
+                  <a:pt x="5482226" y="8586"/>
+                  <a:pt x="5155616" y="18288"/>
+                </a:cubicBezTo>
+                <a:cubicBezTo>
+                  <a:pt x="4829006" y="27991"/>
+                  <a:pt x="4841274" y="29316"/>
+                  <a:pt x="4694324" y="18288"/>
+                </a:cubicBezTo>
+                <a:cubicBezTo>
+                  <a:pt x="4547374" y="7260"/>
+                  <a:pt x="4077675" y="7013"/>
+                  <a:pt x="3907414" y="18288"/>
+                </a:cubicBezTo>
+                <a:cubicBezTo>
+                  <a:pt x="3737153" y="29564"/>
+                  <a:pt x="3538393" y="21630"/>
+                  <a:pt x="3446122" y="18288"/>
+                </a:cubicBezTo>
+                <a:cubicBezTo>
+                  <a:pt x="3353851" y="14946"/>
+                  <a:pt x="2990320" y="-8091"/>
+                  <a:pt x="2659212" y="18288"/>
+                </a:cubicBezTo>
+                <a:cubicBezTo>
+                  <a:pt x="2328104" y="44667"/>
+                  <a:pt x="2427653" y="9607"/>
+                  <a:pt x="2306460" y="18288"/>
+                </a:cubicBezTo>
+                <a:cubicBezTo>
+                  <a:pt x="2185267" y="26969"/>
+                  <a:pt x="1719763" y="3717"/>
+                  <a:pt x="1519550" y="18288"/>
+                </a:cubicBezTo>
+                <a:cubicBezTo>
+                  <a:pt x="1319337" y="32860"/>
+                  <a:pt x="1167371" y="17040"/>
+                  <a:pt x="1058258" y="18288"/>
+                </a:cubicBezTo>
+                <a:cubicBezTo>
+                  <a:pt x="949145" y="19536"/>
+                  <a:pt x="780234" y="31447"/>
+                  <a:pt x="705505" y="18288"/>
+                </a:cubicBezTo>
+                <a:cubicBezTo>
+                  <a:pt x="630776" y="5129"/>
+                  <a:pt x="215796" y="30056"/>
+                  <a:pt x="0" y="18288"/>
+                </a:cubicBezTo>
+                <a:cubicBezTo>
+                  <a:pt x="-53" y="11301"/>
+                  <a:pt x="-649" y="7756"/>
+                  <a:pt x="0" y="0"/>
+                </a:cubicBezTo>
+                <a:close/>
+              </a:path>
+            </a:pathLst>
+          </a:custGeom>
+          <a:solidFill>
+            <a:schemeClr val="accent2"/>
+          </a:solidFill>
+          <a:ln w="41275" cap="rnd">
+            <a:solidFill>
+              <a:schemeClr val="accent2"/>
+            </a:solidFill>
+            <a:round/>
+            <a:extLst>
+              <a:ext uri="{C807C97D-BFC1-408E-A445-0C87EB9F89A2}">
+                <ask:lineSketchStyleProps xmlns:ask="http://schemas.microsoft.com/office/drawing/2018/sketchyshapes" sd="1219033472">
+                  <a:prstGeom prst="rect">
+                    <a:avLst/>
+                  </a:prstGeom>
+                  <ask:type>
+                    <ask:lineSketchFreehand/>
+                  </ask:type>
+                </ask:lineSketchStyleProps>
+              </a:ext>
+            </a:extLst>
+          </a:ln>
+        </p:spPr>
+        <p:style>
+          <a:lnRef idx="2">
+            <a:schemeClr val="accent1">
+              <a:shade val="50000"/>
+            </a:schemeClr>
+          </a:lnRef>
+          <a:fillRef idx="1">
+            <a:schemeClr val="accent1"/>
+          </a:fillRef>
+          <a:effectRef idx="0">
+            <a:schemeClr val="accent1"/>
+          </a:effectRef>
+          <a:fontRef idx="minor">
+            <a:schemeClr val="lt1"/>
+          </a:fontRef>
+        </p:style>
+        <p:txBody>
+          <a:bodyPr rtlCol="0" anchor="ctr"/>
+          <a:lstStyle/>
+          <a:p>
+            <a:pPr marL="0" marR="0" lvl="0" indent="0" algn="ctr" defTabSz="914400" rtl="0" eaLnBrk="1" fontAlgn="auto" latinLnBrk="0" hangingPunct="1">
+              <a:lnSpc>
+                <a:spcPct val="100000"/>
+              </a:lnSpc>
+              <a:spcBef>
+                <a:spcPts val="0"/>
+              </a:spcBef>
+              <a:spcAft>
+                <a:spcPts val="0"/>
+              </a:spcAft>
+              <a:buClrTx/>
+              <a:buSzTx/>
+              <a:buFontTx/>
+              <a:buNone/>
+              <a:tabLst/>
+              <a:defRPr/>
+            </a:pPr>
+            <a:endParaRPr kumimoji="0" lang="en-US" sz="1800" b="0" i="0" u="none" strike="noStrike" kern="1200" cap="none" spc="0" normalizeH="0" baseline="0" noProof="0">
+              <a:ln>
+                <a:noFill/>
+              </a:ln>
+              <a:solidFill>
+                <a:prstClr val="white"/>
+              </a:solidFill>
+              <a:effectLst/>
+              <a:uLnTx/>
+              <a:uFillTx/>
+              <a:latin typeface="Aptos" panose="02110004020202020204"/>
+              <a:ea typeface="+mn-ea"/>
+              <a:cs typeface="+mn-cs"/>
+            </a:endParaRPr>
+          </a:p>
+        </p:txBody>
+      </p:sp>
+      <p:pic>
+        <p:nvPicPr>
+          <p:cNvPr id="5" name="Picture 4">
+            <a:extLst>
+              <a:ext uri="{FF2B5EF4-FFF2-40B4-BE49-F238E27FC236}">
+                <a16:creationId xmlns:a16="http://schemas.microsoft.com/office/drawing/2014/main" id="{32930905-B334-CECC-959A-B522C3DEE443}"/>
+              </a:ext>
+            </a:extLst>
+          </p:cNvPr>
+          <p:cNvPicPr>
+            <a:picLocks noChangeAspect="1"/>
+          </p:cNvPicPr>
+          <p:nvPr/>
+        </p:nvPicPr>
+        <p:blipFill>
+          <a:blip r:embed="rId3"/>
+          <a:stretch>
+            <a:fillRect/>
+          </a:stretch>
+        </p:blipFill>
+        <p:spPr>
+          <a:xfrm>
+            <a:off x="1726398" y="1907495"/>
+            <a:ext cx="8304291" cy="4637461"/>
+          </a:xfrm>
+          <a:prstGeom prst="rect">
+            <a:avLst/>
+          </a:prstGeom>
+        </p:spPr>
+      </p:pic>
+    </p:spTree>
+    <p:extLst>
+      <p:ext uri="{BB962C8B-B14F-4D97-AF65-F5344CB8AC3E}">
+        <p14:creationId xmlns:p14="http://schemas.microsoft.com/office/powerpoint/2010/main" val="2507713645"/>
+      </p:ext>
+    </p:extLst>
+  </p:cSld>
+  <p:clrMapOvr>
+    <a:masterClrMapping/>
+  </p:clrMapOvr>
+</p:sld>
+</file>
+
+<file path=ppt/slides/slide49.xml><?xml version="1.0" encoding="utf-8"?>
+<p:sld xmlns:a="http://schemas.openxmlformats.org/drawingml/2006/main" xmlns:r="http://schemas.openxmlformats.org/officeDocument/2006/relationships" xmlns:p="http://schemas.openxmlformats.org/presentationml/2006/main">
+  <p:cSld>
+    <p:bg>
+      <p:bgPr>
+        <a:solidFill>
+          <a:schemeClr val="bg1"/>
+        </a:solidFill>
+        <a:effectLst/>
+      </p:bgPr>
+    </p:bg>
+    <p:spTree>
+      <p:nvGrpSpPr>
         <p:cNvPr id="1" name=""/>
         <p:cNvGrpSpPr/>
         <p:nvPr/>
@@ -42209,359 +49680,6 @@
     <p:extLst>
       <p:ext uri="{BB962C8B-B14F-4D97-AF65-F5344CB8AC3E}">
         <p14:creationId xmlns:p14="http://schemas.microsoft.com/office/powerpoint/2010/main" val="1936368771"/>
-      </p:ext>
-    </p:extLst>
-  </p:cSld>
-  <p:clrMapOvr>
-    <a:masterClrMapping/>
-  </p:clrMapOvr>
-</p:sld>
-</file>
-
-<file path=ppt/slides/slide44.xml><?xml version="1.0" encoding="utf-8"?>
-<p:sld xmlns:a="http://schemas.openxmlformats.org/drawingml/2006/main" xmlns:r="http://schemas.openxmlformats.org/officeDocument/2006/relationships" xmlns:p="http://schemas.openxmlformats.org/presentationml/2006/main">
-  <p:cSld>
-    <p:bg>
-      <p:bgPr>
-        <a:solidFill>
-          <a:schemeClr val="bg1"/>
-        </a:solidFill>
-        <a:effectLst/>
-      </p:bgPr>
-    </p:bg>
-    <p:spTree>
-      <p:nvGrpSpPr>
-        <p:cNvPr id="1" name="">
-          <a:extLst>
-            <a:ext uri="{FF2B5EF4-FFF2-40B4-BE49-F238E27FC236}">
-              <a16:creationId xmlns:a16="http://schemas.microsoft.com/office/drawing/2014/main" id="{4A8299C4-A57F-F76F-A252-0BDFCC66E676}"/>
-            </a:ext>
-          </a:extLst>
-        </p:cNvPr>
-        <p:cNvGrpSpPr/>
-        <p:nvPr/>
-      </p:nvGrpSpPr>
-      <p:grpSpPr>
-        <a:xfrm>
-          <a:off x="0" y="0"/>
-          <a:ext cx="0" cy="0"/>
-          <a:chOff x="0" y="0"/>
-          <a:chExt cx="0" cy="0"/>
-        </a:xfrm>
-      </p:grpSpPr>
-      <p:sp useBgFill="1">
-        <p:nvSpPr>
-          <p:cNvPr id="24" name="Rectangle 23">
-            <a:extLst>
-              <a:ext uri="{FF2B5EF4-FFF2-40B4-BE49-F238E27FC236}">
-                <a16:creationId xmlns:a16="http://schemas.microsoft.com/office/drawing/2014/main" id="{D79EAD09-A52B-3F40-20A0-992FD5B02C2D}"/>
-              </a:ext>
-              <a:ext uri="{C183D7F6-B498-43B3-948B-1728B52AA6E4}">
-                <adec:decorative xmlns:adec="http://schemas.microsoft.com/office/drawing/2017/decorative" val="1"/>
-              </a:ext>
-            </a:extLst>
-          </p:cNvPr>
-          <p:cNvSpPr>
-            <a:spLocks noGrp="1" noRot="1" noChangeAspect="1" noMove="1" noResize="1" noEditPoints="1" noAdjustHandles="1" noChangeArrowheads="1" noChangeShapeType="1" noTextEdit="1"/>
-          </p:cNvSpPr>
-          <p:nvPr>
-            <p:extLst>
-              <p:ext uri="{386F3935-93C4-4BCD-93E2-E3B085C9AB24}">
-                <p16:designElem xmlns:p16="http://schemas.microsoft.com/office/powerpoint/2015/main" val="1"/>
-              </p:ext>
-            </p:extLst>
-          </p:nvPr>
-        </p:nvSpPr>
-        <p:spPr>
-          <a:xfrm>
-            <a:off x="3048" y="4293"/>
-            <a:ext cx="12188952" cy="6858000"/>
-          </a:xfrm>
-          <a:prstGeom prst="rect">
-            <a:avLst/>
-          </a:prstGeom>
-          <a:ln>
-            <a:noFill/>
-          </a:ln>
-        </p:spPr>
-        <p:style>
-          <a:lnRef idx="2">
-            <a:schemeClr val="accent1">
-              <a:shade val="50000"/>
-            </a:schemeClr>
-          </a:lnRef>
-          <a:fillRef idx="1">
-            <a:schemeClr val="accent1"/>
-          </a:fillRef>
-          <a:effectRef idx="0">
-            <a:schemeClr val="accent1"/>
-          </a:effectRef>
-          <a:fontRef idx="minor">
-            <a:schemeClr val="lt1"/>
-          </a:fontRef>
-        </p:style>
-        <p:txBody>
-          <a:bodyPr rtlCol="0" anchor="ctr"/>
-          <a:lstStyle/>
-          <a:p>
-            <a:pPr marL="0" marR="0" lvl="0" indent="0" algn="ctr" defTabSz="914400" rtl="0" eaLnBrk="1" fontAlgn="auto" latinLnBrk="0" hangingPunct="1">
-              <a:lnSpc>
-                <a:spcPct val="100000"/>
-              </a:lnSpc>
-              <a:spcBef>
-                <a:spcPts val="0"/>
-              </a:spcBef>
-              <a:spcAft>
-                <a:spcPts val="0"/>
-              </a:spcAft>
-              <a:buClrTx/>
-              <a:buSzTx/>
-              <a:buFontTx/>
-              <a:buNone/>
-              <a:tabLst/>
-              <a:defRPr/>
-            </a:pPr>
-            <a:endParaRPr kumimoji="0" lang="en-US" sz="1800" b="0" i="0" u="none" strike="noStrike" kern="1200" cap="none" spc="0" normalizeH="0" baseline="0" noProof="0">
-              <a:ln>
-                <a:noFill/>
-              </a:ln>
-              <a:solidFill>
-                <a:prstClr val="white"/>
-              </a:solidFill>
-              <a:effectLst/>
-              <a:uLnTx/>
-              <a:uFillTx/>
-              <a:latin typeface="Aptos" panose="02110004020202020204"/>
-              <a:ea typeface="+mn-ea"/>
-              <a:cs typeface="+mn-cs"/>
-            </a:endParaRPr>
-          </a:p>
-        </p:txBody>
-      </p:sp>
-      <p:sp>
-        <p:nvSpPr>
-          <p:cNvPr id="25" name="Rectangle 24">
-            <a:extLst>
-              <a:ext uri="{FF2B5EF4-FFF2-40B4-BE49-F238E27FC236}">
-                <a16:creationId xmlns:a16="http://schemas.microsoft.com/office/drawing/2014/main" id="{E3C6766D-7230-6D6A-2178-AFEA6D3E8834}"/>
-              </a:ext>
-              <a:ext uri="{C183D7F6-B498-43B3-948B-1728B52AA6E4}">
-                <adec:decorative xmlns:adec="http://schemas.microsoft.com/office/drawing/2017/decorative" val="1"/>
-              </a:ext>
-            </a:extLst>
-          </p:cNvPr>
-          <p:cNvSpPr>
-            <a:spLocks noGrp="1" noRot="1" noChangeAspect="1" noMove="1" noResize="1" noEditPoints="1" noAdjustHandles="1" noChangeArrowheads="1" noChangeShapeType="1" noTextEdit="1"/>
-          </p:cNvSpPr>
-          <p:nvPr>
-            <p:extLst>
-              <p:ext uri="{386F3935-93C4-4BCD-93E2-E3B085C9AB24}">
-                <p16:designElem xmlns:p16="http://schemas.microsoft.com/office/powerpoint/2015/main" val="1"/>
-              </p:ext>
-            </p:extLst>
-          </p:nvPr>
-        </p:nvSpPr>
-        <p:spPr>
-          <a:xfrm>
-            <a:off x="0" y="-4"/>
-            <a:ext cx="4167268" cy="6858004"/>
-          </a:xfrm>
-          <a:prstGeom prst="rect">
-            <a:avLst/>
-          </a:prstGeom>
-          <a:solidFill>
-            <a:schemeClr val="accent2"/>
-          </a:solidFill>
-          <a:ln>
-            <a:noFill/>
-          </a:ln>
-        </p:spPr>
-        <p:style>
-          <a:lnRef idx="2">
-            <a:schemeClr val="accent1">
-              <a:shade val="50000"/>
-            </a:schemeClr>
-          </a:lnRef>
-          <a:fillRef idx="1">
-            <a:schemeClr val="accent1"/>
-          </a:fillRef>
-          <a:effectRef idx="0">
-            <a:schemeClr val="accent1"/>
-          </a:effectRef>
-          <a:fontRef idx="minor">
-            <a:schemeClr val="lt1"/>
-          </a:fontRef>
-        </p:style>
-        <p:txBody>
-          <a:bodyPr rtlCol="0" anchor="ctr"/>
-          <a:lstStyle/>
-          <a:p>
-            <a:pPr marL="0" marR="0" lvl="0" indent="0" algn="ctr" defTabSz="914400" rtl="0" eaLnBrk="1" fontAlgn="auto" latinLnBrk="0" hangingPunct="1">
-              <a:lnSpc>
-                <a:spcPct val="100000"/>
-              </a:lnSpc>
-              <a:spcBef>
-                <a:spcPts val="0"/>
-              </a:spcBef>
-              <a:spcAft>
-                <a:spcPts val="0"/>
-              </a:spcAft>
-              <a:buClrTx/>
-              <a:buSzTx/>
-              <a:buFontTx/>
-              <a:buNone/>
-              <a:tabLst/>
-              <a:defRPr/>
-            </a:pPr>
-            <a:endParaRPr kumimoji="0" lang="en-US" sz="1800" b="0" i="0" u="none" strike="noStrike" kern="1200" cap="none" spc="0" normalizeH="0" baseline="0" noProof="0">
-              <a:ln>
-                <a:noFill/>
-              </a:ln>
-              <a:solidFill>
-                <a:prstClr val="white"/>
-              </a:solidFill>
-              <a:effectLst/>
-              <a:uLnTx/>
-              <a:uFillTx/>
-              <a:latin typeface="Aptos" panose="02110004020202020204"/>
-              <a:ea typeface="+mn-ea"/>
-              <a:cs typeface="+mn-cs"/>
-            </a:endParaRPr>
-          </a:p>
-        </p:txBody>
-      </p:sp>
-      <p:sp>
-        <p:nvSpPr>
-          <p:cNvPr id="26" name="Arc 25">
-            <a:extLst>
-              <a:ext uri="{FF2B5EF4-FFF2-40B4-BE49-F238E27FC236}">
-                <a16:creationId xmlns:a16="http://schemas.microsoft.com/office/drawing/2014/main" id="{7098CF42-3639-BD0B-AB92-5E94C9F7FB6D}"/>
-              </a:ext>
-              <a:ext uri="{C183D7F6-B498-43B3-948B-1728B52AA6E4}">
-                <adec:decorative xmlns:adec="http://schemas.microsoft.com/office/drawing/2017/decorative" val="1"/>
-              </a:ext>
-            </a:extLst>
-          </p:cNvPr>
-          <p:cNvSpPr>
-            <a:spLocks noGrp="1" noRot="1" noChangeAspect="1" noMove="1" noResize="1" noEditPoints="1" noAdjustHandles="1" noChangeArrowheads="1" noChangeShapeType="1" noTextEdit="1"/>
-          </p:cNvSpPr>
-          <p:nvPr>
-            <p:extLst>
-              <p:ext uri="{386F3935-93C4-4BCD-93E2-E3B085C9AB24}">
-                <p16:designElem xmlns:p16="http://schemas.microsoft.com/office/powerpoint/2015/main" val="1"/>
-              </p:ext>
-            </p:extLst>
-          </p:nvPr>
-        </p:nvSpPr>
-        <p:spPr>
-          <a:xfrm flipV="1">
-            <a:off x="7550402" y="2455479"/>
-            <a:ext cx="4083433" cy="4083433"/>
-          </a:xfrm>
-          <a:prstGeom prst="arc">
-            <a:avLst/>
-          </a:prstGeom>
-          <a:ln w="127000" cap="rnd">
-            <a:solidFill>
-              <a:schemeClr val="accent4"/>
-            </a:solidFill>
-            <a:prstDash val="dash"/>
-          </a:ln>
-        </p:spPr>
-        <p:style>
-          <a:lnRef idx="1">
-            <a:schemeClr val="accent1"/>
-          </a:lnRef>
-          <a:fillRef idx="0">
-            <a:schemeClr val="accent1"/>
-          </a:fillRef>
-          <a:effectRef idx="0">
-            <a:schemeClr val="accent1"/>
-          </a:effectRef>
-          <a:fontRef idx="minor">
-            <a:schemeClr val="tx1"/>
-          </a:fontRef>
-        </p:style>
-        <p:txBody>
-          <a:bodyPr rtlCol="0" anchor="ctr"/>
-          <a:lstStyle/>
-          <a:p>
-            <a:pPr marL="0" marR="0" lvl="0" indent="0" algn="ctr" defTabSz="914400" rtl="0" eaLnBrk="1" fontAlgn="auto" latinLnBrk="0" hangingPunct="1">
-              <a:lnSpc>
-                <a:spcPct val="100000"/>
-              </a:lnSpc>
-              <a:spcBef>
-                <a:spcPts val="0"/>
-              </a:spcBef>
-              <a:spcAft>
-                <a:spcPts val="0"/>
-              </a:spcAft>
-              <a:buClrTx/>
-              <a:buSzTx/>
-              <a:buFontTx/>
-              <a:buNone/>
-              <a:tabLst/>
-              <a:defRPr/>
-            </a:pPr>
-            <a:endParaRPr kumimoji="0" lang="en-US" sz="1800" b="0" i="0" u="none" strike="noStrike" kern="1200" cap="none" spc="0" normalizeH="0" baseline="0" noProof="0" dirty="0">
-              <a:ln>
-                <a:noFill/>
-              </a:ln>
-              <a:solidFill>
-                <a:prstClr val="black"/>
-              </a:solidFill>
-              <a:effectLst/>
-              <a:uLnTx/>
-              <a:uFillTx/>
-              <a:latin typeface="Aptos" panose="02110004020202020204"/>
-              <a:ea typeface="+mn-ea"/>
-              <a:cs typeface="+mn-cs"/>
-            </a:endParaRPr>
-          </a:p>
-        </p:txBody>
-      </p:sp>
-      <p:sp>
-        <p:nvSpPr>
-          <p:cNvPr id="3" name="Content Placeholder 2">
-            <a:extLst>
-              <a:ext uri="{FF2B5EF4-FFF2-40B4-BE49-F238E27FC236}">
-                <a16:creationId xmlns:a16="http://schemas.microsoft.com/office/drawing/2014/main" id="{19BE6953-44A8-E351-F8C5-9B2D6522B55D}"/>
-              </a:ext>
-            </a:extLst>
-          </p:cNvPr>
-          <p:cNvSpPr>
-            <a:spLocks noGrp="1"/>
-          </p:cNvSpPr>
-          <p:nvPr>
-            <p:ph idx="1"/>
-          </p:nvPr>
-        </p:nvSpPr>
-        <p:spPr>
-          <a:xfrm>
-            <a:off x="4447308" y="591344"/>
-            <a:ext cx="6906491" cy="5585619"/>
-          </a:xfrm>
-        </p:spPr>
-        <p:txBody>
-          <a:bodyPr anchor="ctr">
-            <a:normAutofit/>
-          </a:bodyPr>
-          <a:lstStyle/>
-          <a:p>
-            <a:pPr marL="0" indent="0">
-              <a:buNone/>
-            </a:pPr>
-            <a:r>
-              <a:rPr lang="en-US" dirty="0"/>
-              <a:t>Thank you</a:t>
-            </a:r>
-          </a:p>
-        </p:txBody>
-      </p:sp>
-    </p:spTree>
-    <p:extLst>
-      <p:ext uri="{BB962C8B-B14F-4D97-AF65-F5344CB8AC3E}">
-        <p14:creationId xmlns:p14="http://schemas.microsoft.com/office/powerpoint/2010/main" val="1409184322"/>
       </p:ext>
     </p:extLst>
   </p:cSld>
@@ -43510,6 +50628,359 @@
     <p:extLst>
       <p:ext uri="{BB962C8B-B14F-4D97-AF65-F5344CB8AC3E}">
         <p14:creationId xmlns:p14="http://schemas.microsoft.com/office/powerpoint/2010/main" val="3271061646"/>
+      </p:ext>
+    </p:extLst>
+  </p:cSld>
+  <p:clrMapOvr>
+    <a:masterClrMapping/>
+  </p:clrMapOvr>
+</p:sld>
+</file>
+
+<file path=ppt/slides/slide50.xml><?xml version="1.0" encoding="utf-8"?>
+<p:sld xmlns:a="http://schemas.openxmlformats.org/drawingml/2006/main" xmlns:r="http://schemas.openxmlformats.org/officeDocument/2006/relationships" xmlns:p="http://schemas.openxmlformats.org/presentationml/2006/main">
+  <p:cSld>
+    <p:bg>
+      <p:bgPr>
+        <a:solidFill>
+          <a:schemeClr val="bg1"/>
+        </a:solidFill>
+        <a:effectLst/>
+      </p:bgPr>
+    </p:bg>
+    <p:spTree>
+      <p:nvGrpSpPr>
+        <p:cNvPr id="1" name="">
+          <a:extLst>
+            <a:ext uri="{FF2B5EF4-FFF2-40B4-BE49-F238E27FC236}">
+              <a16:creationId xmlns:a16="http://schemas.microsoft.com/office/drawing/2014/main" id="{4A8299C4-A57F-F76F-A252-0BDFCC66E676}"/>
+            </a:ext>
+          </a:extLst>
+        </p:cNvPr>
+        <p:cNvGrpSpPr/>
+        <p:nvPr/>
+      </p:nvGrpSpPr>
+      <p:grpSpPr>
+        <a:xfrm>
+          <a:off x="0" y="0"/>
+          <a:ext cx="0" cy="0"/>
+          <a:chOff x="0" y="0"/>
+          <a:chExt cx="0" cy="0"/>
+        </a:xfrm>
+      </p:grpSpPr>
+      <p:sp useBgFill="1">
+        <p:nvSpPr>
+          <p:cNvPr id="24" name="Rectangle 23">
+            <a:extLst>
+              <a:ext uri="{FF2B5EF4-FFF2-40B4-BE49-F238E27FC236}">
+                <a16:creationId xmlns:a16="http://schemas.microsoft.com/office/drawing/2014/main" id="{D79EAD09-A52B-3F40-20A0-992FD5B02C2D}"/>
+              </a:ext>
+              <a:ext uri="{C183D7F6-B498-43B3-948B-1728B52AA6E4}">
+                <adec:decorative xmlns:adec="http://schemas.microsoft.com/office/drawing/2017/decorative" val="1"/>
+              </a:ext>
+            </a:extLst>
+          </p:cNvPr>
+          <p:cNvSpPr>
+            <a:spLocks noGrp="1" noRot="1" noChangeAspect="1" noMove="1" noResize="1" noEditPoints="1" noAdjustHandles="1" noChangeArrowheads="1" noChangeShapeType="1" noTextEdit="1"/>
+          </p:cNvSpPr>
+          <p:nvPr>
+            <p:extLst>
+              <p:ext uri="{386F3935-93C4-4BCD-93E2-E3B085C9AB24}">
+                <p16:designElem xmlns:p16="http://schemas.microsoft.com/office/powerpoint/2015/main" val="1"/>
+              </p:ext>
+            </p:extLst>
+          </p:nvPr>
+        </p:nvSpPr>
+        <p:spPr>
+          <a:xfrm>
+            <a:off x="3048" y="4293"/>
+            <a:ext cx="12188952" cy="6858000"/>
+          </a:xfrm>
+          <a:prstGeom prst="rect">
+            <a:avLst/>
+          </a:prstGeom>
+          <a:ln>
+            <a:noFill/>
+          </a:ln>
+        </p:spPr>
+        <p:style>
+          <a:lnRef idx="2">
+            <a:schemeClr val="accent1">
+              <a:shade val="50000"/>
+            </a:schemeClr>
+          </a:lnRef>
+          <a:fillRef idx="1">
+            <a:schemeClr val="accent1"/>
+          </a:fillRef>
+          <a:effectRef idx="0">
+            <a:schemeClr val="accent1"/>
+          </a:effectRef>
+          <a:fontRef idx="minor">
+            <a:schemeClr val="lt1"/>
+          </a:fontRef>
+        </p:style>
+        <p:txBody>
+          <a:bodyPr rtlCol="0" anchor="ctr"/>
+          <a:lstStyle/>
+          <a:p>
+            <a:pPr marL="0" marR="0" lvl="0" indent="0" algn="ctr" defTabSz="914400" rtl="0" eaLnBrk="1" fontAlgn="auto" latinLnBrk="0" hangingPunct="1">
+              <a:lnSpc>
+                <a:spcPct val="100000"/>
+              </a:lnSpc>
+              <a:spcBef>
+                <a:spcPts val="0"/>
+              </a:spcBef>
+              <a:spcAft>
+                <a:spcPts val="0"/>
+              </a:spcAft>
+              <a:buClrTx/>
+              <a:buSzTx/>
+              <a:buFontTx/>
+              <a:buNone/>
+              <a:tabLst/>
+              <a:defRPr/>
+            </a:pPr>
+            <a:endParaRPr kumimoji="0" lang="en-US" sz="1800" b="0" i="0" u="none" strike="noStrike" kern="1200" cap="none" spc="0" normalizeH="0" baseline="0" noProof="0">
+              <a:ln>
+                <a:noFill/>
+              </a:ln>
+              <a:solidFill>
+                <a:prstClr val="white"/>
+              </a:solidFill>
+              <a:effectLst/>
+              <a:uLnTx/>
+              <a:uFillTx/>
+              <a:latin typeface="Aptos" panose="02110004020202020204"/>
+              <a:ea typeface="+mn-ea"/>
+              <a:cs typeface="+mn-cs"/>
+            </a:endParaRPr>
+          </a:p>
+        </p:txBody>
+      </p:sp>
+      <p:sp>
+        <p:nvSpPr>
+          <p:cNvPr id="25" name="Rectangle 24">
+            <a:extLst>
+              <a:ext uri="{FF2B5EF4-FFF2-40B4-BE49-F238E27FC236}">
+                <a16:creationId xmlns:a16="http://schemas.microsoft.com/office/drawing/2014/main" id="{E3C6766D-7230-6D6A-2178-AFEA6D3E8834}"/>
+              </a:ext>
+              <a:ext uri="{C183D7F6-B498-43B3-948B-1728B52AA6E4}">
+                <adec:decorative xmlns:adec="http://schemas.microsoft.com/office/drawing/2017/decorative" val="1"/>
+              </a:ext>
+            </a:extLst>
+          </p:cNvPr>
+          <p:cNvSpPr>
+            <a:spLocks noGrp="1" noRot="1" noChangeAspect="1" noMove="1" noResize="1" noEditPoints="1" noAdjustHandles="1" noChangeArrowheads="1" noChangeShapeType="1" noTextEdit="1"/>
+          </p:cNvSpPr>
+          <p:nvPr>
+            <p:extLst>
+              <p:ext uri="{386F3935-93C4-4BCD-93E2-E3B085C9AB24}">
+                <p16:designElem xmlns:p16="http://schemas.microsoft.com/office/powerpoint/2015/main" val="1"/>
+              </p:ext>
+            </p:extLst>
+          </p:nvPr>
+        </p:nvSpPr>
+        <p:spPr>
+          <a:xfrm>
+            <a:off x="0" y="-4"/>
+            <a:ext cx="4167268" cy="6858004"/>
+          </a:xfrm>
+          <a:prstGeom prst="rect">
+            <a:avLst/>
+          </a:prstGeom>
+          <a:solidFill>
+            <a:schemeClr val="accent2"/>
+          </a:solidFill>
+          <a:ln>
+            <a:noFill/>
+          </a:ln>
+        </p:spPr>
+        <p:style>
+          <a:lnRef idx="2">
+            <a:schemeClr val="accent1">
+              <a:shade val="50000"/>
+            </a:schemeClr>
+          </a:lnRef>
+          <a:fillRef idx="1">
+            <a:schemeClr val="accent1"/>
+          </a:fillRef>
+          <a:effectRef idx="0">
+            <a:schemeClr val="accent1"/>
+          </a:effectRef>
+          <a:fontRef idx="minor">
+            <a:schemeClr val="lt1"/>
+          </a:fontRef>
+        </p:style>
+        <p:txBody>
+          <a:bodyPr rtlCol="0" anchor="ctr"/>
+          <a:lstStyle/>
+          <a:p>
+            <a:pPr marL="0" marR="0" lvl="0" indent="0" algn="ctr" defTabSz="914400" rtl="0" eaLnBrk="1" fontAlgn="auto" latinLnBrk="0" hangingPunct="1">
+              <a:lnSpc>
+                <a:spcPct val="100000"/>
+              </a:lnSpc>
+              <a:spcBef>
+                <a:spcPts val="0"/>
+              </a:spcBef>
+              <a:spcAft>
+                <a:spcPts val="0"/>
+              </a:spcAft>
+              <a:buClrTx/>
+              <a:buSzTx/>
+              <a:buFontTx/>
+              <a:buNone/>
+              <a:tabLst/>
+              <a:defRPr/>
+            </a:pPr>
+            <a:endParaRPr kumimoji="0" lang="en-US" sz="1800" b="0" i="0" u="none" strike="noStrike" kern="1200" cap="none" spc="0" normalizeH="0" baseline="0" noProof="0">
+              <a:ln>
+                <a:noFill/>
+              </a:ln>
+              <a:solidFill>
+                <a:prstClr val="white"/>
+              </a:solidFill>
+              <a:effectLst/>
+              <a:uLnTx/>
+              <a:uFillTx/>
+              <a:latin typeface="Aptos" panose="02110004020202020204"/>
+              <a:ea typeface="+mn-ea"/>
+              <a:cs typeface="+mn-cs"/>
+            </a:endParaRPr>
+          </a:p>
+        </p:txBody>
+      </p:sp>
+      <p:sp>
+        <p:nvSpPr>
+          <p:cNvPr id="26" name="Arc 25">
+            <a:extLst>
+              <a:ext uri="{FF2B5EF4-FFF2-40B4-BE49-F238E27FC236}">
+                <a16:creationId xmlns:a16="http://schemas.microsoft.com/office/drawing/2014/main" id="{7098CF42-3639-BD0B-AB92-5E94C9F7FB6D}"/>
+              </a:ext>
+              <a:ext uri="{C183D7F6-B498-43B3-948B-1728B52AA6E4}">
+                <adec:decorative xmlns:adec="http://schemas.microsoft.com/office/drawing/2017/decorative" val="1"/>
+              </a:ext>
+            </a:extLst>
+          </p:cNvPr>
+          <p:cNvSpPr>
+            <a:spLocks noGrp="1" noRot="1" noChangeAspect="1" noMove="1" noResize="1" noEditPoints="1" noAdjustHandles="1" noChangeArrowheads="1" noChangeShapeType="1" noTextEdit="1"/>
+          </p:cNvSpPr>
+          <p:nvPr>
+            <p:extLst>
+              <p:ext uri="{386F3935-93C4-4BCD-93E2-E3B085C9AB24}">
+                <p16:designElem xmlns:p16="http://schemas.microsoft.com/office/powerpoint/2015/main" val="1"/>
+              </p:ext>
+            </p:extLst>
+          </p:nvPr>
+        </p:nvSpPr>
+        <p:spPr>
+          <a:xfrm flipV="1">
+            <a:off x="7550402" y="2455479"/>
+            <a:ext cx="4083433" cy="4083433"/>
+          </a:xfrm>
+          <a:prstGeom prst="arc">
+            <a:avLst/>
+          </a:prstGeom>
+          <a:ln w="127000" cap="rnd">
+            <a:solidFill>
+              <a:schemeClr val="accent4"/>
+            </a:solidFill>
+            <a:prstDash val="dash"/>
+          </a:ln>
+        </p:spPr>
+        <p:style>
+          <a:lnRef idx="1">
+            <a:schemeClr val="accent1"/>
+          </a:lnRef>
+          <a:fillRef idx="0">
+            <a:schemeClr val="accent1"/>
+          </a:fillRef>
+          <a:effectRef idx="0">
+            <a:schemeClr val="accent1"/>
+          </a:effectRef>
+          <a:fontRef idx="minor">
+            <a:schemeClr val="tx1"/>
+          </a:fontRef>
+        </p:style>
+        <p:txBody>
+          <a:bodyPr rtlCol="0" anchor="ctr"/>
+          <a:lstStyle/>
+          <a:p>
+            <a:pPr marL="0" marR="0" lvl="0" indent="0" algn="ctr" defTabSz="914400" rtl="0" eaLnBrk="1" fontAlgn="auto" latinLnBrk="0" hangingPunct="1">
+              <a:lnSpc>
+                <a:spcPct val="100000"/>
+              </a:lnSpc>
+              <a:spcBef>
+                <a:spcPts val="0"/>
+              </a:spcBef>
+              <a:spcAft>
+                <a:spcPts val="0"/>
+              </a:spcAft>
+              <a:buClrTx/>
+              <a:buSzTx/>
+              <a:buFontTx/>
+              <a:buNone/>
+              <a:tabLst/>
+              <a:defRPr/>
+            </a:pPr>
+            <a:endParaRPr kumimoji="0" lang="en-US" sz="1800" b="0" i="0" u="none" strike="noStrike" kern="1200" cap="none" spc="0" normalizeH="0" baseline="0" noProof="0" dirty="0">
+              <a:ln>
+                <a:noFill/>
+              </a:ln>
+              <a:solidFill>
+                <a:prstClr val="black"/>
+              </a:solidFill>
+              <a:effectLst/>
+              <a:uLnTx/>
+              <a:uFillTx/>
+              <a:latin typeface="Aptos" panose="02110004020202020204"/>
+              <a:ea typeface="+mn-ea"/>
+              <a:cs typeface="+mn-cs"/>
+            </a:endParaRPr>
+          </a:p>
+        </p:txBody>
+      </p:sp>
+      <p:sp>
+        <p:nvSpPr>
+          <p:cNvPr id="3" name="Content Placeholder 2">
+            <a:extLst>
+              <a:ext uri="{FF2B5EF4-FFF2-40B4-BE49-F238E27FC236}">
+                <a16:creationId xmlns:a16="http://schemas.microsoft.com/office/drawing/2014/main" id="{19BE6953-44A8-E351-F8C5-9B2D6522B55D}"/>
+              </a:ext>
+            </a:extLst>
+          </p:cNvPr>
+          <p:cNvSpPr>
+            <a:spLocks noGrp="1"/>
+          </p:cNvSpPr>
+          <p:nvPr>
+            <p:ph idx="1"/>
+          </p:nvPr>
+        </p:nvSpPr>
+        <p:spPr>
+          <a:xfrm>
+            <a:off x="4447308" y="591344"/>
+            <a:ext cx="6906491" cy="5585619"/>
+          </a:xfrm>
+        </p:spPr>
+        <p:txBody>
+          <a:bodyPr anchor="ctr">
+            <a:normAutofit/>
+          </a:bodyPr>
+          <a:lstStyle/>
+          <a:p>
+            <a:pPr marL="0" indent="0">
+              <a:buNone/>
+            </a:pPr>
+            <a:r>
+              <a:rPr lang="en-US" dirty="0"/>
+              <a:t>Thank you</a:t>
+            </a:r>
+          </a:p>
+        </p:txBody>
+      </p:sp>
+    </p:spTree>
+    <p:extLst>
+      <p:ext uri="{BB962C8B-B14F-4D97-AF65-F5344CB8AC3E}">
+        <p14:creationId xmlns:p14="http://schemas.microsoft.com/office/powerpoint/2010/main" val="1409184322"/>
       </p:ext>
     </p:extLst>
   </p:cSld>
